--- a/vignettes/img/S05ggplot2/ggplot.pptx
+++ b/vignettes/img/S05ggplot2/ggplot.pptx
@@ -2,23 +2,24 @@
 <file path=ppt/presentation.xml><?xml version="1.0" encoding="utf-8"?>
 <p:presentation xmlns:a="http://schemas.openxmlformats.org/drawingml/2006/main" xmlns:r="http://schemas.openxmlformats.org/officeDocument/2006/relationships" xmlns:p="http://schemas.openxmlformats.org/presentationml/2006/main" saveSubsetFonts="1" autoCompressPictures="0">
   <p:sldMasterIdLst>
-    <p:sldMasterId id="2147483648" r:id="rId1"/>
+    <p:sldMasterId id="2147483684" r:id="rId1"/>
   </p:sldMasterIdLst>
   <p:notesMasterIdLst>
-    <p:notesMasterId r:id="rId5"/>
+    <p:notesMasterId r:id="rId6"/>
   </p:notesMasterIdLst>
   <p:sldIdLst>
-    <p:sldId id="645" r:id="rId2"/>
-    <p:sldId id="646" r:id="rId3"/>
-    <p:sldId id="647" r:id="rId4"/>
+    <p:sldId id="471" r:id="rId2"/>
+    <p:sldId id="472" r:id="rId3"/>
+    <p:sldId id="473" r:id="rId4"/>
+    <p:sldId id="474" r:id="rId5"/>
   </p:sldIdLst>
-  <p:sldSz cx="12192000" cy="6858000"/>
+  <p:sldSz cx="7199313" cy="4679950"/>
   <p:notesSz cx="6858000" cy="9144000"/>
   <p:defaultTextStyle>
     <a:defPPr>
-      <a:defRPr lang="fr-FR"/>
+      <a:defRPr lang="en-US"/>
     </a:defPPr>
-    <a:lvl1pPr marL="0" algn="l" defTabSz="914400" rtl="0" eaLnBrk="1" latinLnBrk="0" hangingPunct="1">
+    <a:lvl1pPr marL="0" algn="l" defTabSz="457200" rtl="0" eaLnBrk="1" latinLnBrk="0" hangingPunct="1">
       <a:defRPr sz="1800" kern="1200">
         <a:solidFill>
           <a:schemeClr val="tx1"/>
@@ -28,7 +29,7 @@
         <a:cs typeface="+mn-cs"/>
       </a:defRPr>
     </a:lvl1pPr>
-    <a:lvl2pPr marL="457200" algn="l" defTabSz="914400" rtl="0" eaLnBrk="1" latinLnBrk="0" hangingPunct="1">
+    <a:lvl2pPr marL="457200" algn="l" defTabSz="457200" rtl="0" eaLnBrk="1" latinLnBrk="0" hangingPunct="1">
       <a:defRPr sz="1800" kern="1200">
         <a:solidFill>
           <a:schemeClr val="tx1"/>
@@ -38,7 +39,7 @@
         <a:cs typeface="+mn-cs"/>
       </a:defRPr>
     </a:lvl2pPr>
-    <a:lvl3pPr marL="914400" algn="l" defTabSz="914400" rtl="0" eaLnBrk="1" latinLnBrk="0" hangingPunct="1">
+    <a:lvl3pPr marL="914400" algn="l" defTabSz="457200" rtl="0" eaLnBrk="1" latinLnBrk="0" hangingPunct="1">
       <a:defRPr sz="1800" kern="1200">
         <a:solidFill>
           <a:schemeClr val="tx1"/>
@@ -48,7 +49,7 @@
         <a:cs typeface="+mn-cs"/>
       </a:defRPr>
     </a:lvl3pPr>
-    <a:lvl4pPr marL="1371600" algn="l" defTabSz="914400" rtl="0" eaLnBrk="1" latinLnBrk="0" hangingPunct="1">
+    <a:lvl4pPr marL="1371600" algn="l" defTabSz="457200" rtl="0" eaLnBrk="1" latinLnBrk="0" hangingPunct="1">
       <a:defRPr sz="1800" kern="1200">
         <a:solidFill>
           <a:schemeClr val="tx1"/>
@@ -58,7 +59,7 @@
         <a:cs typeface="+mn-cs"/>
       </a:defRPr>
     </a:lvl4pPr>
-    <a:lvl5pPr marL="1828800" algn="l" defTabSz="914400" rtl="0" eaLnBrk="1" latinLnBrk="0" hangingPunct="1">
+    <a:lvl5pPr marL="1828800" algn="l" defTabSz="457200" rtl="0" eaLnBrk="1" latinLnBrk="0" hangingPunct="1">
       <a:defRPr sz="1800" kern="1200">
         <a:solidFill>
           <a:schemeClr val="tx1"/>
@@ -68,7 +69,7 @@
         <a:cs typeface="+mn-cs"/>
       </a:defRPr>
     </a:lvl5pPr>
-    <a:lvl6pPr marL="2286000" algn="l" defTabSz="914400" rtl="0" eaLnBrk="1" latinLnBrk="0" hangingPunct="1">
+    <a:lvl6pPr marL="2286000" algn="l" defTabSz="457200" rtl="0" eaLnBrk="1" latinLnBrk="0" hangingPunct="1">
       <a:defRPr sz="1800" kern="1200">
         <a:solidFill>
           <a:schemeClr val="tx1"/>
@@ -78,7 +79,7 @@
         <a:cs typeface="+mn-cs"/>
       </a:defRPr>
     </a:lvl6pPr>
-    <a:lvl7pPr marL="2743200" algn="l" defTabSz="914400" rtl="0" eaLnBrk="1" latinLnBrk="0" hangingPunct="1">
+    <a:lvl7pPr marL="2743200" algn="l" defTabSz="457200" rtl="0" eaLnBrk="1" latinLnBrk="0" hangingPunct="1">
       <a:defRPr sz="1800" kern="1200">
         <a:solidFill>
           <a:schemeClr val="tx1"/>
@@ -88,7 +89,7 @@
         <a:cs typeface="+mn-cs"/>
       </a:defRPr>
     </a:lvl7pPr>
-    <a:lvl8pPr marL="3200400" algn="l" defTabSz="914400" rtl="0" eaLnBrk="1" latinLnBrk="0" hangingPunct="1">
+    <a:lvl8pPr marL="3200400" algn="l" defTabSz="457200" rtl="0" eaLnBrk="1" latinLnBrk="0" hangingPunct="1">
       <a:defRPr sz="1800" kern="1200">
         <a:solidFill>
           <a:schemeClr val="tx1"/>
@@ -98,7 +99,7 @@
         <a:cs typeface="+mn-cs"/>
       </a:defRPr>
     </a:lvl8pPr>
-    <a:lvl9pPr marL="3657600" algn="l" defTabSz="914400" rtl="0" eaLnBrk="1" latinLnBrk="0" hangingPunct="1">
+    <a:lvl9pPr marL="3657600" algn="l" defTabSz="457200" rtl="0" eaLnBrk="1" latinLnBrk="0" hangingPunct="1">
       <a:defRPr sz="1800" kern="1200">
         <a:solidFill>
           <a:schemeClr val="tx1"/>
@@ -109,6 +110,11 @@
       </a:defRPr>
     </a:lvl9pPr>
   </p:defaultTextStyle>
+  <p:extLst>
+    <p:ext uri="{EFAFB233-063F-42B5-8137-9DF3F51BA10A}">
+      <p15:sldGuideLst xmlns:p15="http://schemas.microsoft.com/office/powerpoint/2012/main"/>
+    </p:ext>
+  </p:extLst>
 </p:presentation>
 </file>
 
@@ -161,7 +167,7 @@
             </a:lvl1pPr>
           </a:lstStyle>
           <a:p>
-            <a:endParaRPr lang="en-US"/>
+            <a:endParaRPr lang="fr-FR"/>
           </a:p>
         </p:txBody>
       </p:sp>
@@ -192,11 +198,11 @@
             </a:lvl1pPr>
           </a:lstStyle>
           <a:p>
-            <a:fld id="{76F57FCA-9008-DC43-9778-FE69D2F78971}" type="datetimeFigureOut">
-              <a:rPr lang="en-US" smtClean="0"/>
-              <a:t>4/26/21</a:t>
+            <a:fld id="{A8DA81FE-35B7-CC4D-A347-8A2D3240E5A7}" type="datetimeFigureOut">
+              <a:rPr lang="fr-FR" smtClean="0"/>
+              <a:t>14/03/2023</a:t>
             </a:fld>
-            <a:endParaRPr lang="en-US"/>
+            <a:endParaRPr lang="fr-FR"/>
           </a:p>
         </p:txBody>
       </p:sp>
@@ -212,8 +218,8 @@
         </p:nvSpPr>
         <p:spPr>
           <a:xfrm>
-            <a:off x="685800" y="1143000"/>
-            <a:ext cx="5486400" cy="3086100"/>
+            <a:off x="1055688" y="1143000"/>
+            <a:ext cx="4746625" cy="3086100"/>
           </a:xfrm>
           <a:prstGeom prst="rect">
             <a:avLst/>
@@ -229,7 +235,7 @@
           <a:bodyPr vert="horz" lIns="91440" tIns="45720" rIns="91440" bIns="45720" rtlCol="0" anchor="ctr"/>
           <a:lstStyle/>
           <a:p>
-            <a:endParaRPr lang="en-US"/>
+            <a:endParaRPr lang="fr-FR"/>
           </a:p>
         </p:txBody>
       </p:sp>
@@ -256,15 +262,39 @@
           <a:bodyPr vert="horz" lIns="91440" tIns="45720" rIns="91440" bIns="45720" rtlCol="0"/>
           <a:lstStyle/>
           <a:p>
-            <a:r>
-              <a:rPr lang="fr-FR"/>
-              <a:t>Modifier les styles du texte du masque
-Deuxième niveau
-Troisième niveau
-Quatrième niveau
-Cinquième niveau</a:t>
-            </a:r>
-            <a:endParaRPr lang="en-US"/>
+            <a:pPr lvl="0"/>
+            <a:r>
+              <a:rPr lang="fr-FR"/>
+              <a:t>Cliquez pour modifier les styles du texte du masque</a:t>
+            </a:r>
+          </a:p>
+          <a:p>
+            <a:pPr lvl="1"/>
+            <a:r>
+              <a:rPr lang="fr-FR"/>
+              <a:t>Deuxième niveau</a:t>
+            </a:r>
+          </a:p>
+          <a:p>
+            <a:pPr lvl="2"/>
+            <a:r>
+              <a:rPr lang="fr-FR"/>
+              <a:t>Troisième niveau</a:t>
+            </a:r>
+          </a:p>
+          <a:p>
+            <a:pPr lvl="3"/>
+            <a:r>
+              <a:rPr lang="fr-FR"/>
+              <a:t>Quatrième niveau</a:t>
+            </a:r>
+          </a:p>
+          <a:p>
+            <a:pPr lvl="4"/>
+            <a:r>
+              <a:rPr lang="fr-FR"/>
+              <a:t>Cinquième niveau</a:t>
+            </a:r>
           </a:p>
         </p:txBody>
       </p:sp>
@@ -295,7 +325,7 @@
             </a:lvl1pPr>
           </a:lstStyle>
           <a:p>
-            <a:endParaRPr lang="en-US"/>
+            <a:endParaRPr lang="fr-FR"/>
           </a:p>
         </p:txBody>
       </p:sp>
@@ -326,25 +356,25 @@
             </a:lvl1pPr>
           </a:lstStyle>
           <a:p>
-            <a:fld id="{81F6D40E-76F6-E640-B1FA-3ED5CD387BDB}" type="slidenum">
-              <a:rPr lang="en-US" smtClean="0"/>
+            <a:fld id="{1D21D444-A180-CE43-9212-6F5EF3E18134}" type="slidenum">
+              <a:rPr lang="fr-FR" smtClean="0"/>
               <a:t>‹N°›</a:t>
             </a:fld>
-            <a:endParaRPr lang="en-US"/>
+            <a:endParaRPr lang="fr-FR"/>
           </a:p>
         </p:txBody>
       </p:sp>
     </p:spTree>
     <p:extLst>
       <p:ext uri="{BB962C8B-B14F-4D97-AF65-F5344CB8AC3E}">
-        <p14:creationId xmlns:p14="http://schemas.microsoft.com/office/powerpoint/2010/main" val="3995930807"/>
+        <p14:creationId xmlns:p14="http://schemas.microsoft.com/office/powerpoint/2010/main" val="2630255376"/>
       </p:ext>
     </p:extLst>
   </p:cSld>
   <p:clrMap bg1="lt1" tx1="dk1" bg2="lt2" tx2="dk2" accent1="accent1" accent2="accent2" accent3="accent3" accent4="accent4" accent5="accent5" accent6="accent6" hlink="hlink" folHlink="folHlink"/>
   <p:notesStyle>
-    <a:lvl1pPr marL="0" algn="l" defTabSz="914400" rtl="0" eaLnBrk="1" latinLnBrk="0" hangingPunct="1">
-      <a:defRPr sz="1200" kern="1200">
+    <a:lvl1pPr marL="0" algn="l" defTabSz="685777" rtl="0" eaLnBrk="1" latinLnBrk="0" hangingPunct="1">
+      <a:defRPr sz="900" kern="1200">
         <a:solidFill>
           <a:schemeClr val="tx1"/>
         </a:solidFill>
@@ -353,8 +383,8 @@
         <a:cs typeface="+mn-cs"/>
       </a:defRPr>
     </a:lvl1pPr>
-    <a:lvl2pPr marL="457200" algn="l" defTabSz="914400" rtl="0" eaLnBrk="1" latinLnBrk="0" hangingPunct="1">
-      <a:defRPr sz="1200" kern="1200">
+    <a:lvl2pPr marL="342888" algn="l" defTabSz="685777" rtl="0" eaLnBrk="1" latinLnBrk="0" hangingPunct="1">
+      <a:defRPr sz="900" kern="1200">
         <a:solidFill>
           <a:schemeClr val="tx1"/>
         </a:solidFill>
@@ -363,8 +393,8 @@
         <a:cs typeface="+mn-cs"/>
       </a:defRPr>
     </a:lvl2pPr>
-    <a:lvl3pPr marL="914400" algn="l" defTabSz="914400" rtl="0" eaLnBrk="1" latinLnBrk="0" hangingPunct="1">
-      <a:defRPr sz="1200" kern="1200">
+    <a:lvl3pPr marL="685777" algn="l" defTabSz="685777" rtl="0" eaLnBrk="1" latinLnBrk="0" hangingPunct="1">
+      <a:defRPr sz="900" kern="1200">
         <a:solidFill>
           <a:schemeClr val="tx1"/>
         </a:solidFill>
@@ -373,8 +403,8 @@
         <a:cs typeface="+mn-cs"/>
       </a:defRPr>
     </a:lvl3pPr>
-    <a:lvl4pPr marL="1371600" algn="l" defTabSz="914400" rtl="0" eaLnBrk="1" latinLnBrk="0" hangingPunct="1">
-      <a:defRPr sz="1200" kern="1200">
+    <a:lvl4pPr marL="1028666" algn="l" defTabSz="685777" rtl="0" eaLnBrk="1" latinLnBrk="0" hangingPunct="1">
+      <a:defRPr sz="900" kern="1200">
         <a:solidFill>
           <a:schemeClr val="tx1"/>
         </a:solidFill>
@@ -383,8 +413,8 @@
         <a:cs typeface="+mn-cs"/>
       </a:defRPr>
     </a:lvl4pPr>
-    <a:lvl5pPr marL="1828800" algn="l" defTabSz="914400" rtl="0" eaLnBrk="1" latinLnBrk="0" hangingPunct="1">
-      <a:defRPr sz="1200" kern="1200">
+    <a:lvl5pPr marL="1371554" algn="l" defTabSz="685777" rtl="0" eaLnBrk="1" latinLnBrk="0" hangingPunct="1">
+      <a:defRPr sz="900" kern="1200">
         <a:solidFill>
           <a:schemeClr val="tx1"/>
         </a:solidFill>
@@ -393,8 +423,8 @@
         <a:cs typeface="+mn-cs"/>
       </a:defRPr>
     </a:lvl5pPr>
-    <a:lvl6pPr marL="2286000" algn="l" defTabSz="914400" rtl="0" eaLnBrk="1" latinLnBrk="0" hangingPunct="1">
-      <a:defRPr sz="1200" kern="1200">
+    <a:lvl6pPr marL="1714443" algn="l" defTabSz="685777" rtl="0" eaLnBrk="1" latinLnBrk="0" hangingPunct="1">
+      <a:defRPr sz="900" kern="1200">
         <a:solidFill>
           <a:schemeClr val="tx1"/>
         </a:solidFill>
@@ -403,8 +433,8 @@
         <a:cs typeface="+mn-cs"/>
       </a:defRPr>
     </a:lvl6pPr>
-    <a:lvl7pPr marL="2743200" algn="l" defTabSz="914400" rtl="0" eaLnBrk="1" latinLnBrk="0" hangingPunct="1">
-      <a:defRPr sz="1200" kern="1200">
+    <a:lvl7pPr marL="2057332" algn="l" defTabSz="685777" rtl="0" eaLnBrk="1" latinLnBrk="0" hangingPunct="1">
+      <a:defRPr sz="900" kern="1200">
         <a:solidFill>
           <a:schemeClr val="tx1"/>
         </a:solidFill>
@@ -413,8 +443,8 @@
         <a:cs typeface="+mn-cs"/>
       </a:defRPr>
     </a:lvl7pPr>
-    <a:lvl8pPr marL="3200400" algn="l" defTabSz="914400" rtl="0" eaLnBrk="1" latinLnBrk="0" hangingPunct="1">
-      <a:defRPr sz="1200" kern="1200">
+    <a:lvl8pPr marL="2400220" algn="l" defTabSz="685777" rtl="0" eaLnBrk="1" latinLnBrk="0" hangingPunct="1">
+      <a:defRPr sz="900" kern="1200">
         <a:solidFill>
           <a:schemeClr val="tx1"/>
         </a:solidFill>
@@ -423,8 +453,8 @@
         <a:cs typeface="+mn-cs"/>
       </a:defRPr>
     </a:lvl8pPr>
-    <a:lvl9pPr marL="3657600" algn="l" defTabSz="914400" rtl="0" eaLnBrk="1" latinLnBrk="0" hangingPunct="1">
-      <a:defRPr sz="1200" kern="1200">
+    <a:lvl9pPr marL="2743108" algn="l" defTabSz="685777" rtl="0" eaLnBrk="1" latinLnBrk="0" hangingPunct="1">
+      <a:defRPr sz="900" kern="1200">
         <a:solidFill>
           <a:schemeClr val="tx1"/>
         </a:solidFill>
@@ -456,13 +486,7 @@
       </p:grpSpPr>
       <p:sp>
         <p:nvSpPr>
-          <p:cNvPr id="2" name="Titre 1">
-            <a:extLst>
-              <a:ext uri="{FF2B5EF4-FFF2-40B4-BE49-F238E27FC236}">
-                <a16:creationId xmlns:a16="http://schemas.microsoft.com/office/drawing/2014/main" id="{19231AF4-723C-B945-878C-089F33ADB492}"/>
-              </a:ext>
-            </a:extLst>
-          </p:cNvPr>
+          <p:cNvPr id="2" name="Title 1"/>
           <p:cNvSpPr>
             <a:spLocks noGrp="1"/>
           </p:cNvSpPr>
@@ -472,15 +496,15 @@
         </p:nvSpPr>
         <p:spPr>
           <a:xfrm>
-            <a:off x="1524000" y="1122363"/>
-            <a:ext cx="9144000" cy="2387600"/>
+            <a:off x="539949" y="765909"/>
+            <a:ext cx="6119416" cy="1629316"/>
           </a:xfrm>
         </p:spPr>
         <p:txBody>
           <a:bodyPr anchor="b"/>
           <a:lstStyle>
             <a:lvl1pPr algn="ctr">
-              <a:defRPr sz="6000"/>
+              <a:defRPr sz="4094"/>
             </a:lvl1pPr>
           </a:lstStyle>
           <a:p>
@@ -488,19 +512,13 @@
               <a:rPr lang="fr-FR"/>
               <a:t>Modifiez le style du titre</a:t>
             </a:r>
-            <a:endParaRPr lang="en-US"/>
-          </a:p>
-        </p:txBody>
-      </p:sp>
-      <p:sp>
-        <p:nvSpPr>
-          <p:cNvPr id="3" name="Sous-titre 2">
-            <a:extLst>
-              <a:ext uri="{FF2B5EF4-FFF2-40B4-BE49-F238E27FC236}">
-                <a16:creationId xmlns:a16="http://schemas.microsoft.com/office/drawing/2014/main" id="{C6702A30-48F8-2244-BF49-380BDEB9D4B2}"/>
-              </a:ext>
-            </a:extLst>
-          </p:cNvPr>
+            <a:endParaRPr lang="en-US" dirty="0"/>
+          </a:p>
+        </p:txBody>
+      </p:sp>
+      <p:sp>
+        <p:nvSpPr>
+          <p:cNvPr id="3" name="Subtitle 2"/>
           <p:cNvSpPr>
             <a:spLocks noGrp="1"/>
           </p:cNvSpPr>
@@ -510,8 +528,8 @@
         </p:nvSpPr>
         <p:spPr>
           <a:xfrm>
-            <a:off x="1524000" y="3602038"/>
-            <a:ext cx="9144000" cy="1655762"/>
+            <a:off x="899914" y="2458058"/>
+            <a:ext cx="5399485" cy="1129904"/>
           </a:xfrm>
         </p:spPr>
         <p:txBody>
@@ -519,39 +537,39 @@
           <a:lstStyle>
             <a:lvl1pPr marL="0" indent="0" algn="ctr">
               <a:buNone/>
-              <a:defRPr sz="2400"/>
+              <a:defRPr sz="1638"/>
             </a:lvl1pPr>
-            <a:lvl2pPr marL="457200" indent="0" algn="ctr">
+            <a:lvl2pPr marL="311993" indent="0" algn="ctr">
               <a:buNone/>
-              <a:defRPr sz="2000"/>
+              <a:defRPr sz="1365"/>
             </a:lvl2pPr>
-            <a:lvl3pPr marL="914400" indent="0" algn="ctr">
+            <a:lvl3pPr marL="623987" indent="0" algn="ctr">
               <a:buNone/>
-              <a:defRPr sz="1800"/>
+              <a:defRPr sz="1228"/>
             </a:lvl3pPr>
-            <a:lvl4pPr marL="1371600" indent="0" algn="ctr">
+            <a:lvl4pPr marL="935980" indent="0" algn="ctr">
               <a:buNone/>
-              <a:defRPr sz="1600"/>
+              <a:defRPr sz="1092"/>
             </a:lvl4pPr>
-            <a:lvl5pPr marL="1828800" indent="0" algn="ctr">
+            <a:lvl5pPr marL="1247973" indent="0" algn="ctr">
               <a:buNone/>
-              <a:defRPr sz="1600"/>
+              <a:defRPr sz="1092"/>
             </a:lvl5pPr>
-            <a:lvl6pPr marL="2286000" indent="0" algn="ctr">
+            <a:lvl6pPr marL="1559966" indent="0" algn="ctr">
               <a:buNone/>
-              <a:defRPr sz="1600"/>
+              <a:defRPr sz="1092"/>
             </a:lvl6pPr>
-            <a:lvl7pPr marL="2743200" indent="0" algn="ctr">
+            <a:lvl7pPr marL="1871960" indent="0" algn="ctr">
               <a:buNone/>
-              <a:defRPr sz="1600"/>
+              <a:defRPr sz="1092"/>
             </a:lvl7pPr>
-            <a:lvl8pPr marL="3200400" indent="0" algn="ctr">
+            <a:lvl8pPr marL="2183953" indent="0" algn="ctr">
               <a:buNone/>
-              <a:defRPr sz="1600"/>
+              <a:defRPr sz="1092"/>
             </a:lvl8pPr>
-            <a:lvl9pPr marL="3657600" indent="0" algn="ctr">
+            <a:lvl9pPr marL="2495946" indent="0" algn="ctr">
               <a:buNone/>
-              <a:defRPr sz="1600"/>
+              <a:defRPr sz="1092"/>
             </a:lvl9pPr>
           </a:lstStyle>
           <a:p>
@@ -559,19 +577,13 @@
               <a:rPr lang="fr-FR"/>
               <a:t>Modifiez le style des sous-titres du masque</a:t>
             </a:r>
-            <a:endParaRPr lang="en-US"/>
-          </a:p>
-        </p:txBody>
-      </p:sp>
-      <p:sp>
-        <p:nvSpPr>
-          <p:cNvPr id="4" name="Espace réservé de la date 3">
-            <a:extLst>
-              <a:ext uri="{FF2B5EF4-FFF2-40B4-BE49-F238E27FC236}">
-                <a16:creationId xmlns:a16="http://schemas.microsoft.com/office/drawing/2014/main" id="{50071716-2BB1-B642-A8D5-4CE2900EFB60}"/>
-              </a:ext>
-            </a:extLst>
-          </p:cNvPr>
+            <a:endParaRPr lang="en-US" dirty="0"/>
+          </a:p>
+        </p:txBody>
+      </p:sp>
+      <p:sp>
+        <p:nvSpPr>
+          <p:cNvPr id="4" name="Date Placeholder 3"/>
           <p:cNvSpPr>
             <a:spLocks noGrp="1"/>
           </p:cNvSpPr>
@@ -588,19 +600,12 @@
               <a:rPr lang="fr-FR"/>
               <a:t>Mercredi 24 mars 2021</a:t>
             </a:r>
-            <a:endParaRPr lang="en-US"/>
-          </a:p>
-        </p:txBody>
-      </p:sp>
-      <p:sp>
-        <p:nvSpPr>
-          <p:cNvPr id="5" name="Espace réservé du pied de page 4">
-            <a:extLst>
-              <a:ext uri="{FF2B5EF4-FFF2-40B4-BE49-F238E27FC236}">
-                <a16:creationId xmlns:a16="http://schemas.microsoft.com/office/drawing/2014/main" id="{E7A7B779-CC84-A348-8F33-D4BC008072AB}"/>
-              </a:ext>
-            </a:extLst>
-          </p:cNvPr>
+          </a:p>
+        </p:txBody>
+      </p:sp>
+      <p:sp>
+        <p:nvSpPr>
+          <p:cNvPr id="5" name="Footer Placeholder 4"/>
           <p:cNvSpPr>
             <a:spLocks noGrp="1"/>
           </p:cNvSpPr>
@@ -614,7 +619,7 @@
           <a:lstStyle/>
           <a:p>
             <a:r>
-              <a:rPr lang="en-US"/>
+              <a:rPr lang="fr-FR"/>
               <a:t>Introduction to R</a:t>
             </a:r>
           </a:p>
@@ -622,13 +627,7 @@
       </p:sp>
       <p:sp>
         <p:nvSpPr>
-          <p:cNvPr id="6" name="Espace réservé du numéro de diapositive 5">
-            <a:extLst>
-              <a:ext uri="{FF2B5EF4-FFF2-40B4-BE49-F238E27FC236}">
-                <a16:creationId xmlns:a16="http://schemas.microsoft.com/office/drawing/2014/main" id="{8A1CC12D-BB96-1B40-85BD-6563FC448342}"/>
-              </a:ext>
-            </a:extLst>
-          </p:cNvPr>
+          <p:cNvPr id="6" name="Slide Number Placeholder 5"/>
           <p:cNvSpPr>
             <a:spLocks noGrp="1"/>
           </p:cNvSpPr>
@@ -641,18 +640,18 @@
           <a:bodyPr/>
           <a:lstStyle/>
           <a:p>
-            <a:fld id="{300E7FB1-C6AE-F045-9B46-D1F4EBDBDF9C}" type="slidenum">
-              <a:rPr lang="en-US" smtClean="0"/>
+            <a:fld id="{D4A4694C-F37A-514E-AE75-E3AAECB12D30}" type="slidenum">
+              <a:rPr lang="fr-FR" smtClean="0"/>
               <a:t>‹N°›</a:t>
             </a:fld>
-            <a:endParaRPr lang="en-US"/>
+            <a:endParaRPr lang="fr-FR"/>
           </a:p>
         </p:txBody>
       </p:sp>
     </p:spTree>
     <p:extLst>
       <p:ext uri="{BB962C8B-B14F-4D97-AF65-F5344CB8AC3E}">
-        <p14:creationId xmlns:p14="http://schemas.microsoft.com/office/powerpoint/2010/main" val="439346421"/>
+        <p14:creationId xmlns:p14="http://schemas.microsoft.com/office/powerpoint/2010/main" val="2957562594"/>
       </p:ext>
     </p:extLst>
   </p:cSld>
@@ -681,13 +680,7 @@
       </p:grpSpPr>
       <p:sp>
         <p:nvSpPr>
-          <p:cNvPr id="2" name="Titre 1">
-            <a:extLst>
-              <a:ext uri="{FF2B5EF4-FFF2-40B4-BE49-F238E27FC236}">
-                <a16:creationId xmlns:a16="http://schemas.microsoft.com/office/drawing/2014/main" id="{0174CAAF-9BF7-BF41-A6F8-66D7B53C03AC}"/>
-              </a:ext>
-            </a:extLst>
-          </p:cNvPr>
+          <p:cNvPr id="2" name="Title 1"/>
           <p:cNvSpPr>
             <a:spLocks noGrp="1"/>
           </p:cNvSpPr>
@@ -704,19 +697,13 @@
               <a:rPr lang="fr-FR"/>
               <a:t>Modifiez le style du titre</a:t>
             </a:r>
-            <a:endParaRPr lang="en-US"/>
-          </a:p>
-        </p:txBody>
-      </p:sp>
-      <p:sp>
-        <p:nvSpPr>
-          <p:cNvPr id="3" name="Espace réservé du texte vertical 2">
-            <a:extLst>
-              <a:ext uri="{FF2B5EF4-FFF2-40B4-BE49-F238E27FC236}">
-                <a16:creationId xmlns:a16="http://schemas.microsoft.com/office/drawing/2014/main" id="{3FAEB079-B376-AC43-AB39-94CC79BF19AE}"/>
-              </a:ext>
-            </a:extLst>
-          </p:cNvPr>
+            <a:endParaRPr lang="en-US" dirty="0"/>
+          </a:p>
+        </p:txBody>
+      </p:sp>
+      <p:sp>
+        <p:nvSpPr>
+          <p:cNvPr id="3" name="Vertical Text Placeholder 2"/>
           <p:cNvSpPr>
             <a:spLocks noGrp="1"/>
           </p:cNvSpPr>
@@ -729,27 +716,46 @@
           <a:bodyPr vert="eaVert"/>
           <a:lstStyle/>
           <a:p>
-            <a:r>
-              <a:rPr lang="fr-FR"/>
-              <a:t>Modifier les styles du texte du masque
-Deuxième niveau
-Troisième niveau
-Quatrième niveau
-Cinquième niveau</a:t>
-            </a:r>
-            <a:endParaRPr lang="en-US"/>
-          </a:p>
-        </p:txBody>
-      </p:sp>
-      <p:sp>
-        <p:nvSpPr>
-          <p:cNvPr id="4" name="Espace réservé de la date 3">
-            <a:extLst>
-              <a:ext uri="{FF2B5EF4-FFF2-40B4-BE49-F238E27FC236}">
-                <a16:creationId xmlns:a16="http://schemas.microsoft.com/office/drawing/2014/main" id="{0E700F19-A2D1-CE4C-9D2D-47E995B3F201}"/>
-              </a:ext>
-            </a:extLst>
-          </p:cNvPr>
+            <a:pPr lvl="0"/>
+            <a:r>
+              <a:rPr lang="fr-FR"/>
+              <a:t>Cliquez pour modifier les styles du texte du masque</a:t>
+            </a:r>
+          </a:p>
+          <a:p>
+            <a:pPr lvl="1"/>
+            <a:r>
+              <a:rPr lang="fr-FR"/>
+              <a:t>Deuxième niveau</a:t>
+            </a:r>
+          </a:p>
+          <a:p>
+            <a:pPr lvl="2"/>
+            <a:r>
+              <a:rPr lang="fr-FR"/>
+              <a:t>Troisième niveau</a:t>
+            </a:r>
+          </a:p>
+          <a:p>
+            <a:pPr lvl="3"/>
+            <a:r>
+              <a:rPr lang="fr-FR"/>
+              <a:t>Quatrième niveau</a:t>
+            </a:r>
+          </a:p>
+          <a:p>
+            <a:pPr lvl="4"/>
+            <a:r>
+              <a:rPr lang="fr-FR"/>
+              <a:t>Cinquième niveau</a:t>
+            </a:r>
+            <a:endParaRPr lang="en-US" dirty="0"/>
+          </a:p>
+        </p:txBody>
+      </p:sp>
+      <p:sp>
+        <p:nvSpPr>
+          <p:cNvPr id="4" name="Date Placeholder 3"/>
           <p:cNvSpPr>
             <a:spLocks noGrp="1"/>
           </p:cNvSpPr>
@@ -766,19 +772,12 @@
               <a:rPr lang="fr-FR"/>
               <a:t>Mercredi 24 mars 2021</a:t>
             </a:r>
-            <a:endParaRPr lang="en-US"/>
-          </a:p>
-        </p:txBody>
-      </p:sp>
-      <p:sp>
-        <p:nvSpPr>
-          <p:cNvPr id="5" name="Espace réservé du pied de page 4">
-            <a:extLst>
-              <a:ext uri="{FF2B5EF4-FFF2-40B4-BE49-F238E27FC236}">
-                <a16:creationId xmlns:a16="http://schemas.microsoft.com/office/drawing/2014/main" id="{185FBA9D-F1F8-7441-8398-A99BA6857DBD}"/>
-              </a:ext>
-            </a:extLst>
-          </p:cNvPr>
+          </a:p>
+        </p:txBody>
+      </p:sp>
+      <p:sp>
+        <p:nvSpPr>
+          <p:cNvPr id="5" name="Footer Placeholder 4"/>
           <p:cNvSpPr>
             <a:spLocks noGrp="1"/>
           </p:cNvSpPr>
@@ -792,7 +791,7 @@
           <a:lstStyle/>
           <a:p>
             <a:r>
-              <a:rPr lang="en-US"/>
+              <a:rPr lang="fr-FR"/>
               <a:t>Introduction to R</a:t>
             </a:r>
           </a:p>
@@ -800,13 +799,7 @@
       </p:sp>
       <p:sp>
         <p:nvSpPr>
-          <p:cNvPr id="6" name="Espace réservé du numéro de diapositive 5">
-            <a:extLst>
-              <a:ext uri="{FF2B5EF4-FFF2-40B4-BE49-F238E27FC236}">
-                <a16:creationId xmlns:a16="http://schemas.microsoft.com/office/drawing/2014/main" id="{097BFE59-4B1D-6847-BA9C-CBD0023CA3CA}"/>
-              </a:ext>
-            </a:extLst>
-          </p:cNvPr>
+          <p:cNvPr id="6" name="Slide Number Placeholder 5"/>
           <p:cNvSpPr>
             <a:spLocks noGrp="1"/>
           </p:cNvSpPr>
@@ -819,18 +812,18 @@
           <a:bodyPr/>
           <a:lstStyle/>
           <a:p>
-            <a:fld id="{300E7FB1-C6AE-F045-9B46-D1F4EBDBDF9C}" type="slidenum">
-              <a:rPr lang="en-US" smtClean="0"/>
+            <a:fld id="{D4A4694C-F37A-514E-AE75-E3AAECB12D30}" type="slidenum">
+              <a:rPr lang="fr-FR" smtClean="0"/>
               <a:t>‹N°›</a:t>
             </a:fld>
-            <a:endParaRPr lang="en-US"/>
+            <a:endParaRPr lang="fr-FR"/>
           </a:p>
         </p:txBody>
       </p:sp>
     </p:spTree>
     <p:extLst>
       <p:ext uri="{BB962C8B-B14F-4D97-AF65-F5344CB8AC3E}">
-        <p14:creationId xmlns:p14="http://schemas.microsoft.com/office/powerpoint/2010/main" val="1333501374"/>
+        <p14:creationId xmlns:p14="http://schemas.microsoft.com/office/powerpoint/2010/main" val="1782651302"/>
       </p:ext>
     </p:extLst>
   </p:cSld>
@@ -859,13 +852,7 @@
       </p:grpSpPr>
       <p:sp>
         <p:nvSpPr>
-          <p:cNvPr id="2" name="Titre vertical 1">
-            <a:extLst>
-              <a:ext uri="{FF2B5EF4-FFF2-40B4-BE49-F238E27FC236}">
-                <a16:creationId xmlns:a16="http://schemas.microsoft.com/office/drawing/2014/main" id="{015F8B3E-EFC9-2B47-B7D9-0A7CD9F1FFDD}"/>
-              </a:ext>
-            </a:extLst>
-          </p:cNvPr>
+          <p:cNvPr id="2" name="Vertical Title 1"/>
           <p:cNvSpPr>
             <a:spLocks noGrp="1"/>
           </p:cNvSpPr>
@@ -875,8 +862,8 @@
         </p:nvSpPr>
         <p:spPr>
           <a:xfrm>
-            <a:off x="8724900" y="365125"/>
-            <a:ext cx="2628900" cy="5811838"/>
+            <a:off x="5152009" y="249164"/>
+            <a:ext cx="1552352" cy="3966041"/>
           </a:xfrm>
         </p:spPr>
         <p:txBody>
@@ -887,19 +874,13 @@
               <a:rPr lang="fr-FR"/>
               <a:t>Modifiez le style du titre</a:t>
             </a:r>
-            <a:endParaRPr lang="en-US"/>
-          </a:p>
-        </p:txBody>
-      </p:sp>
-      <p:sp>
-        <p:nvSpPr>
-          <p:cNvPr id="3" name="Espace réservé du texte vertical 2">
-            <a:extLst>
-              <a:ext uri="{FF2B5EF4-FFF2-40B4-BE49-F238E27FC236}">
-                <a16:creationId xmlns:a16="http://schemas.microsoft.com/office/drawing/2014/main" id="{8EDFE4EE-C477-F747-A58E-FAE108ADBA48}"/>
-              </a:ext>
-            </a:extLst>
-          </p:cNvPr>
+            <a:endParaRPr lang="en-US" dirty="0"/>
+          </a:p>
+        </p:txBody>
+      </p:sp>
+      <p:sp>
+        <p:nvSpPr>
+          <p:cNvPr id="3" name="Vertical Text Placeholder 2"/>
           <p:cNvSpPr>
             <a:spLocks noGrp="1"/>
           </p:cNvSpPr>
@@ -909,35 +890,54 @@
         </p:nvSpPr>
         <p:spPr>
           <a:xfrm>
-            <a:off x="838200" y="365125"/>
-            <a:ext cx="7734300" cy="5811838"/>
+            <a:off x="494953" y="249164"/>
+            <a:ext cx="4567064" cy="3966041"/>
           </a:xfrm>
         </p:spPr>
         <p:txBody>
           <a:bodyPr vert="eaVert"/>
           <a:lstStyle/>
           <a:p>
-            <a:r>
-              <a:rPr lang="fr-FR"/>
-              <a:t>Modifier les styles du texte du masque
-Deuxième niveau
-Troisième niveau
-Quatrième niveau
-Cinquième niveau</a:t>
-            </a:r>
-            <a:endParaRPr lang="en-US"/>
-          </a:p>
-        </p:txBody>
-      </p:sp>
-      <p:sp>
-        <p:nvSpPr>
-          <p:cNvPr id="4" name="Espace réservé de la date 3">
-            <a:extLst>
-              <a:ext uri="{FF2B5EF4-FFF2-40B4-BE49-F238E27FC236}">
-                <a16:creationId xmlns:a16="http://schemas.microsoft.com/office/drawing/2014/main" id="{81A72FA0-82A2-C34E-A549-2FFB574651A1}"/>
-              </a:ext>
-            </a:extLst>
-          </p:cNvPr>
+            <a:pPr lvl="0"/>
+            <a:r>
+              <a:rPr lang="fr-FR"/>
+              <a:t>Cliquez pour modifier les styles du texte du masque</a:t>
+            </a:r>
+          </a:p>
+          <a:p>
+            <a:pPr lvl="1"/>
+            <a:r>
+              <a:rPr lang="fr-FR"/>
+              <a:t>Deuxième niveau</a:t>
+            </a:r>
+          </a:p>
+          <a:p>
+            <a:pPr lvl="2"/>
+            <a:r>
+              <a:rPr lang="fr-FR"/>
+              <a:t>Troisième niveau</a:t>
+            </a:r>
+          </a:p>
+          <a:p>
+            <a:pPr lvl="3"/>
+            <a:r>
+              <a:rPr lang="fr-FR"/>
+              <a:t>Quatrième niveau</a:t>
+            </a:r>
+          </a:p>
+          <a:p>
+            <a:pPr lvl="4"/>
+            <a:r>
+              <a:rPr lang="fr-FR"/>
+              <a:t>Cinquième niveau</a:t>
+            </a:r>
+            <a:endParaRPr lang="en-US" dirty="0"/>
+          </a:p>
+        </p:txBody>
+      </p:sp>
+      <p:sp>
+        <p:nvSpPr>
+          <p:cNvPr id="4" name="Date Placeholder 3"/>
           <p:cNvSpPr>
             <a:spLocks noGrp="1"/>
           </p:cNvSpPr>
@@ -954,19 +954,12 @@
               <a:rPr lang="fr-FR"/>
               <a:t>Mercredi 24 mars 2021</a:t>
             </a:r>
-            <a:endParaRPr lang="en-US"/>
-          </a:p>
-        </p:txBody>
-      </p:sp>
-      <p:sp>
-        <p:nvSpPr>
-          <p:cNvPr id="5" name="Espace réservé du pied de page 4">
-            <a:extLst>
-              <a:ext uri="{FF2B5EF4-FFF2-40B4-BE49-F238E27FC236}">
-                <a16:creationId xmlns:a16="http://schemas.microsoft.com/office/drawing/2014/main" id="{374178FB-BADB-9241-B671-4840155CAAEE}"/>
-              </a:ext>
-            </a:extLst>
-          </p:cNvPr>
+          </a:p>
+        </p:txBody>
+      </p:sp>
+      <p:sp>
+        <p:nvSpPr>
+          <p:cNvPr id="5" name="Footer Placeholder 4"/>
           <p:cNvSpPr>
             <a:spLocks noGrp="1"/>
           </p:cNvSpPr>
@@ -980,7 +973,7 @@
           <a:lstStyle/>
           <a:p>
             <a:r>
-              <a:rPr lang="en-US"/>
+              <a:rPr lang="fr-FR"/>
               <a:t>Introduction to R</a:t>
             </a:r>
           </a:p>
@@ -988,13 +981,7 @@
       </p:sp>
       <p:sp>
         <p:nvSpPr>
-          <p:cNvPr id="6" name="Espace réservé du numéro de diapositive 5">
-            <a:extLst>
-              <a:ext uri="{FF2B5EF4-FFF2-40B4-BE49-F238E27FC236}">
-                <a16:creationId xmlns:a16="http://schemas.microsoft.com/office/drawing/2014/main" id="{5417AB95-992D-5A47-9A29-24E73706E5AC}"/>
-              </a:ext>
-            </a:extLst>
-          </p:cNvPr>
+          <p:cNvPr id="6" name="Slide Number Placeholder 5"/>
           <p:cNvSpPr>
             <a:spLocks noGrp="1"/>
           </p:cNvSpPr>
@@ -1007,18 +994,18 @@
           <a:bodyPr/>
           <a:lstStyle/>
           <a:p>
-            <a:fld id="{300E7FB1-C6AE-F045-9B46-D1F4EBDBDF9C}" type="slidenum">
-              <a:rPr lang="en-US" smtClean="0"/>
+            <a:fld id="{D4A4694C-F37A-514E-AE75-E3AAECB12D30}" type="slidenum">
+              <a:rPr lang="fr-FR" smtClean="0"/>
               <a:t>‹N°›</a:t>
             </a:fld>
-            <a:endParaRPr lang="en-US"/>
+            <a:endParaRPr lang="fr-FR"/>
           </a:p>
         </p:txBody>
       </p:sp>
     </p:spTree>
     <p:extLst>
       <p:ext uri="{BB962C8B-B14F-4D97-AF65-F5344CB8AC3E}">
-        <p14:creationId xmlns:p14="http://schemas.microsoft.com/office/powerpoint/2010/main" val="630152779"/>
+        <p14:creationId xmlns:p14="http://schemas.microsoft.com/office/powerpoint/2010/main" val="3951037378"/>
       </p:ext>
     </p:extLst>
   </p:cSld>
@@ -1047,13 +1034,7 @@
       </p:grpSpPr>
       <p:sp>
         <p:nvSpPr>
-          <p:cNvPr id="2" name="Titre 1">
-            <a:extLst>
-              <a:ext uri="{FF2B5EF4-FFF2-40B4-BE49-F238E27FC236}">
-                <a16:creationId xmlns:a16="http://schemas.microsoft.com/office/drawing/2014/main" id="{860CF1AA-84F6-5841-8FB2-AAB9144B90F5}"/>
-              </a:ext>
-            </a:extLst>
-          </p:cNvPr>
+          <p:cNvPr id="2" name="Title 1"/>
           <p:cNvSpPr>
             <a:spLocks noGrp="1"/>
           </p:cNvSpPr>
@@ -1070,19 +1051,13 @@
               <a:rPr lang="fr-FR"/>
               <a:t>Modifiez le style du titre</a:t>
             </a:r>
-            <a:endParaRPr lang="en-US"/>
-          </a:p>
-        </p:txBody>
-      </p:sp>
-      <p:sp>
-        <p:nvSpPr>
-          <p:cNvPr id="3" name="Espace réservé du contenu 2">
-            <a:extLst>
-              <a:ext uri="{FF2B5EF4-FFF2-40B4-BE49-F238E27FC236}">
-                <a16:creationId xmlns:a16="http://schemas.microsoft.com/office/drawing/2014/main" id="{7A273809-A602-B241-906A-C494EAA61D38}"/>
-              </a:ext>
-            </a:extLst>
-          </p:cNvPr>
+            <a:endParaRPr lang="en-US" dirty="0"/>
+          </a:p>
+        </p:txBody>
+      </p:sp>
+      <p:sp>
+        <p:nvSpPr>
+          <p:cNvPr id="3" name="Content Placeholder 2"/>
           <p:cNvSpPr>
             <a:spLocks noGrp="1"/>
           </p:cNvSpPr>
@@ -1095,27 +1070,46 @@
           <a:bodyPr/>
           <a:lstStyle/>
           <a:p>
-            <a:r>
-              <a:rPr lang="fr-FR"/>
-              <a:t>Modifier les styles du texte du masque
-Deuxième niveau
-Troisième niveau
-Quatrième niveau
-Cinquième niveau</a:t>
-            </a:r>
-            <a:endParaRPr lang="en-US"/>
-          </a:p>
-        </p:txBody>
-      </p:sp>
-      <p:sp>
-        <p:nvSpPr>
-          <p:cNvPr id="4" name="Espace réservé de la date 3">
-            <a:extLst>
-              <a:ext uri="{FF2B5EF4-FFF2-40B4-BE49-F238E27FC236}">
-                <a16:creationId xmlns:a16="http://schemas.microsoft.com/office/drawing/2014/main" id="{4B132A9B-33ED-3640-95D1-8B1E7AB9CFC2}"/>
-              </a:ext>
-            </a:extLst>
-          </p:cNvPr>
+            <a:pPr lvl="0"/>
+            <a:r>
+              <a:rPr lang="fr-FR"/>
+              <a:t>Cliquez pour modifier les styles du texte du masque</a:t>
+            </a:r>
+          </a:p>
+          <a:p>
+            <a:pPr lvl="1"/>
+            <a:r>
+              <a:rPr lang="fr-FR"/>
+              <a:t>Deuxième niveau</a:t>
+            </a:r>
+          </a:p>
+          <a:p>
+            <a:pPr lvl="2"/>
+            <a:r>
+              <a:rPr lang="fr-FR"/>
+              <a:t>Troisième niveau</a:t>
+            </a:r>
+          </a:p>
+          <a:p>
+            <a:pPr lvl="3"/>
+            <a:r>
+              <a:rPr lang="fr-FR"/>
+              <a:t>Quatrième niveau</a:t>
+            </a:r>
+          </a:p>
+          <a:p>
+            <a:pPr lvl="4"/>
+            <a:r>
+              <a:rPr lang="fr-FR"/>
+              <a:t>Cinquième niveau</a:t>
+            </a:r>
+            <a:endParaRPr lang="en-US" dirty="0"/>
+          </a:p>
+        </p:txBody>
+      </p:sp>
+      <p:sp>
+        <p:nvSpPr>
+          <p:cNvPr id="4" name="Date Placeholder 3"/>
           <p:cNvSpPr>
             <a:spLocks noGrp="1"/>
           </p:cNvSpPr>
@@ -1132,19 +1126,12 @@
               <a:rPr lang="fr-FR"/>
               <a:t>Mercredi 24 mars 2021</a:t>
             </a:r>
-            <a:endParaRPr lang="en-US"/>
-          </a:p>
-        </p:txBody>
-      </p:sp>
-      <p:sp>
-        <p:nvSpPr>
-          <p:cNvPr id="5" name="Espace réservé du pied de page 4">
-            <a:extLst>
-              <a:ext uri="{FF2B5EF4-FFF2-40B4-BE49-F238E27FC236}">
-                <a16:creationId xmlns:a16="http://schemas.microsoft.com/office/drawing/2014/main" id="{DC6FB97C-8CF8-8C4C-B709-F85ACA43F656}"/>
-              </a:ext>
-            </a:extLst>
-          </p:cNvPr>
+          </a:p>
+        </p:txBody>
+      </p:sp>
+      <p:sp>
+        <p:nvSpPr>
+          <p:cNvPr id="5" name="Footer Placeholder 4"/>
           <p:cNvSpPr>
             <a:spLocks noGrp="1"/>
           </p:cNvSpPr>
@@ -1158,7 +1145,7 @@
           <a:lstStyle/>
           <a:p>
             <a:r>
-              <a:rPr lang="en-US"/>
+              <a:rPr lang="fr-FR"/>
               <a:t>Introduction to R</a:t>
             </a:r>
           </a:p>
@@ -1166,13 +1153,7 @@
       </p:sp>
       <p:sp>
         <p:nvSpPr>
-          <p:cNvPr id="6" name="Espace réservé du numéro de diapositive 5">
-            <a:extLst>
-              <a:ext uri="{FF2B5EF4-FFF2-40B4-BE49-F238E27FC236}">
-                <a16:creationId xmlns:a16="http://schemas.microsoft.com/office/drawing/2014/main" id="{4D172203-D16E-2A4C-90F5-0CB019E1286B}"/>
-              </a:ext>
-            </a:extLst>
-          </p:cNvPr>
+          <p:cNvPr id="6" name="Slide Number Placeholder 5"/>
           <p:cNvSpPr>
             <a:spLocks noGrp="1"/>
           </p:cNvSpPr>
@@ -1185,18 +1166,18 @@
           <a:bodyPr/>
           <a:lstStyle/>
           <a:p>
-            <a:fld id="{300E7FB1-C6AE-F045-9B46-D1F4EBDBDF9C}" type="slidenum">
-              <a:rPr lang="en-US" smtClean="0"/>
+            <a:fld id="{D4A4694C-F37A-514E-AE75-E3AAECB12D30}" type="slidenum">
+              <a:rPr lang="fr-FR" smtClean="0"/>
               <a:t>‹N°›</a:t>
             </a:fld>
-            <a:endParaRPr lang="en-US"/>
+            <a:endParaRPr lang="fr-FR"/>
           </a:p>
         </p:txBody>
       </p:sp>
     </p:spTree>
     <p:extLst>
       <p:ext uri="{BB962C8B-B14F-4D97-AF65-F5344CB8AC3E}">
-        <p14:creationId xmlns:p14="http://schemas.microsoft.com/office/powerpoint/2010/main" val="1635912361"/>
+        <p14:creationId xmlns:p14="http://schemas.microsoft.com/office/powerpoint/2010/main" val="3911653898"/>
       </p:ext>
     </p:extLst>
   </p:cSld>
@@ -1225,13 +1206,7 @@
       </p:grpSpPr>
       <p:sp>
         <p:nvSpPr>
-          <p:cNvPr id="2" name="Titre 1">
-            <a:extLst>
-              <a:ext uri="{FF2B5EF4-FFF2-40B4-BE49-F238E27FC236}">
-                <a16:creationId xmlns:a16="http://schemas.microsoft.com/office/drawing/2014/main" id="{994BAC6C-178F-0D4E-BDC3-FD3607655479}"/>
-              </a:ext>
-            </a:extLst>
-          </p:cNvPr>
+          <p:cNvPr id="2" name="Title 1"/>
           <p:cNvSpPr>
             <a:spLocks noGrp="1"/>
           </p:cNvSpPr>
@@ -1241,15 +1216,15 @@
         </p:nvSpPr>
         <p:spPr>
           <a:xfrm>
-            <a:off x="831850" y="1709738"/>
-            <a:ext cx="10515600" cy="2852737"/>
+            <a:off x="491204" y="1166739"/>
+            <a:ext cx="6209407" cy="1946729"/>
           </a:xfrm>
         </p:spPr>
         <p:txBody>
           <a:bodyPr anchor="b"/>
           <a:lstStyle>
             <a:lvl1pPr>
-              <a:defRPr sz="6000"/>
+              <a:defRPr sz="4094"/>
             </a:lvl1pPr>
           </a:lstStyle>
           <a:p>
@@ -1257,19 +1232,13 @@
               <a:rPr lang="fr-FR"/>
               <a:t>Modifiez le style du titre</a:t>
             </a:r>
-            <a:endParaRPr lang="en-US"/>
-          </a:p>
-        </p:txBody>
-      </p:sp>
-      <p:sp>
-        <p:nvSpPr>
-          <p:cNvPr id="3" name="Espace réservé du texte 2">
-            <a:extLst>
-              <a:ext uri="{FF2B5EF4-FFF2-40B4-BE49-F238E27FC236}">
-                <a16:creationId xmlns:a16="http://schemas.microsoft.com/office/drawing/2014/main" id="{5BC88D86-A6E0-8A48-B0FC-512700857398}"/>
-              </a:ext>
-            </a:extLst>
-          </p:cNvPr>
+            <a:endParaRPr lang="en-US" dirty="0"/>
+          </a:p>
+        </p:txBody>
+      </p:sp>
+      <p:sp>
+        <p:nvSpPr>
+          <p:cNvPr id="3" name="Text Placeholder 2"/>
           <p:cNvSpPr>
             <a:spLocks noGrp="1"/>
           </p:cNvSpPr>
@@ -1279,8 +1248,8 @@
         </p:nvSpPr>
         <p:spPr>
           <a:xfrm>
-            <a:off x="831850" y="4589463"/>
-            <a:ext cx="10515600" cy="1500187"/>
+            <a:off x="491204" y="3131884"/>
+            <a:ext cx="6209407" cy="1023739"/>
           </a:xfrm>
         </p:spPr>
         <p:txBody>
@@ -1288,17 +1257,15 @@
           <a:lstStyle>
             <a:lvl1pPr marL="0" indent="0">
               <a:buNone/>
-              <a:defRPr sz="2400">
+              <a:defRPr sz="1638">
                 <a:solidFill>
-                  <a:schemeClr val="tx1">
-                    <a:tint val="75000"/>
-                  </a:schemeClr>
+                  <a:schemeClr val="tx1"/>
                 </a:solidFill>
               </a:defRPr>
             </a:lvl1pPr>
-            <a:lvl2pPr marL="457200" indent="0">
+            <a:lvl2pPr marL="311993" indent="0">
               <a:buNone/>
-              <a:defRPr sz="2000">
+              <a:defRPr sz="1365">
                 <a:solidFill>
                   <a:schemeClr val="tx1">
                     <a:tint val="75000"/>
@@ -1306,9 +1273,9 @@
                 </a:solidFill>
               </a:defRPr>
             </a:lvl2pPr>
-            <a:lvl3pPr marL="914400" indent="0">
+            <a:lvl3pPr marL="623987" indent="0">
               <a:buNone/>
-              <a:defRPr sz="1800">
+              <a:defRPr sz="1228">
                 <a:solidFill>
                   <a:schemeClr val="tx1">
                     <a:tint val="75000"/>
@@ -1316,9 +1283,9 @@
                 </a:solidFill>
               </a:defRPr>
             </a:lvl3pPr>
-            <a:lvl4pPr marL="1371600" indent="0">
+            <a:lvl4pPr marL="935980" indent="0">
               <a:buNone/>
-              <a:defRPr sz="1600">
+              <a:defRPr sz="1092">
                 <a:solidFill>
                   <a:schemeClr val="tx1">
                     <a:tint val="75000"/>
@@ -1326,9 +1293,9 @@
                 </a:solidFill>
               </a:defRPr>
             </a:lvl4pPr>
-            <a:lvl5pPr marL="1828800" indent="0">
+            <a:lvl5pPr marL="1247973" indent="0">
               <a:buNone/>
-              <a:defRPr sz="1600">
+              <a:defRPr sz="1092">
                 <a:solidFill>
                   <a:schemeClr val="tx1">
                     <a:tint val="75000"/>
@@ -1336,9 +1303,9 @@
                 </a:solidFill>
               </a:defRPr>
             </a:lvl5pPr>
-            <a:lvl6pPr marL="2286000" indent="0">
+            <a:lvl6pPr marL="1559966" indent="0">
               <a:buNone/>
-              <a:defRPr sz="1600">
+              <a:defRPr sz="1092">
                 <a:solidFill>
                   <a:schemeClr val="tx1">
                     <a:tint val="75000"/>
@@ -1346,9 +1313,9 @@
                 </a:solidFill>
               </a:defRPr>
             </a:lvl6pPr>
-            <a:lvl7pPr marL="2743200" indent="0">
+            <a:lvl7pPr marL="1871960" indent="0">
               <a:buNone/>
-              <a:defRPr sz="1600">
+              <a:defRPr sz="1092">
                 <a:solidFill>
                   <a:schemeClr val="tx1">
                     <a:tint val="75000"/>
@@ -1356,9 +1323,9 @@
                 </a:solidFill>
               </a:defRPr>
             </a:lvl7pPr>
-            <a:lvl8pPr marL="3200400" indent="0">
+            <a:lvl8pPr marL="2183953" indent="0">
               <a:buNone/>
-              <a:defRPr sz="1600">
+              <a:defRPr sz="1092">
                 <a:solidFill>
                   <a:schemeClr val="tx1">
                     <a:tint val="75000"/>
@@ -1366,9 +1333,9 @@
                 </a:solidFill>
               </a:defRPr>
             </a:lvl8pPr>
-            <a:lvl9pPr marL="3657600" indent="0">
+            <a:lvl9pPr marL="2495946" indent="0">
               <a:buNone/>
-              <a:defRPr sz="1600">
+              <a:defRPr sz="1092">
                 <a:solidFill>
                   <a:schemeClr val="tx1">
                     <a:tint val="75000"/>
@@ -1378,27 +1345,17 @@
             </a:lvl9pPr>
           </a:lstStyle>
           <a:p>
-            <a:r>
-              <a:rPr lang="fr-FR"/>
-              <a:t>Modifier les styles du texte du masque
-Deuxième niveau
-Troisième niveau
-Quatrième niveau
-Cinquième niveau</a:t>
-            </a:r>
-            <a:endParaRPr lang="en-US"/>
-          </a:p>
-        </p:txBody>
-      </p:sp>
-      <p:sp>
-        <p:nvSpPr>
-          <p:cNvPr id="4" name="Espace réservé de la date 3">
-            <a:extLst>
-              <a:ext uri="{FF2B5EF4-FFF2-40B4-BE49-F238E27FC236}">
-                <a16:creationId xmlns:a16="http://schemas.microsoft.com/office/drawing/2014/main" id="{ED0EEC69-2D76-7640-87BD-6ACD475BC9A9}"/>
-              </a:ext>
-            </a:extLst>
-          </p:cNvPr>
+            <a:pPr lvl="0"/>
+            <a:r>
+              <a:rPr lang="fr-FR"/>
+              <a:t>Cliquez pour modifier les styles du texte du masque</a:t>
+            </a:r>
+          </a:p>
+        </p:txBody>
+      </p:sp>
+      <p:sp>
+        <p:nvSpPr>
+          <p:cNvPr id="4" name="Date Placeholder 3"/>
           <p:cNvSpPr>
             <a:spLocks noGrp="1"/>
           </p:cNvSpPr>
@@ -1415,19 +1372,12 @@
               <a:rPr lang="fr-FR"/>
               <a:t>Mercredi 24 mars 2021</a:t>
             </a:r>
-            <a:endParaRPr lang="en-US"/>
-          </a:p>
-        </p:txBody>
-      </p:sp>
-      <p:sp>
-        <p:nvSpPr>
-          <p:cNvPr id="5" name="Espace réservé du pied de page 4">
-            <a:extLst>
-              <a:ext uri="{FF2B5EF4-FFF2-40B4-BE49-F238E27FC236}">
-                <a16:creationId xmlns:a16="http://schemas.microsoft.com/office/drawing/2014/main" id="{EB1DA9A6-B6B1-0C48-80AB-4DEADE53F084}"/>
-              </a:ext>
-            </a:extLst>
-          </p:cNvPr>
+          </a:p>
+        </p:txBody>
+      </p:sp>
+      <p:sp>
+        <p:nvSpPr>
+          <p:cNvPr id="5" name="Footer Placeholder 4"/>
           <p:cNvSpPr>
             <a:spLocks noGrp="1"/>
           </p:cNvSpPr>
@@ -1441,7 +1391,7 @@
           <a:lstStyle/>
           <a:p>
             <a:r>
-              <a:rPr lang="en-US"/>
+              <a:rPr lang="fr-FR"/>
               <a:t>Introduction to R</a:t>
             </a:r>
           </a:p>
@@ -1449,13 +1399,7 @@
       </p:sp>
       <p:sp>
         <p:nvSpPr>
-          <p:cNvPr id="6" name="Espace réservé du numéro de diapositive 5">
-            <a:extLst>
-              <a:ext uri="{FF2B5EF4-FFF2-40B4-BE49-F238E27FC236}">
-                <a16:creationId xmlns:a16="http://schemas.microsoft.com/office/drawing/2014/main" id="{D9E932ED-73AC-B64B-B207-4972DC557639}"/>
-              </a:ext>
-            </a:extLst>
-          </p:cNvPr>
+          <p:cNvPr id="6" name="Slide Number Placeholder 5"/>
           <p:cNvSpPr>
             <a:spLocks noGrp="1"/>
           </p:cNvSpPr>
@@ -1468,18 +1412,18 @@
           <a:bodyPr/>
           <a:lstStyle/>
           <a:p>
-            <a:fld id="{300E7FB1-C6AE-F045-9B46-D1F4EBDBDF9C}" type="slidenum">
-              <a:rPr lang="en-US" smtClean="0"/>
+            <a:fld id="{D4A4694C-F37A-514E-AE75-E3AAECB12D30}" type="slidenum">
+              <a:rPr lang="fr-FR" smtClean="0"/>
               <a:t>‹N°›</a:t>
             </a:fld>
-            <a:endParaRPr lang="en-US"/>
+            <a:endParaRPr lang="fr-FR"/>
           </a:p>
         </p:txBody>
       </p:sp>
     </p:spTree>
     <p:extLst>
       <p:ext uri="{BB962C8B-B14F-4D97-AF65-F5344CB8AC3E}">
-        <p14:creationId xmlns:p14="http://schemas.microsoft.com/office/powerpoint/2010/main" val="636626350"/>
+        <p14:creationId xmlns:p14="http://schemas.microsoft.com/office/powerpoint/2010/main" val="3950198060"/>
       </p:ext>
     </p:extLst>
   </p:cSld>
@@ -1508,13 +1452,7 @@
       </p:grpSpPr>
       <p:sp>
         <p:nvSpPr>
-          <p:cNvPr id="2" name="Titre 1">
-            <a:extLst>
-              <a:ext uri="{FF2B5EF4-FFF2-40B4-BE49-F238E27FC236}">
-                <a16:creationId xmlns:a16="http://schemas.microsoft.com/office/drawing/2014/main" id="{1661D7F0-57F0-0A43-9E2F-8E3D7E8955D2}"/>
-              </a:ext>
-            </a:extLst>
-          </p:cNvPr>
+          <p:cNvPr id="2" name="Title 1"/>
           <p:cNvSpPr>
             <a:spLocks noGrp="1"/>
           </p:cNvSpPr>
@@ -1531,19 +1469,13 @@
               <a:rPr lang="fr-FR"/>
               <a:t>Modifiez le style du titre</a:t>
             </a:r>
-            <a:endParaRPr lang="en-US"/>
-          </a:p>
-        </p:txBody>
-      </p:sp>
-      <p:sp>
-        <p:nvSpPr>
-          <p:cNvPr id="3" name="Espace réservé du contenu 2">
-            <a:extLst>
-              <a:ext uri="{FF2B5EF4-FFF2-40B4-BE49-F238E27FC236}">
-                <a16:creationId xmlns:a16="http://schemas.microsoft.com/office/drawing/2014/main" id="{D2559E90-C5A7-0C46-A200-633D07F58724}"/>
-              </a:ext>
-            </a:extLst>
-          </p:cNvPr>
+            <a:endParaRPr lang="en-US" dirty="0"/>
+          </a:p>
+        </p:txBody>
+      </p:sp>
+      <p:sp>
+        <p:nvSpPr>
+          <p:cNvPr id="3" name="Content Placeholder 2"/>
           <p:cNvSpPr>
             <a:spLocks noGrp="1"/>
           </p:cNvSpPr>
@@ -1553,35 +1485,54 @@
         </p:nvSpPr>
         <p:spPr>
           <a:xfrm>
-            <a:off x="838200" y="1825625"/>
-            <a:ext cx="5181600" cy="4351338"/>
+            <a:off x="494953" y="1245820"/>
+            <a:ext cx="3059708" cy="2969385"/>
           </a:xfrm>
         </p:spPr>
         <p:txBody>
           <a:bodyPr/>
           <a:lstStyle/>
           <a:p>
-            <a:r>
-              <a:rPr lang="fr-FR"/>
-              <a:t>Modifier les styles du texte du masque
-Deuxième niveau
-Troisième niveau
-Quatrième niveau
-Cinquième niveau</a:t>
-            </a:r>
-            <a:endParaRPr lang="en-US"/>
-          </a:p>
-        </p:txBody>
-      </p:sp>
-      <p:sp>
-        <p:nvSpPr>
-          <p:cNvPr id="4" name="Espace réservé du contenu 3">
-            <a:extLst>
-              <a:ext uri="{FF2B5EF4-FFF2-40B4-BE49-F238E27FC236}">
-                <a16:creationId xmlns:a16="http://schemas.microsoft.com/office/drawing/2014/main" id="{EBD7F713-AA88-C34F-88AD-E085D775E4CC}"/>
-              </a:ext>
-            </a:extLst>
-          </p:cNvPr>
+            <a:pPr lvl="0"/>
+            <a:r>
+              <a:rPr lang="fr-FR"/>
+              <a:t>Cliquez pour modifier les styles du texte du masque</a:t>
+            </a:r>
+          </a:p>
+          <a:p>
+            <a:pPr lvl="1"/>
+            <a:r>
+              <a:rPr lang="fr-FR"/>
+              <a:t>Deuxième niveau</a:t>
+            </a:r>
+          </a:p>
+          <a:p>
+            <a:pPr lvl="2"/>
+            <a:r>
+              <a:rPr lang="fr-FR"/>
+              <a:t>Troisième niveau</a:t>
+            </a:r>
+          </a:p>
+          <a:p>
+            <a:pPr lvl="3"/>
+            <a:r>
+              <a:rPr lang="fr-FR"/>
+              <a:t>Quatrième niveau</a:t>
+            </a:r>
+          </a:p>
+          <a:p>
+            <a:pPr lvl="4"/>
+            <a:r>
+              <a:rPr lang="fr-FR"/>
+              <a:t>Cinquième niveau</a:t>
+            </a:r>
+            <a:endParaRPr lang="en-US" dirty="0"/>
+          </a:p>
+        </p:txBody>
+      </p:sp>
+      <p:sp>
+        <p:nvSpPr>
+          <p:cNvPr id="4" name="Content Placeholder 3"/>
           <p:cNvSpPr>
             <a:spLocks noGrp="1"/>
           </p:cNvSpPr>
@@ -1591,35 +1542,54 @@
         </p:nvSpPr>
         <p:spPr>
           <a:xfrm>
-            <a:off x="6172200" y="1825625"/>
-            <a:ext cx="5181600" cy="4351338"/>
+            <a:off x="3644652" y="1245820"/>
+            <a:ext cx="3059708" cy="2969385"/>
           </a:xfrm>
         </p:spPr>
         <p:txBody>
           <a:bodyPr/>
           <a:lstStyle/>
           <a:p>
-            <a:r>
-              <a:rPr lang="fr-FR"/>
-              <a:t>Modifier les styles du texte du masque
-Deuxième niveau
-Troisième niveau
-Quatrième niveau
-Cinquième niveau</a:t>
-            </a:r>
-            <a:endParaRPr lang="en-US"/>
-          </a:p>
-        </p:txBody>
-      </p:sp>
-      <p:sp>
-        <p:nvSpPr>
-          <p:cNvPr id="5" name="Espace réservé de la date 4">
-            <a:extLst>
-              <a:ext uri="{FF2B5EF4-FFF2-40B4-BE49-F238E27FC236}">
-                <a16:creationId xmlns:a16="http://schemas.microsoft.com/office/drawing/2014/main" id="{F5F80812-11DC-F549-95FC-389E48DE98DA}"/>
-              </a:ext>
-            </a:extLst>
-          </p:cNvPr>
+            <a:pPr lvl="0"/>
+            <a:r>
+              <a:rPr lang="fr-FR"/>
+              <a:t>Cliquez pour modifier les styles du texte du masque</a:t>
+            </a:r>
+          </a:p>
+          <a:p>
+            <a:pPr lvl="1"/>
+            <a:r>
+              <a:rPr lang="fr-FR"/>
+              <a:t>Deuxième niveau</a:t>
+            </a:r>
+          </a:p>
+          <a:p>
+            <a:pPr lvl="2"/>
+            <a:r>
+              <a:rPr lang="fr-FR"/>
+              <a:t>Troisième niveau</a:t>
+            </a:r>
+          </a:p>
+          <a:p>
+            <a:pPr lvl="3"/>
+            <a:r>
+              <a:rPr lang="fr-FR"/>
+              <a:t>Quatrième niveau</a:t>
+            </a:r>
+          </a:p>
+          <a:p>
+            <a:pPr lvl="4"/>
+            <a:r>
+              <a:rPr lang="fr-FR"/>
+              <a:t>Cinquième niveau</a:t>
+            </a:r>
+            <a:endParaRPr lang="en-US" dirty="0"/>
+          </a:p>
+        </p:txBody>
+      </p:sp>
+      <p:sp>
+        <p:nvSpPr>
+          <p:cNvPr id="5" name="Date Placeholder 4"/>
           <p:cNvSpPr>
             <a:spLocks noGrp="1"/>
           </p:cNvSpPr>
@@ -1636,19 +1606,12 @@
               <a:rPr lang="fr-FR"/>
               <a:t>Mercredi 24 mars 2021</a:t>
             </a:r>
-            <a:endParaRPr lang="en-US"/>
-          </a:p>
-        </p:txBody>
-      </p:sp>
-      <p:sp>
-        <p:nvSpPr>
-          <p:cNvPr id="6" name="Espace réservé du pied de page 5">
-            <a:extLst>
-              <a:ext uri="{FF2B5EF4-FFF2-40B4-BE49-F238E27FC236}">
-                <a16:creationId xmlns:a16="http://schemas.microsoft.com/office/drawing/2014/main" id="{CE657E43-3272-B746-8009-4F43F100A989}"/>
-              </a:ext>
-            </a:extLst>
-          </p:cNvPr>
+          </a:p>
+        </p:txBody>
+      </p:sp>
+      <p:sp>
+        <p:nvSpPr>
+          <p:cNvPr id="6" name="Footer Placeholder 5"/>
           <p:cNvSpPr>
             <a:spLocks noGrp="1"/>
           </p:cNvSpPr>
@@ -1662,7 +1625,7 @@
           <a:lstStyle/>
           <a:p>
             <a:r>
-              <a:rPr lang="en-US"/>
+              <a:rPr lang="fr-FR"/>
               <a:t>Introduction to R</a:t>
             </a:r>
           </a:p>
@@ -1670,13 +1633,7 @@
       </p:sp>
       <p:sp>
         <p:nvSpPr>
-          <p:cNvPr id="7" name="Espace réservé du numéro de diapositive 6">
-            <a:extLst>
-              <a:ext uri="{FF2B5EF4-FFF2-40B4-BE49-F238E27FC236}">
-                <a16:creationId xmlns:a16="http://schemas.microsoft.com/office/drawing/2014/main" id="{821EE191-9E0E-3B45-BC52-CA6396105CCE}"/>
-              </a:ext>
-            </a:extLst>
-          </p:cNvPr>
+          <p:cNvPr id="7" name="Slide Number Placeholder 6"/>
           <p:cNvSpPr>
             <a:spLocks noGrp="1"/>
           </p:cNvSpPr>
@@ -1689,18 +1646,18 @@
           <a:bodyPr/>
           <a:lstStyle/>
           <a:p>
-            <a:fld id="{300E7FB1-C6AE-F045-9B46-D1F4EBDBDF9C}" type="slidenum">
-              <a:rPr lang="en-US" smtClean="0"/>
+            <a:fld id="{D4A4694C-F37A-514E-AE75-E3AAECB12D30}" type="slidenum">
+              <a:rPr lang="fr-FR" smtClean="0"/>
               <a:t>‹N°›</a:t>
             </a:fld>
-            <a:endParaRPr lang="en-US"/>
+            <a:endParaRPr lang="fr-FR"/>
           </a:p>
         </p:txBody>
       </p:sp>
     </p:spTree>
     <p:extLst>
       <p:ext uri="{BB962C8B-B14F-4D97-AF65-F5344CB8AC3E}">
-        <p14:creationId xmlns:p14="http://schemas.microsoft.com/office/powerpoint/2010/main" val="3261224873"/>
+        <p14:creationId xmlns:p14="http://schemas.microsoft.com/office/powerpoint/2010/main" val="972365015"/>
       </p:ext>
     </p:extLst>
   </p:cSld>
@@ -1729,13 +1686,7 @@
       </p:grpSpPr>
       <p:sp>
         <p:nvSpPr>
-          <p:cNvPr id="2" name="Titre 1">
-            <a:extLst>
-              <a:ext uri="{FF2B5EF4-FFF2-40B4-BE49-F238E27FC236}">
-                <a16:creationId xmlns:a16="http://schemas.microsoft.com/office/drawing/2014/main" id="{107928A1-4F9A-AF43-AB2F-EDF506916691}"/>
-              </a:ext>
-            </a:extLst>
-          </p:cNvPr>
+          <p:cNvPr id="2" name="Title 1"/>
           <p:cNvSpPr>
             <a:spLocks noGrp="1"/>
           </p:cNvSpPr>
@@ -1745,8 +1696,8 @@
         </p:nvSpPr>
         <p:spPr>
           <a:xfrm>
-            <a:off x="839788" y="365125"/>
-            <a:ext cx="10515600" cy="1325563"/>
+            <a:off x="495891" y="249165"/>
+            <a:ext cx="6209407" cy="904574"/>
           </a:xfrm>
         </p:spPr>
         <p:txBody>
@@ -1757,19 +1708,13 @@
               <a:rPr lang="fr-FR"/>
               <a:t>Modifiez le style du titre</a:t>
             </a:r>
-            <a:endParaRPr lang="en-US"/>
-          </a:p>
-        </p:txBody>
-      </p:sp>
-      <p:sp>
-        <p:nvSpPr>
-          <p:cNvPr id="3" name="Espace réservé du texte 2">
-            <a:extLst>
-              <a:ext uri="{FF2B5EF4-FFF2-40B4-BE49-F238E27FC236}">
-                <a16:creationId xmlns:a16="http://schemas.microsoft.com/office/drawing/2014/main" id="{4A5CE786-853E-4F4D-AFAA-51589B908C65}"/>
-              </a:ext>
-            </a:extLst>
-          </p:cNvPr>
+            <a:endParaRPr lang="en-US" dirty="0"/>
+          </a:p>
+        </p:txBody>
+      </p:sp>
+      <p:sp>
+        <p:nvSpPr>
+          <p:cNvPr id="3" name="Text Placeholder 2"/>
           <p:cNvSpPr>
             <a:spLocks noGrp="1"/>
           </p:cNvSpPr>
@@ -1779,8 +1724,8 @@
         </p:nvSpPr>
         <p:spPr>
           <a:xfrm>
-            <a:off x="839788" y="1681163"/>
-            <a:ext cx="5157787" cy="823912"/>
+            <a:off x="495891" y="1147238"/>
+            <a:ext cx="3045646" cy="562244"/>
           </a:xfrm>
         </p:spPr>
         <p:txBody>
@@ -1788,63 +1733,53 @@
           <a:lstStyle>
             <a:lvl1pPr marL="0" indent="0">
               <a:buNone/>
-              <a:defRPr sz="2400" b="1"/>
+              <a:defRPr sz="1638" b="1"/>
             </a:lvl1pPr>
-            <a:lvl2pPr marL="457200" indent="0">
+            <a:lvl2pPr marL="311993" indent="0">
               <a:buNone/>
-              <a:defRPr sz="2000" b="1"/>
+              <a:defRPr sz="1365" b="1"/>
             </a:lvl2pPr>
-            <a:lvl3pPr marL="914400" indent="0">
+            <a:lvl3pPr marL="623987" indent="0">
               <a:buNone/>
-              <a:defRPr sz="1800" b="1"/>
+              <a:defRPr sz="1228" b="1"/>
             </a:lvl3pPr>
-            <a:lvl4pPr marL="1371600" indent="0">
+            <a:lvl4pPr marL="935980" indent="0">
               <a:buNone/>
-              <a:defRPr sz="1600" b="1"/>
+              <a:defRPr sz="1092" b="1"/>
             </a:lvl4pPr>
-            <a:lvl5pPr marL="1828800" indent="0">
+            <a:lvl5pPr marL="1247973" indent="0">
               <a:buNone/>
-              <a:defRPr sz="1600" b="1"/>
+              <a:defRPr sz="1092" b="1"/>
             </a:lvl5pPr>
-            <a:lvl6pPr marL="2286000" indent="0">
+            <a:lvl6pPr marL="1559966" indent="0">
               <a:buNone/>
-              <a:defRPr sz="1600" b="1"/>
+              <a:defRPr sz="1092" b="1"/>
             </a:lvl6pPr>
-            <a:lvl7pPr marL="2743200" indent="0">
+            <a:lvl7pPr marL="1871960" indent="0">
               <a:buNone/>
-              <a:defRPr sz="1600" b="1"/>
+              <a:defRPr sz="1092" b="1"/>
             </a:lvl7pPr>
-            <a:lvl8pPr marL="3200400" indent="0">
+            <a:lvl8pPr marL="2183953" indent="0">
               <a:buNone/>
-              <a:defRPr sz="1600" b="1"/>
+              <a:defRPr sz="1092" b="1"/>
             </a:lvl8pPr>
-            <a:lvl9pPr marL="3657600" indent="0">
+            <a:lvl9pPr marL="2495946" indent="0">
               <a:buNone/>
-              <a:defRPr sz="1600" b="1"/>
+              <a:defRPr sz="1092" b="1"/>
             </a:lvl9pPr>
           </a:lstStyle>
           <a:p>
-            <a:r>
-              <a:rPr lang="fr-FR"/>
-              <a:t>Modifier les styles du texte du masque
-Deuxième niveau
-Troisième niveau
-Quatrième niveau
-Cinquième niveau</a:t>
-            </a:r>
-            <a:endParaRPr lang="en-US"/>
-          </a:p>
-        </p:txBody>
-      </p:sp>
-      <p:sp>
-        <p:nvSpPr>
-          <p:cNvPr id="4" name="Espace réservé du contenu 3">
-            <a:extLst>
-              <a:ext uri="{FF2B5EF4-FFF2-40B4-BE49-F238E27FC236}">
-                <a16:creationId xmlns:a16="http://schemas.microsoft.com/office/drawing/2014/main" id="{1FC5BDA7-7D41-0D49-A4F1-53D116A9FB51}"/>
-              </a:ext>
-            </a:extLst>
-          </p:cNvPr>
+            <a:pPr lvl="0"/>
+            <a:r>
+              <a:rPr lang="fr-FR"/>
+              <a:t>Cliquez pour modifier les styles du texte du masque</a:t>
+            </a:r>
+          </a:p>
+        </p:txBody>
+      </p:sp>
+      <p:sp>
+        <p:nvSpPr>
+          <p:cNvPr id="4" name="Content Placeholder 3"/>
           <p:cNvSpPr>
             <a:spLocks noGrp="1"/>
           </p:cNvSpPr>
@@ -1854,35 +1789,54 @@
         </p:nvSpPr>
         <p:spPr>
           <a:xfrm>
-            <a:off x="839788" y="2505075"/>
-            <a:ext cx="5157787" cy="3684588"/>
+            <a:off x="495891" y="1709482"/>
+            <a:ext cx="3045646" cy="2514390"/>
           </a:xfrm>
         </p:spPr>
         <p:txBody>
           <a:bodyPr/>
           <a:lstStyle/>
           <a:p>
-            <a:r>
-              <a:rPr lang="fr-FR"/>
-              <a:t>Modifier les styles du texte du masque
-Deuxième niveau
-Troisième niveau
-Quatrième niveau
-Cinquième niveau</a:t>
-            </a:r>
-            <a:endParaRPr lang="en-US"/>
-          </a:p>
-        </p:txBody>
-      </p:sp>
-      <p:sp>
-        <p:nvSpPr>
-          <p:cNvPr id="5" name="Espace réservé du texte 4">
-            <a:extLst>
-              <a:ext uri="{FF2B5EF4-FFF2-40B4-BE49-F238E27FC236}">
-                <a16:creationId xmlns:a16="http://schemas.microsoft.com/office/drawing/2014/main" id="{4E48CFAD-D6AE-C84E-A46E-98D8C9030345}"/>
-              </a:ext>
-            </a:extLst>
-          </p:cNvPr>
+            <a:pPr lvl="0"/>
+            <a:r>
+              <a:rPr lang="fr-FR"/>
+              <a:t>Cliquez pour modifier les styles du texte du masque</a:t>
+            </a:r>
+          </a:p>
+          <a:p>
+            <a:pPr lvl="1"/>
+            <a:r>
+              <a:rPr lang="fr-FR"/>
+              <a:t>Deuxième niveau</a:t>
+            </a:r>
+          </a:p>
+          <a:p>
+            <a:pPr lvl="2"/>
+            <a:r>
+              <a:rPr lang="fr-FR"/>
+              <a:t>Troisième niveau</a:t>
+            </a:r>
+          </a:p>
+          <a:p>
+            <a:pPr lvl="3"/>
+            <a:r>
+              <a:rPr lang="fr-FR"/>
+              <a:t>Quatrième niveau</a:t>
+            </a:r>
+          </a:p>
+          <a:p>
+            <a:pPr lvl="4"/>
+            <a:r>
+              <a:rPr lang="fr-FR"/>
+              <a:t>Cinquième niveau</a:t>
+            </a:r>
+            <a:endParaRPr lang="en-US" dirty="0"/>
+          </a:p>
+        </p:txBody>
+      </p:sp>
+      <p:sp>
+        <p:nvSpPr>
+          <p:cNvPr id="5" name="Text Placeholder 4"/>
           <p:cNvSpPr>
             <a:spLocks noGrp="1"/>
           </p:cNvSpPr>
@@ -1892,8 +1846,8 @@
         </p:nvSpPr>
         <p:spPr>
           <a:xfrm>
-            <a:off x="6172200" y="1681163"/>
-            <a:ext cx="5183188" cy="823912"/>
+            <a:off x="3644652" y="1147238"/>
+            <a:ext cx="3060646" cy="562244"/>
           </a:xfrm>
         </p:spPr>
         <p:txBody>
@@ -1901,63 +1855,53 @@
           <a:lstStyle>
             <a:lvl1pPr marL="0" indent="0">
               <a:buNone/>
-              <a:defRPr sz="2400" b="1"/>
+              <a:defRPr sz="1638" b="1"/>
             </a:lvl1pPr>
-            <a:lvl2pPr marL="457200" indent="0">
+            <a:lvl2pPr marL="311993" indent="0">
               <a:buNone/>
-              <a:defRPr sz="2000" b="1"/>
+              <a:defRPr sz="1365" b="1"/>
             </a:lvl2pPr>
-            <a:lvl3pPr marL="914400" indent="0">
+            <a:lvl3pPr marL="623987" indent="0">
               <a:buNone/>
-              <a:defRPr sz="1800" b="1"/>
+              <a:defRPr sz="1228" b="1"/>
             </a:lvl3pPr>
-            <a:lvl4pPr marL="1371600" indent="0">
+            <a:lvl4pPr marL="935980" indent="0">
               <a:buNone/>
-              <a:defRPr sz="1600" b="1"/>
+              <a:defRPr sz="1092" b="1"/>
             </a:lvl4pPr>
-            <a:lvl5pPr marL="1828800" indent="0">
+            <a:lvl5pPr marL="1247973" indent="0">
               <a:buNone/>
-              <a:defRPr sz="1600" b="1"/>
+              <a:defRPr sz="1092" b="1"/>
             </a:lvl5pPr>
-            <a:lvl6pPr marL="2286000" indent="0">
+            <a:lvl6pPr marL="1559966" indent="0">
               <a:buNone/>
-              <a:defRPr sz="1600" b="1"/>
+              <a:defRPr sz="1092" b="1"/>
             </a:lvl6pPr>
-            <a:lvl7pPr marL="2743200" indent="0">
+            <a:lvl7pPr marL="1871960" indent="0">
               <a:buNone/>
-              <a:defRPr sz="1600" b="1"/>
+              <a:defRPr sz="1092" b="1"/>
             </a:lvl7pPr>
-            <a:lvl8pPr marL="3200400" indent="0">
+            <a:lvl8pPr marL="2183953" indent="0">
               <a:buNone/>
-              <a:defRPr sz="1600" b="1"/>
+              <a:defRPr sz="1092" b="1"/>
             </a:lvl8pPr>
-            <a:lvl9pPr marL="3657600" indent="0">
+            <a:lvl9pPr marL="2495946" indent="0">
               <a:buNone/>
-              <a:defRPr sz="1600" b="1"/>
+              <a:defRPr sz="1092" b="1"/>
             </a:lvl9pPr>
           </a:lstStyle>
           <a:p>
-            <a:r>
-              <a:rPr lang="fr-FR"/>
-              <a:t>Modifier les styles du texte du masque
-Deuxième niveau
-Troisième niveau
-Quatrième niveau
-Cinquième niveau</a:t>
-            </a:r>
-            <a:endParaRPr lang="en-US"/>
-          </a:p>
-        </p:txBody>
-      </p:sp>
-      <p:sp>
-        <p:nvSpPr>
-          <p:cNvPr id="6" name="Espace réservé du contenu 5">
-            <a:extLst>
-              <a:ext uri="{FF2B5EF4-FFF2-40B4-BE49-F238E27FC236}">
-                <a16:creationId xmlns:a16="http://schemas.microsoft.com/office/drawing/2014/main" id="{99F61C92-75AB-FC45-9565-192CFE73E40E}"/>
-              </a:ext>
-            </a:extLst>
-          </p:cNvPr>
+            <a:pPr lvl="0"/>
+            <a:r>
+              <a:rPr lang="fr-FR"/>
+              <a:t>Cliquez pour modifier les styles du texte du masque</a:t>
+            </a:r>
+          </a:p>
+        </p:txBody>
+      </p:sp>
+      <p:sp>
+        <p:nvSpPr>
+          <p:cNvPr id="6" name="Content Placeholder 5"/>
           <p:cNvSpPr>
             <a:spLocks noGrp="1"/>
           </p:cNvSpPr>
@@ -1967,35 +1911,54 @@
         </p:nvSpPr>
         <p:spPr>
           <a:xfrm>
-            <a:off x="6172200" y="2505075"/>
-            <a:ext cx="5183188" cy="3684588"/>
+            <a:off x="3644652" y="1709482"/>
+            <a:ext cx="3060646" cy="2514390"/>
           </a:xfrm>
         </p:spPr>
         <p:txBody>
           <a:bodyPr/>
           <a:lstStyle/>
           <a:p>
-            <a:r>
-              <a:rPr lang="fr-FR"/>
-              <a:t>Modifier les styles du texte du masque
-Deuxième niveau
-Troisième niveau
-Quatrième niveau
-Cinquième niveau</a:t>
-            </a:r>
-            <a:endParaRPr lang="en-US"/>
-          </a:p>
-        </p:txBody>
-      </p:sp>
-      <p:sp>
-        <p:nvSpPr>
-          <p:cNvPr id="7" name="Espace réservé de la date 6">
-            <a:extLst>
-              <a:ext uri="{FF2B5EF4-FFF2-40B4-BE49-F238E27FC236}">
-                <a16:creationId xmlns:a16="http://schemas.microsoft.com/office/drawing/2014/main" id="{9A116731-A8AC-124B-8CB9-04D495877428}"/>
-              </a:ext>
-            </a:extLst>
-          </p:cNvPr>
+            <a:pPr lvl="0"/>
+            <a:r>
+              <a:rPr lang="fr-FR"/>
+              <a:t>Cliquez pour modifier les styles du texte du masque</a:t>
+            </a:r>
+          </a:p>
+          <a:p>
+            <a:pPr lvl="1"/>
+            <a:r>
+              <a:rPr lang="fr-FR"/>
+              <a:t>Deuxième niveau</a:t>
+            </a:r>
+          </a:p>
+          <a:p>
+            <a:pPr lvl="2"/>
+            <a:r>
+              <a:rPr lang="fr-FR"/>
+              <a:t>Troisième niveau</a:t>
+            </a:r>
+          </a:p>
+          <a:p>
+            <a:pPr lvl="3"/>
+            <a:r>
+              <a:rPr lang="fr-FR"/>
+              <a:t>Quatrième niveau</a:t>
+            </a:r>
+          </a:p>
+          <a:p>
+            <a:pPr lvl="4"/>
+            <a:r>
+              <a:rPr lang="fr-FR"/>
+              <a:t>Cinquième niveau</a:t>
+            </a:r>
+            <a:endParaRPr lang="en-US" dirty="0"/>
+          </a:p>
+        </p:txBody>
+      </p:sp>
+      <p:sp>
+        <p:nvSpPr>
+          <p:cNvPr id="7" name="Date Placeholder 6"/>
           <p:cNvSpPr>
             <a:spLocks noGrp="1"/>
           </p:cNvSpPr>
@@ -2012,19 +1975,12 @@
               <a:rPr lang="fr-FR"/>
               <a:t>Mercredi 24 mars 2021</a:t>
             </a:r>
-            <a:endParaRPr lang="en-US"/>
-          </a:p>
-        </p:txBody>
-      </p:sp>
-      <p:sp>
-        <p:nvSpPr>
-          <p:cNvPr id="8" name="Espace réservé du pied de page 7">
-            <a:extLst>
-              <a:ext uri="{FF2B5EF4-FFF2-40B4-BE49-F238E27FC236}">
-                <a16:creationId xmlns:a16="http://schemas.microsoft.com/office/drawing/2014/main" id="{4AB6F5FE-0ACF-0043-AB41-68CD676A8E37}"/>
-              </a:ext>
-            </a:extLst>
-          </p:cNvPr>
+          </a:p>
+        </p:txBody>
+      </p:sp>
+      <p:sp>
+        <p:nvSpPr>
+          <p:cNvPr id="8" name="Footer Placeholder 7"/>
           <p:cNvSpPr>
             <a:spLocks noGrp="1"/>
           </p:cNvSpPr>
@@ -2038,7 +1994,7 @@
           <a:lstStyle/>
           <a:p>
             <a:r>
-              <a:rPr lang="en-US"/>
+              <a:rPr lang="fr-FR"/>
               <a:t>Introduction to R</a:t>
             </a:r>
           </a:p>
@@ -2046,13 +2002,7 @@
       </p:sp>
       <p:sp>
         <p:nvSpPr>
-          <p:cNvPr id="9" name="Espace réservé du numéro de diapositive 8">
-            <a:extLst>
-              <a:ext uri="{FF2B5EF4-FFF2-40B4-BE49-F238E27FC236}">
-                <a16:creationId xmlns:a16="http://schemas.microsoft.com/office/drawing/2014/main" id="{D61F7ED2-CD40-534A-BCE7-FE19B21D3EAE}"/>
-              </a:ext>
-            </a:extLst>
-          </p:cNvPr>
+          <p:cNvPr id="9" name="Slide Number Placeholder 8"/>
           <p:cNvSpPr>
             <a:spLocks noGrp="1"/>
           </p:cNvSpPr>
@@ -2065,18 +2015,18 @@
           <a:bodyPr/>
           <a:lstStyle/>
           <a:p>
-            <a:fld id="{300E7FB1-C6AE-F045-9B46-D1F4EBDBDF9C}" type="slidenum">
-              <a:rPr lang="en-US" smtClean="0"/>
+            <a:fld id="{D4A4694C-F37A-514E-AE75-E3AAECB12D30}" type="slidenum">
+              <a:rPr lang="fr-FR" smtClean="0"/>
               <a:t>‹N°›</a:t>
             </a:fld>
-            <a:endParaRPr lang="en-US"/>
+            <a:endParaRPr lang="fr-FR"/>
           </a:p>
         </p:txBody>
       </p:sp>
     </p:spTree>
     <p:extLst>
       <p:ext uri="{BB962C8B-B14F-4D97-AF65-F5344CB8AC3E}">
-        <p14:creationId xmlns:p14="http://schemas.microsoft.com/office/powerpoint/2010/main" val="3712852717"/>
+        <p14:creationId xmlns:p14="http://schemas.microsoft.com/office/powerpoint/2010/main" val="3442832474"/>
       </p:ext>
     </p:extLst>
   </p:cSld>
@@ -2105,13 +2055,7 @@
       </p:grpSpPr>
       <p:sp>
         <p:nvSpPr>
-          <p:cNvPr id="2" name="Titre 1">
-            <a:extLst>
-              <a:ext uri="{FF2B5EF4-FFF2-40B4-BE49-F238E27FC236}">
-                <a16:creationId xmlns:a16="http://schemas.microsoft.com/office/drawing/2014/main" id="{FFCC6A7C-C751-2E40-B5FA-3774FAF977CB}"/>
-              </a:ext>
-            </a:extLst>
-          </p:cNvPr>
+          <p:cNvPr id="2" name="Title 1"/>
           <p:cNvSpPr>
             <a:spLocks noGrp="1"/>
           </p:cNvSpPr>
@@ -2128,19 +2072,13 @@
               <a:rPr lang="fr-FR"/>
               <a:t>Modifiez le style du titre</a:t>
             </a:r>
-            <a:endParaRPr lang="en-US"/>
-          </a:p>
-        </p:txBody>
-      </p:sp>
-      <p:sp>
-        <p:nvSpPr>
-          <p:cNvPr id="3" name="Espace réservé de la date 2">
-            <a:extLst>
-              <a:ext uri="{FF2B5EF4-FFF2-40B4-BE49-F238E27FC236}">
-                <a16:creationId xmlns:a16="http://schemas.microsoft.com/office/drawing/2014/main" id="{1A6619AB-1FA8-8D48-A173-5E23E5A67AE9}"/>
-              </a:ext>
-            </a:extLst>
-          </p:cNvPr>
+            <a:endParaRPr lang="en-US" dirty="0"/>
+          </a:p>
+        </p:txBody>
+      </p:sp>
+      <p:sp>
+        <p:nvSpPr>
+          <p:cNvPr id="3" name="Date Placeholder 2"/>
           <p:cNvSpPr>
             <a:spLocks noGrp="1"/>
           </p:cNvSpPr>
@@ -2157,19 +2095,12 @@
               <a:rPr lang="fr-FR"/>
               <a:t>Mercredi 24 mars 2021</a:t>
             </a:r>
-            <a:endParaRPr lang="en-US"/>
-          </a:p>
-        </p:txBody>
-      </p:sp>
-      <p:sp>
-        <p:nvSpPr>
-          <p:cNvPr id="4" name="Espace réservé du pied de page 3">
-            <a:extLst>
-              <a:ext uri="{FF2B5EF4-FFF2-40B4-BE49-F238E27FC236}">
-                <a16:creationId xmlns:a16="http://schemas.microsoft.com/office/drawing/2014/main" id="{653C4019-CCD1-2C4F-BD65-A4CB8438AC62}"/>
-              </a:ext>
-            </a:extLst>
-          </p:cNvPr>
+          </a:p>
+        </p:txBody>
+      </p:sp>
+      <p:sp>
+        <p:nvSpPr>
+          <p:cNvPr id="4" name="Footer Placeholder 3"/>
           <p:cNvSpPr>
             <a:spLocks noGrp="1"/>
           </p:cNvSpPr>
@@ -2183,7 +2114,7 @@
           <a:lstStyle/>
           <a:p>
             <a:r>
-              <a:rPr lang="en-US"/>
+              <a:rPr lang="fr-FR"/>
               <a:t>Introduction to R</a:t>
             </a:r>
           </a:p>
@@ -2191,13 +2122,7 @@
       </p:sp>
       <p:sp>
         <p:nvSpPr>
-          <p:cNvPr id="5" name="Espace réservé du numéro de diapositive 4">
-            <a:extLst>
-              <a:ext uri="{FF2B5EF4-FFF2-40B4-BE49-F238E27FC236}">
-                <a16:creationId xmlns:a16="http://schemas.microsoft.com/office/drawing/2014/main" id="{F5ABB266-FCD7-C449-88C9-2DA47773AAC7}"/>
-              </a:ext>
-            </a:extLst>
-          </p:cNvPr>
+          <p:cNvPr id="5" name="Slide Number Placeholder 4"/>
           <p:cNvSpPr>
             <a:spLocks noGrp="1"/>
           </p:cNvSpPr>
@@ -2210,18 +2135,18 @@
           <a:bodyPr/>
           <a:lstStyle/>
           <a:p>
-            <a:fld id="{300E7FB1-C6AE-F045-9B46-D1F4EBDBDF9C}" type="slidenum">
-              <a:rPr lang="en-US" smtClean="0"/>
+            <a:fld id="{D4A4694C-F37A-514E-AE75-E3AAECB12D30}" type="slidenum">
+              <a:rPr lang="fr-FR" smtClean="0"/>
               <a:t>‹N°›</a:t>
             </a:fld>
-            <a:endParaRPr lang="en-US"/>
+            <a:endParaRPr lang="fr-FR"/>
           </a:p>
         </p:txBody>
       </p:sp>
     </p:spTree>
     <p:extLst>
       <p:ext uri="{BB962C8B-B14F-4D97-AF65-F5344CB8AC3E}">
-        <p14:creationId xmlns:p14="http://schemas.microsoft.com/office/powerpoint/2010/main" val="1159202244"/>
+        <p14:creationId xmlns:p14="http://schemas.microsoft.com/office/powerpoint/2010/main" val="103541707"/>
       </p:ext>
     </p:extLst>
   </p:cSld>
@@ -2250,13 +2175,7 @@
       </p:grpSpPr>
       <p:sp>
         <p:nvSpPr>
-          <p:cNvPr id="2" name="Espace réservé de la date 1">
-            <a:extLst>
-              <a:ext uri="{FF2B5EF4-FFF2-40B4-BE49-F238E27FC236}">
-                <a16:creationId xmlns:a16="http://schemas.microsoft.com/office/drawing/2014/main" id="{D4C201C8-C468-4A48-BE0F-B4AE566C6B42}"/>
-              </a:ext>
-            </a:extLst>
-          </p:cNvPr>
+          <p:cNvPr id="2" name="Date Placeholder 1"/>
           <p:cNvSpPr>
             <a:spLocks noGrp="1"/>
           </p:cNvSpPr>
@@ -2273,19 +2192,12 @@
               <a:rPr lang="fr-FR"/>
               <a:t>Mercredi 24 mars 2021</a:t>
             </a:r>
-            <a:endParaRPr lang="en-US"/>
-          </a:p>
-        </p:txBody>
-      </p:sp>
-      <p:sp>
-        <p:nvSpPr>
-          <p:cNvPr id="3" name="Espace réservé du pied de page 2">
-            <a:extLst>
-              <a:ext uri="{FF2B5EF4-FFF2-40B4-BE49-F238E27FC236}">
-                <a16:creationId xmlns:a16="http://schemas.microsoft.com/office/drawing/2014/main" id="{2B86B978-BCDB-2A46-9652-3D4FE1CEA5EF}"/>
-              </a:ext>
-            </a:extLst>
-          </p:cNvPr>
+          </a:p>
+        </p:txBody>
+      </p:sp>
+      <p:sp>
+        <p:nvSpPr>
+          <p:cNvPr id="3" name="Footer Placeholder 2"/>
           <p:cNvSpPr>
             <a:spLocks noGrp="1"/>
           </p:cNvSpPr>
@@ -2299,7 +2211,7 @@
           <a:lstStyle/>
           <a:p>
             <a:r>
-              <a:rPr lang="en-US"/>
+              <a:rPr lang="fr-FR"/>
               <a:t>Introduction to R</a:t>
             </a:r>
           </a:p>
@@ -2307,13 +2219,7 @@
       </p:sp>
       <p:sp>
         <p:nvSpPr>
-          <p:cNvPr id="4" name="Espace réservé du numéro de diapositive 3">
-            <a:extLst>
-              <a:ext uri="{FF2B5EF4-FFF2-40B4-BE49-F238E27FC236}">
-                <a16:creationId xmlns:a16="http://schemas.microsoft.com/office/drawing/2014/main" id="{C51315B4-FD00-D747-8102-CCB59262F5FC}"/>
-              </a:ext>
-            </a:extLst>
-          </p:cNvPr>
+          <p:cNvPr id="4" name="Slide Number Placeholder 3"/>
           <p:cNvSpPr>
             <a:spLocks noGrp="1"/>
           </p:cNvSpPr>
@@ -2326,18 +2232,18 @@
           <a:bodyPr/>
           <a:lstStyle/>
           <a:p>
-            <a:fld id="{300E7FB1-C6AE-F045-9B46-D1F4EBDBDF9C}" type="slidenum">
-              <a:rPr lang="en-US" smtClean="0"/>
+            <a:fld id="{D4A4694C-F37A-514E-AE75-E3AAECB12D30}" type="slidenum">
+              <a:rPr lang="fr-FR" smtClean="0"/>
               <a:t>‹N°›</a:t>
             </a:fld>
-            <a:endParaRPr lang="en-US"/>
+            <a:endParaRPr lang="fr-FR"/>
           </a:p>
         </p:txBody>
       </p:sp>
     </p:spTree>
     <p:extLst>
       <p:ext uri="{BB962C8B-B14F-4D97-AF65-F5344CB8AC3E}">
-        <p14:creationId xmlns:p14="http://schemas.microsoft.com/office/powerpoint/2010/main" val="968426918"/>
+        <p14:creationId xmlns:p14="http://schemas.microsoft.com/office/powerpoint/2010/main" val="1360267466"/>
       </p:ext>
     </p:extLst>
   </p:cSld>
@@ -2366,13 +2272,7 @@
       </p:grpSpPr>
       <p:sp>
         <p:nvSpPr>
-          <p:cNvPr id="2" name="Titre 1">
-            <a:extLst>
-              <a:ext uri="{FF2B5EF4-FFF2-40B4-BE49-F238E27FC236}">
-                <a16:creationId xmlns:a16="http://schemas.microsoft.com/office/drawing/2014/main" id="{42CF7871-C57A-8D40-97A2-805A1B89542B}"/>
-              </a:ext>
-            </a:extLst>
-          </p:cNvPr>
+          <p:cNvPr id="2" name="Title 1"/>
           <p:cNvSpPr>
             <a:spLocks noGrp="1"/>
           </p:cNvSpPr>
@@ -2382,15 +2282,15 @@
         </p:nvSpPr>
         <p:spPr>
           <a:xfrm>
-            <a:off x="839788" y="457200"/>
-            <a:ext cx="3932237" cy="1600200"/>
+            <a:off x="495890" y="311997"/>
+            <a:ext cx="2321966" cy="1091988"/>
           </a:xfrm>
         </p:spPr>
         <p:txBody>
           <a:bodyPr anchor="b"/>
           <a:lstStyle>
             <a:lvl1pPr>
-              <a:defRPr sz="3200"/>
+              <a:defRPr sz="2184"/>
             </a:lvl1pPr>
           </a:lstStyle>
           <a:p>
@@ -2398,19 +2298,13 @@
               <a:rPr lang="fr-FR"/>
               <a:t>Modifiez le style du titre</a:t>
             </a:r>
-            <a:endParaRPr lang="en-US"/>
-          </a:p>
-        </p:txBody>
-      </p:sp>
-      <p:sp>
-        <p:nvSpPr>
-          <p:cNvPr id="3" name="Espace réservé du contenu 2">
-            <a:extLst>
-              <a:ext uri="{FF2B5EF4-FFF2-40B4-BE49-F238E27FC236}">
-                <a16:creationId xmlns:a16="http://schemas.microsoft.com/office/drawing/2014/main" id="{BB0E54BE-5778-E142-A39B-6243EC47C6B7}"/>
-              </a:ext>
-            </a:extLst>
-          </p:cNvPr>
+            <a:endParaRPr lang="en-US" dirty="0"/>
+          </a:p>
+        </p:txBody>
+      </p:sp>
+      <p:sp>
+        <p:nvSpPr>
+          <p:cNvPr id="3" name="Content Placeholder 2"/>
           <p:cNvSpPr>
             <a:spLocks noGrp="1"/>
           </p:cNvSpPr>
@@ -2420,63 +2314,82 @@
         </p:nvSpPr>
         <p:spPr>
           <a:xfrm>
-            <a:off x="5183188" y="987425"/>
-            <a:ext cx="6172200" cy="4873625"/>
+            <a:off x="3060646" y="673827"/>
+            <a:ext cx="3644652" cy="3325798"/>
           </a:xfrm>
         </p:spPr>
         <p:txBody>
           <a:bodyPr/>
           <a:lstStyle>
             <a:lvl1pPr>
-              <a:defRPr sz="3200"/>
+              <a:defRPr sz="2184"/>
             </a:lvl1pPr>
             <a:lvl2pPr>
-              <a:defRPr sz="2800"/>
+              <a:defRPr sz="1911"/>
             </a:lvl2pPr>
             <a:lvl3pPr>
-              <a:defRPr sz="2400"/>
+              <a:defRPr sz="1638"/>
             </a:lvl3pPr>
             <a:lvl4pPr>
-              <a:defRPr sz="2000"/>
+              <a:defRPr sz="1365"/>
             </a:lvl4pPr>
             <a:lvl5pPr>
-              <a:defRPr sz="2000"/>
+              <a:defRPr sz="1365"/>
             </a:lvl5pPr>
             <a:lvl6pPr>
-              <a:defRPr sz="2000"/>
+              <a:defRPr sz="1365"/>
             </a:lvl6pPr>
             <a:lvl7pPr>
-              <a:defRPr sz="2000"/>
+              <a:defRPr sz="1365"/>
             </a:lvl7pPr>
             <a:lvl8pPr>
-              <a:defRPr sz="2000"/>
+              <a:defRPr sz="1365"/>
             </a:lvl8pPr>
             <a:lvl9pPr>
-              <a:defRPr sz="2000"/>
+              <a:defRPr sz="1365"/>
             </a:lvl9pPr>
           </a:lstStyle>
           <a:p>
-            <a:r>
-              <a:rPr lang="fr-FR"/>
-              <a:t>Modifier les styles du texte du masque
-Deuxième niveau
-Troisième niveau
-Quatrième niveau
-Cinquième niveau</a:t>
-            </a:r>
-            <a:endParaRPr lang="en-US"/>
-          </a:p>
-        </p:txBody>
-      </p:sp>
-      <p:sp>
-        <p:nvSpPr>
-          <p:cNvPr id="4" name="Espace réservé du texte 3">
-            <a:extLst>
-              <a:ext uri="{FF2B5EF4-FFF2-40B4-BE49-F238E27FC236}">
-                <a16:creationId xmlns:a16="http://schemas.microsoft.com/office/drawing/2014/main" id="{4BCE52E1-61CB-0E41-A89D-B9445F01F7CD}"/>
-              </a:ext>
-            </a:extLst>
-          </p:cNvPr>
+            <a:pPr lvl="0"/>
+            <a:r>
+              <a:rPr lang="fr-FR"/>
+              <a:t>Cliquez pour modifier les styles du texte du masque</a:t>
+            </a:r>
+          </a:p>
+          <a:p>
+            <a:pPr lvl="1"/>
+            <a:r>
+              <a:rPr lang="fr-FR"/>
+              <a:t>Deuxième niveau</a:t>
+            </a:r>
+          </a:p>
+          <a:p>
+            <a:pPr lvl="2"/>
+            <a:r>
+              <a:rPr lang="fr-FR"/>
+              <a:t>Troisième niveau</a:t>
+            </a:r>
+          </a:p>
+          <a:p>
+            <a:pPr lvl="3"/>
+            <a:r>
+              <a:rPr lang="fr-FR"/>
+              <a:t>Quatrième niveau</a:t>
+            </a:r>
+          </a:p>
+          <a:p>
+            <a:pPr lvl="4"/>
+            <a:r>
+              <a:rPr lang="fr-FR"/>
+              <a:t>Cinquième niveau</a:t>
+            </a:r>
+            <a:endParaRPr lang="en-US" dirty="0"/>
+          </a:p>
+        </p:txBody>
+      </p:sp>
+      <p:sp>
+        <p:nvSpPr>
+          <p:cNvPr id="4" name="Text Placeholder 3"/>
           <p:cNvSpPr>
             <a:spLocks noGrp="1"/>
           </p:cNvSpPr>
@@ -2486,8 +2399,8 @@
         </p:nvSpPr>
         <p:spPr>
           <a:xfrm>
-            <a:off x="839788" y="2057400"/>
-            <a:ext cx="3932237" cy="3811588"/>
+            <a:off x="495890" y="1403985"/>
+            <a:ext cx="2321966" cy="2601056"/>
           </a:xfrm>
         </p:spPr>
         <p:txBody>
@@ -2495,63 +2408,53 @@
           <a:lstStyle>
             <a:lvl1pPr marL="0" indent="0">
               <a:buNone/>
-              <a:defRPr sz="1600"/>
+              <a:defRPr sz="1092"/>
             </a:lvl1pPr>
-            <a:lvl2pPr marL="457200" indent="0">
+            <a:lvl2pPr marL="311993" indent="0">
               <a:buNone/>
-              <a:defRPr sz="1400"/>
+              <a:defRPr sz="955"/>
             </a:lvl2pPr>
-            <a:lvl3pPr marL="914400" indent="0">
+            <a:lvl3pPr marL="623987" indent="0">
               <a:buNone/>
-              <a:defRPr sz="1200"/>
+              <a:defRPr sz="819"/>
             </a:lvl3pPr>
-            <a:lvl4pPr marL="1371600" indent="0">
+            <a:lvl4pPr marL="935980" indent="0">
               <a:buNone/>
-              <a:defRPr sz="1000"/>
+              <a:defRPr sz="682"/>
             </a:lvl4pPr>
-            <a:lvl5pPr marL="1828800" indent="0">
+            <a:lvl5pPr marL="1247973" indent="0">
               <a:buNone/>
-              <a:defRPr sz="1000"/>
+              <a:defRPr sz="682"/>
             </a:lvl5pPr>
-            <a:lvl6pPr marL="2286000" indent="0">
+            <a:lvl6pPr marL="1559966" indent="0">
               <a:buNone/>
-              <a:defRPr sz="1000"/>
+              <a:defRPr sz="682"/>
             </a:lvl6pPr>
-            <a:lvl7pPr marL="2743200" indent="0">
+            <a:lvl7pPr marL="1871960" indent="0">
               <a:buNone/>
-              <a:defRPr sz="1000"/>
+              <a:defRPr sz="682"/>
             </a:lvl7pPr>
-            <a:lvl8pPr marL="3200400" indent="0">
+            <a:lvl8pPr marL="2183953" indent="0">
               <a:buNone/>
-              <a:defRPr sz="1000"/>
+              <a:defRPr sz="682"/>
             </a:lvl8pPr>
-            <a:lvl9pPr marL="3657600" indent="0">
+            <a:lvl9pPr marL="2495946" indent="0">
               <a:buNone/>
-              <a:defRPr sz="1000"/>
+              <a:defRPr sz="682"/>
             </a:lvl9pPr>
           </a:lstStyle>
           <a:p>
-            <a:r>
-              <a:rPr lang="fr-FR"/>
-              <a:t>Modifier les styles du texte du masque
-Deuxième niveau
-Troisième niveau
-Quatrième niveau
-Cinquième niveau</a:t>
-            </a:r>
-            <a:endParaRPr lang="en-US"/>
-          </a:p>
-        </p:txBody>
-      </p:sp>
-      <p:sp>
-        <p:nvSpPr>
-          <p:cNvPr id="5" name="Espace réservé de la date 4">
-            <a:extLst>
-              <a:ext uri="{FF2B5EF4-FFF2-40B4-BE49-F238E27FC236}">
-                <a16:creationId xmlns:a16="http://schemas.microsoft.com/office/drawing/2014/main" id="{420733D2-A74F-4540-839E-EF8667493297}"/>
-              </a:ext>
-            </a:extLst>
-          </p:cNvPr>
+            <a:pPr lvl="0"/>
+            <a:r>
+              <a:rPr lang="fr-FR"/>
+              <a:t>Cliquez pour modifier les styles du texte du masque</a:t>
+            </a:r>
+          </a:p>
+        </p:txBody>
+      </p:sp>
+      <p:sp>
+        <p:nvSpPr>
+          <p:cNvPr id="5" name="Date Placeholder 4"/>
           <p:cNvSpPr>
             <a:spLocks noGrp="1"/>
           </p:cNvSpPr>
@@ -2568,19 +2471,12 @@
               <a:rPr lang="fr-FR"/>
               <a:t>Mercredi 24 mars 2021</a:t>
             </a:r>
-            <a:endParaRPr lang="en-US"/>
-          </a:p>
-        </p:txBody>
-      </p:sp>
-      <p:sp>
-        <p:nvSpPr>
-          <p:cNvPr id="6" name="Espace réservé du pied de page 5">
-            <a:extLst>
-              <a:ext uri="{FF2B5EF4-FFF2-40B4-BE49-F238E27FC236}">
-                <a16:creationId xmlns:a16="http://schemas.microsoft.com/office/drawing/2014/main" id="{5769707E-CA63-344F-8066-CB270AECDFD3}"/>
-              </a:ext>
-            </a:extLst>
-          </p:cNvPr>
+          </a:p>
+        </p:txBody>
+      </p:sp>
+      <p:sp>
+        <p:nvSpPr>
+          <p:cNvPr id="6" name="Footer Placeholder 5"/>
           <p:cNvSpPr>
             <a:spLocks noGrp="1"/>
           </p:cNvSpPr>
@@ -2594,7 +2490,7 @@
           <a:lstStyle/>
           <a:p>
             <a:r>
-              <a:rPr lang="en-US"/>
+              <a:rPr lang="fr-FR"/>
               <a:t>Introduction to R</a:t>
             </a:r>
           </a:p>
@@ -2602,13 +2498,7 @@
       </p:sp>
       <p:sp>
         <p:nvSpPr>
-          <p:cNvPr id="7" name="Espace réservé du numéro de diapositive 6">
-            <a:extLst>
-              <a:ext uri="{FF2B5EF4-FFF2-40B4-BE49-F238E27FC236}">
-                <a16:creationId xmlns:a16="http://schemas.microsoft.com/office/drawing/2014/main" id="{6BEC4302-22D3-0349-9F47-92C5CA5A881E}"/>
-              </a:ext>
-            </a:extLst>
-          </p:cNvPr>
+          <p:cNvPr id="7" name="Slide Number Placeholder 6"/>
           <p:cNvSpPr>
             <a:spLocks noGrp="1"/>
           </p:cNvSpPr>
@@ -2621,18 +2511,18 @@
           <a:bodyPr/>
           <a:lstStyle/>
           <a:p>
-            <a:fld id="{300E7FB1-C6AE-F045-9B46-D1F4EBDBDF9C}" type="slidenum">
-              <a:rPr lang="en-US" smtClean="0"/>
+            <a:fld id="{D4A4694C-F37A-514E-AE75-E3AAECB12D30}" type="slidenum">
+              <a:rPr lang="fr-FR" smtClean="0"/>
               <a:t>‹N°›</a:t>
             </a:fld>
-            <a:endParaRPr lang="en-US"/>
+            <a:endParaRPr lang="fr-FR"/>
           </a:p>
         </p:txBody>
       </p:sp>
     </p:spTree>
     <p:extLst>
       <p:ext uri="{BB962C8B-B14F-4D97-AF65-F5344CB8AC3E}">
-        <p14:creationId xmlns:p14="http://schemas.microsoft.com/office/powerpoint/2010/main" val="3352408437"/>
+        <p14:creationId xmlns:p14="http://schemas.microsoft.com/office/powerpoint/2010/main" val="3429517955"/>
       </p:ext>
     </p:extLst>
   </p:cSld>
@@ -2661,13 +2551,7 @@
       </p:grpSpPr>
       <p:sp>
         <p:nvSpPr>
-          <p:cNvPr id="2" name="Titre 1">
-            <a:extLst>
-              <a:ext uri="{FF2B5EF4-FFF2-40B4-BE49-F238E27FC236}">
-                <a16:creationId xmlns:a16="http://schemas.microsoft.com/office/drawing/2014/main" id="{CDF7FBF6-544C-2845-8ADD-213795909FFC}"/>
-              </a:ext>
-            </a:extLst>
-          </p:cNvPr>
+          <p:cNvPr id="2" name="Title 1"/>
           <p:cNvSpPr>
             <a:spLocks noGrp="1"/>
           </p:cNvSpPr>
@@ -2677,15 +2561,15 @@
         </p:nvSpPr>
         <p:spPr>
           <a:xfrm>
-            <a:off x="839788" y="457200"/>
-            <a:ext cx="3932237" cy="1600200"/>
+            <a:off x="495890" y="311997"/>
+            <a:ext cx="2321966" cy="1091988"/>
           </a:xfrm>
         </p:spPr>
         <p:txBody>
           <a:bodyPr anchor="b"/>
           <a:lstStyle>
             <a:lvl1pPr>
-              <a:defRPr sz="3200"/>
+              <a:defRPr sz="2184"/>
             </a:lvl1pPr>
           </a:lstStyle>
           <a:p>
@@ -2693,21 +2577,15 @@
               <a:rPr lang="fr-FR"/>
               <a:t>Modifiez le style du titre</a:t>
             </a:r>
-            <a:endParaRPr lang="en-US"/>
-          </a:p>
-        </p:txBody>
-      </p:sp>
-      <p:sp>
-        <p:nvSpPr>
-          <p:cNvPr id="3" name="Espace réservé pour une image  2">
-            <a:extLst>
-              <a:ext uri="{FF2B5EF4-FFF2-40B4-BE49-F238E27FC236}">
-                <a16:creationId xmlns:a16="http://schemas.microsoft.com/office/drawing/2014/main" id="{2658AE3A-EB08-C34D-91C1-76175FC226C2}"/>
-              </a:ext>
-            </a:extLst>
-          </p:cNvPr>
-          <p:cNvSpPr>
-            <a:spLocks noGrp="1"/>
+            <a:endParaRPr lang="en-US" dirty="0"/>
+          </a:p>
+        </p:txBody>
+      </p:sp>
+      <p:sp>
+        <p:nvSpPr>
+          <p:cNvPr id="3" name="Picture Placeholder 2"/>
+          <p:cNvSpPr>
+            <a:spLocks noGrp="1" noChangeAspect="1"/>
           </p:cNvSpPr>
           <p:nvPr>
             <p:ph type="pic" idx="1"/>
@@ -2715,8 +2593,73 @@
         </p:nvSpPr>
         <p:spPr>
           <a:xfrm>
-            <a:off x="5183188" y="987425"/>
-            <a:ext cx="6172200" cy="4873625"/>
+            <a:off x="3060646" y="673827"/>
+            <a:ext cx="3644652" cy="3325798"/>
+          </a:xfrm>
+        </p:spPr>
+        <p:txBody>
+          <a:bodyPr anchor="t"/>
+          <a:lstStyle>
+            <a:lvl1pPr marL="0" indent="0">
+              <a:buNone/>
+              <a:defRPr sz="2184"/>
+            </a:lvl1pPr>
+            <a:lvl2pPr marL="311993" indent="0">
+              <a:buNone/>
+              <a:defRPr sz="1911"/>
+            </a:lvl2pPr>
+            <a:lvl3pPr marL="623987" indent="0">
+              <a:buNone/>
+              <a:defRPr sz="1638"/>
+            </a:lvl3pPr>
+            <a:lvl4pPr marL="935980" indent="0">
+              <a:buNone/>
+              <a:defRPr sz="1365"/>
+            </a:lvl4pPr>
+            <a:lvl5pPr marL="1247973" indent="0">
+              <a:buNone/>
+              <a:defRPr sz="1365"/>
+            </a:lvl5pPr>
+            <a:lvl6pPr marL="1559966" indent="0">
+              <a:buNone/>
+              <a:defRPr sz="1365"/>
+            </a:lvl6pPr>
+            <a:lvl7pPr marL="1871960" indent="0">
+              <a:buNone/>
+              <a:defRPr sz="1365"/>
+            </a:lvl7pPr>
+            <a:lvl8pPr marL="2183953" indent="0">
+              <a:buNone/>
+              <a:defRPr sz="1365"/>
+            </a:lvl8pPr>
+            <a:lvl9pPr marL="2495946" indent="0">
+              <a:buNone/>
+              <a:defRPr sz="1365"/>
+            </a:lvl9pPr>
+          </a:lstStyle>
+          <a:p>
+            <a:r>
+              <a:rPr lang="fr-FR"/>
+              <a:t>Cliquez sur l'icône pour ajouter une image</a:t>
+            </a:r>
+            <a:endParaRPr lang="en-US" dirty="0"/>
+          </a:p>
+        </p:txBody>
+      </p:sp>
+      <p:sp>
+        <p:nvSpPr>
+          <p:cNvPr id="4" name="Text Placeholder 3"/>
+          <p:cNvSpPr>
+            <a:spLocks noGrp="1"/>
+          </p:cNvSpPr>
+          <p:nvPr>
+            <p:ph type="body" sz="half" idx="2"/>
+          </p:nvPr>
+        </p:nvSpPr>
+        <p:spPr>
+          <a:xfrm>
+            <a:off x="495890" y="1403985"/>
+            <a:ext cx="2321966" cy="2601056"/>
           </a:xfrm>
         </p:spPr>
         <p:txBody>
@@ -2724,135 +2667,80 @@
           <a:lstStyle>
             <a:lvl1pPr marL="0" indent="0">
               <a:buNone/>
-              <a:defRPr sz="3200"/>
+              <a:defRPr sz="1092"/>
             </a:lvl1pPr>
-            <a:lvl2pPr marL="457200" indent="0">
+            <a:lvl2pPr marL="311993" indent="0">
               <a:buNone/>
-              <a:defRPr sz="2800"/>
+              <a:defRPr sz="955"/>
             </a:lvl2pPr>
-            <a:lvl3pPr marL="914400" indent="0">
+            <a:lvl3pPr marL="623987" indent="0">
               <a:buNone/>
-              <a:defRPr sz="2400"/>
+              <a:defRPr sz="819"/>
             </a:lvl3pPr>
-            <a:lvl4pPr marL="1371600" indent="0">
+            <a:lvl4pPr marL="935980" indent="0">
               <a:buNone/>
-              <a:defRPr sz="2000"/>
+              <a:defRPr sz="682"/>
             </a:lvl4pPr>
-            <a:lvl5pPr marL="1828800" indent="0">
+            <a:lvl5pPr marL="1247973" indent="0">
               <a:buNone/>
-              <a:defRPr sz="2000"/>
+              <a:defRPr sz="682"/>
             </a:lvl5pPr>
-            <a:lvl6pPr marL="2286000" indent="0">
+            <a:lvl6pPr marL="1559966" indent="0">
               <a:buNone/>
-              <a:defRPr sz="2000"/>
+              <a:defRPr sz="682"/>
             </a:lvl6pPr>
-            <a:lvl7pPr marL="2743200" indent="0">
+            <a:lvl7pPr marL="1871960" indent="0">
               <a:buNone/>
-              <a:defRPr sz="2000"/>
+              <a:defRPr sz="682"/>
             </a:lvl7pPr>
-            <a:lvl8pPr marL="3200400" indent="0">
+            <a:lvl8pPr marL="2183953" indent="0">
               <a:buNone/>
-              <a:defRPr sz="2000"/>
+              <a:defRPr sz="682"/>
             </a:lvl8pPr>
-            <a:lvl9pPr marL="3657600" indent="0">
+            <a:lvl9pPr marL="2495946" indent="0">
               <a:buNone/>
-              <a:defRPr sz="2000"/>
+              <a:defRPr sz="682"/>
             </a:lvl9pPr>
           </a:lstStyle>
           <a:p>
-            <a:endParaRPr lang="en-US"/>
-          </a:p>
-        </p:txBody>
-      </p:sp>
-      <p:sp>
-        <p:nvSpPr>
-          <p:cNvPr id="4" name="Espace réservé du texte 3">
-            <a:extLst>
-              <a:ext uri="{FF2B5EF4-FFF2-40B4-BE49-F238E27FC236}">
-                <a16:creationId xmlns:a16="http://schemas.microsoft.com/office/drawing/2014/main" id="{C31FA33C-2FD6-FA41-92D4-EF68F93E3AF0}"/>
-              </a:ext>
-            </a:extLst>
-          </p:cNvPr>
-          <p:cNvSpPr>
-            <a:spLocks noGrp="1"/>
-          </p:cNvSpPr>
-          <p:nvPr>
-            <p:ph type="body" sz="half" idx="2"/>
-          </p:nvPr>
-        </p:nvSpPr>
-        <p:spPr>
-          <a:xfrm>
-            <a:off x="839788" y="2057400"/>
-            <a:ext cx="3932237" cy="3811588"/>
-          </a:xfrm>
-        </p:spPr>
+            <a:pPr lvl="0"/>
+            <a:r>
+              <a:rPr lang="fr-FR"/>
+              <a:t>Cliquez pour modifier les styles du texte du masque</a:t>
+            </a:r>
+          </a:p>
+        </p:txBody>
+      </p:sp>
+      <p:sp>
+        <p:nvSpPr>
+          <p:cNvPr id="5" name="Date Placeholder 4"/>
+          <p:cNvSpPr>
+            <a:spLocks noGrp="1"/>
+          </p:cNvSpPr>
+          <p:nvPr>
+            <p:ph type="dt" sz="half" idx="10"/>
+          </p:nvPr>
+        </p:nvSpPr>
+        <p:spPr/>
         <p:txBody>
           <a:bodyPr/>
-          <a:lstStyle>
-            <a:lvl1pPr marL="0" indent="0">
-              <a:buNone/>
-              <a:defRPr sz="1600"/>
-            </a:lvl1pPr>
-            <a:lvl2pPr marL="457200" indent="0">
-              <a:buNone/>
-              <a:defRPr sz="1400"/>
-            </a:lvl2pPr>
-            <a:lvl3pPr marL="914400" indent="0">
-              <a:buNone/>
-              <a:defRPr sz="1200"/>
-            </a:lvl3pPr>
-            <a:lvl4pPr marL="1371600" indent="0">
-              <a:buNone/>
-              <a:defRPr sz="1000"/>
-            </a:lvl4pPr>
-            <a:lvl5pPr marL="1828800" indent="0">
-              <a:buNone/>
-              <a:defRPr sz="1000"/>
-            </a:lvl5pPr>
-            <a:lvl6pPr marL="2286000" indent="0">
-              <a:buNone/>
-              <a:defRPr sz="1000"/>
-            </a:lvl6pPr>
-            <a:lvl7pPr marL="2743200" indent="0">
-              <a:buNone/>
-              <a:defRPr sz="1000"/>
-            </a:lvl7pPr>
-            <a:lvl8pPr marL="3200400" indent="0">
-              <a:buNone/>
-              <a:defRPr sz="1000"/>
-            </a:lvl8pPr>
-            <a:lvl9pPr marL="3657600" indent="0">
-              <a:buNone/>
-              <a:defRPr sz="1000"/>
-            </a:lvl9pPr>
-          </a:lstStyle>
-          <a:p>
-            <a:r>
-              <a:rPr lang="fr-FR"/>
-              <a:t>Modifier les styles du texte du masque
-Deuxième niveau
-Troisième niveau
-Quatrième niveau
-Cinquième niveau</a:t>
-            </a:r>
-            <a:endParaRPr lang="en-US"/>
-          </a:p>
-        </p:txBody>
-      </p:sp>
-      <p:sp>
-        <p:nvSpPr>
-          <p:cNvPr id="5" name="Espace réservé de la date 4">
-            <a:extLst>
-              <a:ext uri="{FF2B5EF4-FFF2-40B4-BE49-F238E27FC236}">
-                <a16:creationId xmlns:a16="http://schemas.microsoft.com/office/drawing/2014/main" id="{FB1358FC-1444-E443-B735-4BE76521D757}"/>
-              </a:ext>
-            </a:extLst>
-          </p:cNvPr>
-          <p:cNvSpPr>
-            <a:spLocks noGrp="1"/>
-          </p:cNvSpPr>
-          <p:nvPr>
-            <p:ph type="dt" sz="half" idx="10"/>
+          <a:lstStyle/>
+          <a:p>
+            <a:r>
+              <a:rPr lang="fr-FR"/>
+              <a:t>Mercredi 24 mars 2021</a:t>
+            </a:r>
+          </a:p>
+        </p:txBody>
+      </p:sp>
+      <p:sp>
+        <p:nvSpPr>
+          <p:cNvPr id="6" name="Footer Placeholder 5"/>
+          <p:cNvSpPr>
+            <a:spLocks noGrp="1"/>
+          </p:cNvSpPr>
+          <p:nvPr>
+            <p:ph type="ftr" sz="quarter" idx="11"/>
           </p:nvPr>
         </p:nvSpPr>
         <p:spPr/>
@@ -2862,26 +2750,19 @@
           <a:p>
             <a:r>
               <a:rPr lang="fr-FR"/>
-              <a:t>Mercredi 24 mars 2021</a:t>
-            </a:r>
-            <a:endParaRPr lang="en-US"/>
-          </a:p>
-        </p:txBody>
-      </p:sp>
-      <p:sp>
-        <p:nvSpPr>
-          <p:cNvPr id="6" name="Espace réservé du pied de page 5">
-            <a:extLst>
-              <a:ext uri="{FF2B5EF4-FFF2-40B4-BE49-F238E27FC236}">
-                <a16:creationId xmlns:a16="http://schemas.microsoft.com/office/drawing/2014/main" id="{253810C5-4904-BC41-825D-1BF92F5AE026}"/>
-              </a:ext>
-            </a:extLst>
-          </p:cNvPr>
-          <p:cNvSpPr>
-            <a:spLocks noGrp="1"/>
-          </p:cNvSpPr>
-          <p:nvPr>
-            <p:ph type="ftr" sz="quarter" idx="11"/>
+              <a:t>Introduction to R</a:t>
+            </a:r>
+          </a:p>
+        </p:txBody>
+      </p:sp>
+      <p:sp>
+        <p:nvSpPr>
+          <p:cNvPr id="7" name="Slide Number Placeholder 6"/>
+          <p:cNvSpPr>
+            <a:spLocks noGrp="1"/>
+          </p:cNvSpPr>
+          <p:nvPr>
+            <p:ph type="sldNum" sz="quarter" idx="12"/>
           </p:nvPr>
         </p:nvSpPr>
         <p:spPr/>
@@ -2889,46 +2770,18 @@
           <a:bodyPr/>
           <a:lstStyle/>
           <a:p>
-            <a:r>
-              <a:rPr lang="en-US"/>
-              <a:t>Introduction to R</a:t>
-            </a:r>
-          </a:p>
-        </p:txBody>
-      </p:sp>
-      <p:sp>
-        <p:nvSpPr>
-          <p:cNvPr id="7" name="Espace réservé du numéro de diapositive 6">
-            <a:extLst>
-              <a:ext uri="{FF2B5EF4-FFF2-40B4-BE49-F238E27FC236}">
-                <a16:creationId xmlns:a16="http://schemas.microsoft.com/office/drawing/2014/main" id="{8CAFA073-7EDB-E547-8B8E-4B3F23DEA986}"/>
-              </a:ext>
-            </a:extLst>
-          </p:cNvPr>
-          <p:cNvSpPr>
-            <a:spLocks noGrp="1"/>
-          </p:cNvSpPr>
-          <p:nvPr>
-            <p:ph type="sldNum" sz="quarter" idx="12"/>
-          </p:nvPr>
-        </p:nvSpPr>
-        <p:spPr/>
-        <p:txBody>
-          <a:bodyPr/>
-          <a:lstStyle/>
-          <a:p>
-            <a:fld id="{300E7FB1-C6AE-F045-9B46-D1F4EBDBDF9C}" type="slidenum">
-              <a:rPr lang="en-US" smtClean="0"/>
+            <a:fld id="{D4A4694C-F37A-514E-AE75-E3AAECB12D30}" type="slidenum">
+              <a:rPr lang="fr-FR" smtClean="0"/>
               <a:t>‹N°›</a:t>
             </a:fld>
-            <a:endParaRPr lang="en-US"/>
+            <a:endParaRPr lang="fr-FR"/>
           </a:p>
         </p:txBody>
       </p:sp>
     </p:spTree>
     <p:extLst>
       <p:ext uri="{BB962C8B-B14F-4D97-AF65-F5344CB8AC3E}">
-        <p14:creationId xmlns:p14="http://schemas.microsoft.com/office/powerpoint/2010/main" val="2271620839"/>
+        <p14:creationId xmlns:p14="http://schemas.microsoft.com/office/powerpoint/2010/main" val="2268751104"/>
       </p:ext>
     </p:extLst>
   </p:cSld>
@@ -2962,13 +2815,7 @@
       </p:grpSpPr>
       <p:sp>
         <p:nvSpPr>
-          <p:cNvPr id="2" name="Espace réservé du titre 1">
-            <a:extLst>
-              <a:ext uri="{FF2B5EF4-FFF2-40B4-BE49-F238E27FC236}">
-                <a16:creationId xmlns:a16="http://schemas.microsoft.com/office/drawing/2014/main" id="{F2B9922D-903E-B24B-880A-8C7D990E1E56}"/>
-              </a:ext>
-            </a:extLst>
-          </p:cNvPr>
+          <p:cNvPr id="2" name="Title Placeholder 1"/>
           <p:cNvSpPr>
             <a:spLocks noGrp="1"/>
           </p:cNvSpPr>
@@ -2978,8 +2825,8 @@
         </p:nvSpPr>
         <p:spPr>
           <a:xfrm>
-            <a:off x="838200" y="365125"/>
-            <a:ext cx="10515600" cy="1325563"/>
+            <a:off x="494953" y="249165"/>
+            <a:ext cx="6209407" cy="904574"/>
           </a:xfrm>
           <a:prstGeom prst="rect">
             <a:avLst/>
@@ -2995,19 +2842,13 @@
               <a:rPr lang="fr-FR"/>
               <a:t>Modifiez le style du titre</a:t>
             </a:r>
-            <a:endParaRPr lang="en-US"/>
-          </a:p>
-        </p:txBody>
-      </p:sp>
-      <p:sp>
-        <p:nvSpPr>
-          <p:cNvPr id="3" name="Espace réservé du texte 2">
-            <a:extLst>
-              <a:ext uri="{FF2B5EF4-FFF2-40B4-BE49-F238E27FC236}">
-                <a16:creationId xmlns:a16="http://schemas.microsoft.com/office/drawing/2014/main" id="{1CAAD647-01D2-1A4E-84AC-9B68A841334B}"/>
-              </a:ext>
-            </a:extLst>
-          </p:cNvPr>
+            <a:endParaRPr lang="en-US" dirty="0"/>
+          </a:p>
+        </p:txBody>
+      </p:sp>
+      <p:sp>
+        <p:nvSpPr>
+          <p:cNvPr id="3" name="Text Placeholder 2"/>
           <p:cNvSpPr>
             <a:spLocks noGrp="1"/>
           </p:cNvSpPr>
@@ -3017,8 +2858,8 @@
         </p:nvSpPr>
         <p:spPr>
           <a:xfrm>
-            <a:off x="838200" y="1825625"/>
-            <a:ext cx="10515600" cy="4351338"/>
+            <a:off x="494953" y="1245820"/>
+            <a:ext cx="6209407" cy="2969385"/>
           </a:xfrm>
           <a:prstGeom prst="rect">
             <a:avLst/>
@@ -3030,27 +2871,46 @@
           </a:bodyPr>
           <a:lstStyle/>
           <a:p>
-            <a:r>
-              <a:rPr lang="fr-FR"/>
-              <a:t>Modifier les styles du texte du masque
-Deuxième niveau
-Troisième niveau
-Quatrième niveau
-Cinquième niveau</a:t>
-            </a:r>
-            <a:endParaRPr lang="en-US"/>
-          </a:p>
-        </p:txBody>
-      </p:sp>
-      <p:sp>
-        <p:nvSpPr>
-          <p:cNvPr id="4" name="Espace réservé de la date 3">
-            <a:extLst>
-              <a:ext uri="{FF2B5EF4-FFF2-40B4-BE49-F238E27FC236}">
-                <a16:creationId xmlns:a16="http://schemas.microsoft.com/office/drawing/2014/main" id="{CCDC766D-46FE-624C-9E41-6AD6A90CC649}"/>
-              </a:ext>
-            </a:extLst>
-          </p:cNvPr>
+            <a:pPr lvl="0"/>
+            <a:r>
+              <a:rPr lang="fr-FR"/>
+              <a:t>Cliquez pour modifier les styles du texte du masque</a:t>
+            </a:r>
+          </a:p>
+          <a:p>
+            <a:pPr lvl="1"/>
+            <a:r>
+              <a:rPr lang="fr-FR"/>
+              <a:t>Deuxième niveau</a:t>
+            </a:r>
+          </a:p>
+          <a:p>
+            <a:pPr lvl="2"/>
+            <a:r>
+              <a:rPr lang="fr-FR"/>
+              <a:t>Troisième niveau</a:t>
+            </a:r>
+          </a:p>
+          <a:p>
+            <a:pPr lvl="3"/>
+            <a:r>
+              <a:rPr lang="fr-FR"/>
+              <a:t>Quatrième niveau</a:t>
+            </a:r>
+          </a:p>
+          <a:p>
+            <a:pPr lvl="4"/>
+            <a:r>
+              <a:rPr lang="fr-FR"/>
+              <a:t>Cinquième niveau</a:t>
+            </a:r>
+            <a:endParaRPr lang="en-US" dirty="0"/>
+          </a:p>
+        </p:txBody>
+      </p:sp>
+      <p:sp>
+        <p:nvSpPr>
+          <p:cNvPr id="4" name="Date Placeholder 3"/>
           <p:cNvSpPr>
             <a:spLocks noGrp="1"/>
           </p:cNvSpPr>
@@ -3060,8 +2920,8 @@
         </p:nvSpPr>
         <p:spPr>
           <a:xfrm>
-            <a:off x="838200" y="6356350"/>
-            <a:ext cx="2743200" cy="365125"/>
+            <a:off x="494953" y="4337621"/>
+            <a:ext cx="1619845" cy="249164"/>
           </a:xfrm>
           <a:prstGeom prst="rect">
             <a:avLst/>
@@ -3071,7 +2931,7 @@
           <a:bodyPr vert="horz" lIns="91440" tIns="45720" rIns="91440" bIns="45720" rtlCol="0" anchor="ctr"/>
           <a:lstStyle>
             <a:lvl1pPr algn="l">
-              <a:defRPr sz="1200">
+              <a:defRPr sz="819">
                 <a:solidFill>
                   <a:schemeClr val="tx1">
                     <a:tint val="75000"/>
@@ -3085,19 +2945,12 @@
               <a:rPr lang="fr-FR"/>
               <a:t>Mercredi 24 mars 2021</a:t>
             </a:r>
-            <a:endParaRPr lang="en-US"/>
-          </a:p>
-        </p:txBody>
-      </p:sp>
-      <p:sp>
-        <p:nvSpPr>
-          <p:cNvPr id="5" name="Espace réservé du pied de page 4">
-            <a:extLst>
-              <a:ext uri="{FF2B5EF4-FFF2-40B4-BE49-F238E27FC236}">
-                <a16:creationId xmlns:a16="http://schemas.microsoft.com/office/drawing/2014/main" id="{6AE721AC-79CB-274D-BDD7-57CC57BFFD72}"/>
-              </a:ext>
-            </a:extLst>
-          </p:cNvPr>
+          </a:p>
+        </p:txBody>
+      </p:sp>
+      <p:sp>
+        <p:nvSpPr>
+          <p:cNvPr id="5" name="Footer Placeholder 4"/>
           <p:cNvSpPr>
             <a:spLocks noGrp="1"/>
           </p:cNvSpPr>
@@ -3107,8 +2960,8 @@
         </p:nvSpPr>
         <p:spPr>
           <a:xfrm>
-            <a:off x="4038600" y="6356350"/>
-            <a:ext cx="4114800" cy="365125"/>
+            <a:off x="2384773" y="4337621"/>
+            <a:ext cx="2429768" cy="249164"/>
           </a:xfrm>
           <a:prstGeom prst="rect">
             <a:avLst/>
@@ -3118,7 +2971,7 @@
           <a:bodyPr vert="horz" lIns="91440" tIns="45720" rIns="91440" bIns="45720" rtlCol="0" anchor="ctr"/>
           <a:lstStyle>
             <a:lvl1pPr algn="ctr">
-              <a:defRPr sz="1200">
+              <a:defRPr sz="819">
                 <a:solidFill>
                   <a:schemeClr val="tx1">
                     <a:tint val="75000"/>
@@ -3129,7 +2982,7 @@
           </a:lstStyle>
           <a:p>
             <a:r>
-              <a:rPr lang="en-US"/>
+              <a:rPr lang="fr-FR"/>
               <a:t>Introduction to R</a:t>
             </a:r>
           </a:p>
@@ -3137,13 +2990,7 @@
       </p:sp>
       <p:sp>
         <p:nvSpPr>
-          <p:cNvPr id="6" name="Espace réservé du numéro de diapositive 5">
-            <a:extLst>
-              <a:ext uri="{FF2B5EF4-FFF2-40B4-BE49-F238E27FC236}">
-                <a16:creationId xmlns:a16="http://schemas.microsoft.com/office/drawing/2014/main" id="{6D337729-D8CC-4E4B-8C9A-0575C9B1FB8B}"/>
-              </a:ext>
-            </a:extLst>
-          </p:cNvPr>
+          <p:cNvPr id="6" name="Slide Number Placeholder 5"/>
           <p:cNvSpPr>
             <a:spLocks noGrp="1"/>
           </p:cNvSpPr>
@@ -3153,8 +3000,8 @@
         </p:nvSpPr>
         <p:spPr>
           <a:xfrm>
-            <a:off x="8610600" y="6356350"/>
-            <a:ext cx="2743200" cy="365125"/>
+            <a:off x="5084515" y="4337621"/>
+            <a:ext cx="1619845" cy="249164"/>
           </a:xfrm>
           <a:prstGeom prst="rect">
             <a:avLst/>
@@ -3164,7 +3011,7 @@
           <a:bodyPr vert="horz" lIns="91440" tIns="45720" rIns="91440" bIns="45720" rtlCol="0" anchor="ctr"/>
           <a:lstStyle>
             <a:lvl1pPr algn="r">
-              <a:defRPr sz="1200">
+              <a:defRPr sz="819">
                 <a:solidFill>
                   <a:schemeClr val="tx1">
                     <a:tint val="75000"/>
@@ -3174,39 +3021,39 @@
             </a:lvl1pPr>
           </a:lstStyle>
           <a:p>
-            <a:fld id="{300E7FB1-C6AE-F045-9B46-D1F4EBDBDF9C}" type="slidenum">
-              <a:rPr lang="en-US" smtClean="0"/>
+            <a:fld id="{D4A4694C-F37A-514E-AE75-E3AAECB12D30}" type="slidenum">
+              <a:rPr lang="fr-FR" smtClean="0"/>
               <a:t>‹N°›</a:t>
             </a:fld>
-            <a:endParaRPr lang="en-US"/>
+            <a:endParaRPr lang="fr-FR"/>
           </a:p>
         </p:txBody>
       </p:sp>
     </p:spTree>
     <p:extLst>
       <p:ext uri="{BB962C8B-B14F-4D97-AF65-F5344CB8AC3E}">
-        <p14:creationId xmlns:p14="http://schemas.microsoft.com/office/powerpoint/2010/main" val="3091763091"/>
+        <p14:creationId xmlns:p14="http://schemas.microsoft.com/office/powerpoint/2010/main" val="1881637071"/>
       </p:ext>
     </p:extLst>
   </p:cSld>
   <p:clrMap bg1="lt1" tx1="dk1" bg2="lt2" tx2="dk2" accent1="accent1" accent2="accent2" accent3="accent3" accent4="accent4" accent5="accent5" accent6="accent6" hlink="hlink" folHlink="folHlink"/>
   <p:sldLayoutIdLst>
-    <p:sldLayoutId id="2147483649" r:id="rId1"/>
-    <p:sldLayoutId id="2147483650" r:id="rId2"/>
-    <p:sldLayoutId id="2147483651" r:id="rId3"/>
-    <p:sldLayoutId id="2147483652" r:id="rId4"/>
-    <p:sldLayoutId id="2147483653" r:id="rId5"/>
-    <p:sldLayoutId id="2147483654" r:id="rId6"/>
-    <p:sldLayoutId id="2147483655" r:id="rId7"/>
-    <p:sldLayoutId id="2147483656" r:id="rId8"/>
-    <p:sldLayoutId id="2147483657" r:id="rId9"/>
-    <p:sldLayoutId id="2147483658" r:id="rId10"/>
-    <p:sldLayoutId id="2147483659" r:id="rId11"/>
+    <p:sldLayoutId id="2147483685" r:id="rId1"/>
+    <p:sldLayoutId id="2147483686" r:id="rId2"/>
+    <p:sldLayoutId id="2147483687" r:id="rId3"/>
+    <p:sldLayoutId id="2147483688" r:id="rId4"/>
+    <p:sldLayoutId id="2147483689" r:id="rId5"/>
+    <p:sldLayoutId id="2147483690" r:id="rId6"/>
+    <p:sldLayoutId id="2147483691" r:id="rId7"/>
+    <p:sldLayoutId id="2147483692" r:id="rId8"/>
+    <p:sldLayoutId id="2147483693" r:id="rId9"/>
+    <p:sldLayoutId id="2147483694" r:id="rId10"/>
+    <p:sldLayoutId id="2147483695" r:id="rId11"/>
   </p:sldLayoutIdLst>
   <p:hf sldNum="0" hdr="0" ftr="0" dt="0"/>
   <p:txStyles>
     <p:titleStyle>
-      <a:lvl1pPr algn="l" defTabSz="914400" rtl="0" eaLnBrk="1" latinLnBrk="0" hangingPunct="1">
+      <a:lvl1pPr algn="l" defTabSz="623987" rtl="0" eaLnBrk="1" latinLnBrk="0" hangingPunct="1">
         <a:lnSpc>
           <a:spcPct val="90000"/>
         </a:lnSpc>
@@ -3214,7 +3061,7 @@
           <a:spcPct val="0"/>
         </a:spcBef>
         <a:buNone/>
-        <a:defRPr sz="4400" kern="1200">
+        <a:defRPr sz="3003" kern="1200">
           <a:solidFill>
             <a:schemeClr val="tx1"/>
           </a:solidFill>
@@ -3225,16 +3072,16 @@
       </a:lvl1pPr>
     </p:titleStyle>
     <p:bodyStyle>
-      <a:lvl1pPr marL="228600" indent="-228600" algn="l" defTabSz="914400" rtl="0" eaLnBrk="1" latinLnBrk="0" hangingPunct="1">
+      <a:lvl1pPr marL="155997" indent="-155997" algn="l" defTabSz="623987" rtl="0" eaLnBrk="1" latinLnBrk="0" hangingPunct="1">
         <a:lnSpc>
           <a:spcPct val="90000"/>
         </a:lnSpc>
         <a:spcBef>
-          <a:spcPts val="1000"/>
+          <a:spcPts val="682"/>
         </a:spcBef>
         <a:buFont typeface="Arial" panose="020B0604020202020204" pitchFamily="34" charset="0"/>
         <a:buChar char="•"/>
-        <a:defRPr sz="2800" kern="1200">
+        <a:defRPr sz="1911" kern="1200">
           <a:solidFill>
             <a:schemeClr val="tx1"/>
           </a:solidFill>
@@ -3243,16 +3090,16 @@
           <a:cs typeface="+mn-cs"/>
         </a:defRPr>
       </a:lvl1pPr>
-      <a:lvl2pPr marL="685800" indent="-228600" algn="l" defTabSz="914400" rtl="0" eaLnBrk="1" latinLnBrk="0" hangingPunct="1">
+      <a:lvl2pPr marL="467990" indent="-155997" algn="l" defTabSz="623987" rtl="0" eaLnBrk="1" latinLnBrk="0" hangingPunct="1">
         <a:lnSpc>
           <a:spcPct val="90000"/>
         </a:lnSpc>
         <a:spcBef>
-          <a:spcPts val="500"/>
+          <a:spcPts val="341"/>
         </a:spcBef>
         <a:buFont typeface="Arial" panose="020B0604020202020204" pitchFamily="34" charset="0"/>
         <a:buChar char="•"/>
-        <a:defRPr sz="2400" kern="1200">
+        <a:defRPr sz="1638" kern="1200">
           <a:solidFill>
             <a:schemeClr val="tx1"/>
           </a:solidFill>
@@ -3261,16 +3108,16 @@
           <a:cs typeface="+mn-cs"/>
         </a:defRPr>
       </a:lvl2pPr>
-      <a:lvl3pPr marL="1143000" indent="-228600" algn="l" defTabSz="914400" rtl="0" eaLnBrk="1" latinLnBrk="0" hangingPunct="1">
+      <a:lvl3pPr marL="779983" indent="-155997" algn="l" defTabSz="623987" rtl="0" eaLnBrk="1" latinLnBrk="0" hangingPunct="1">
         <a:lnSpc>
           <a:spcPct val="90000"/>
         </a:lnSpc>
         <a:spcBef>
-          <a:spcPts val="500"/>
+          <a:spcPts val="341"/>
         </a:spcBef>
         <a:buFont typeface="Arial" panose="020B0604020202020204" pitchFamily="34" charset="0"/>
         <a:buChar char="•"/>
-        <a:defRPr sz="2000" kern="1200">
+        <a:defRPr sz="1365" kern="1200">
           <a:solidFill>
             <a:schemeClr val="tx1"/>
           </a:solidFill>
@@ -3279,16 +3126,16 @@
           <a:cs typeface="+mn-cs"/>
         </a:defRPr>
       </a:lvl3pPr>
-      <a:lvl4pPr marL="1600200" indent="-228600" algn="l" defTabSz="914400" rtl="0" eaLnBrk="1" latinLnBrk="0" hangingPunct="1">
+      <a:lvl4pPr marL="1091976" indent="-155997" algn="l" defTabSz="623987" rtl="0" eaLnBrk="1" latinLnBrk="0" hangingPunct="1">
         <a:lnSpc>
           <a:spcPct val="90000"/>
         </a:lnSpc>
         <a:spcBef>
-          <a:spcPts val="500"/>
+          <a:spcPts val="341"/>
         </a:spcBef>
         <a:buFont typeface="Arial" panose="020B0604020202020204" pitchFamily="34" charset="0"/>
         <a:buChar char="•"/>
-        <a:defRPr sz="1800" kern="1200">
+        <a:defRPr sz="1228" kern="1200">
           <a:solidFill>
             <a:schemeClr val="tx1"/>
           </a:solidFill>
@@ -3297,16 +3144,16 @@
           <a:cs typeface="+mn-cs"/>
         </a:defRPr>
       </a:lvl4pPr>
-      <a:lvl5pPr marL="2057400" indent="-228600" algn="l" defTabSz="914400" rtl="0" eaLnBrk="1" latinLnBrk="0" hangingPunct="1">
+      <a:lvl5pPr marL="1403970" indent="-155997" algn="l" defTabSz="623987" rtl="0" eaLnBrk="1" latinLnBrk="0" hangingPunct="1">
         <a:lnSpc>
           <a:spcPct val="90000"/>
         </a:lnSpc>
         <a:spcBef>
-          <a:spcPts val="500"/>
+          <a:spcPts val="341"/>
         </a:spcBef>
         <a:buFont typeface="Arial" panose="020B0604020202020204" pitchFamily="34" charset="0"/>
         <a:buChar char="•"/>
-        <a:defRPr sz="1800" kern="1200">
+        <a:defRPr sz="1228" kern="1200">
           <a:solidFill>
             <a:schemeClr val="tx1"/>
           </a:solidFill>
@@ -3315,16 +3162,16 @@
           <a:cs typeface="+mn-cs"/>
         </a:defRPr>
       </a:lvl5pPr>
-      <a:lvl6pPr marL="2514600" indent="-228600" algn="l" defTabSz="914400" rtl="0" eaLnBrk="1" latinLnBrk="0" hangingPunct="1">
+      <a:lvl6pPr marL="1715963" indent="-155997" algn="l" defTabSz="623987" rtl="0" eaLnBrk="1" latinLnBrk="0" hangingPunct="1">
         <a:lnSpc>
           <a:spcPct val="90000"/>
         </a:lnSpc>
         <a:spcBef>
-          <a:spcPts val="500"/>
+          <a:spcPts val="341"/>
         </a:spcBef>
         <a:buFont typeface="Arial" panose="020B0604020202020204" pitchFamily="34" charset="0"/>
         <a:buChar char="•"/>
-        <a:defRPr sz="1800" kern="1200">
+        <a:defRPr sz="1228" kern="1200">
           <a:solidFill>
             <a:schemeClr val="tx1"/>
           </a:solidFill>
@@ -3333,16 +3180,16 @@
           <a:cs typeface="+mn-cs"/>
         </a:defRPr>
       </a:lvl6pPr>
-      <a:lvl7pPr marL="2971800" indent="-228600" algn="l" defTabSz="914400" rtl="0" eaLnBrk="1" latinLnBrk="0" hangingPunct="1">
+      <a:lvl7pPr marL="2027956" indent="-155997" algn="l" defTabSz="623987" rtl="0" eaLnBrk="1" latinLnBrk="0" hangingPunct="1">
         <a:lnSpc>
           <a:spcPct val="90000"/>
         </a:lnSpc>
         <a:spcBef>
-          <a:spcPts val="500"/>
+          <a:spcPts val="341"/>
         </a:spcBef>
         <a:buFont typeface="Arial" panose="020B0604020202020204" pitchFamily="34" charset="0"/>
         <a:buChar char="•"/>
-        <a:defRPr sz="1800" kern="1200">
+        <a:defRPr sz="1228" kern="1200">
           <a:solidFill>
             <a:schemeClr val="tx1"/>
           </a:solidFill>
@@ -3351,16 +3198,16 @@
           <a:cs typeface="+mn-cs"/>
         </a:defRPr>
       </a:lvl7pPr>
-      <a:lvl8pPr marL="3429000" indent="-228600" algn="l" defTabSz="914400" rtl="0" eaLnBrk="1" latinLnBrk="0" hangingPunct="1">
+      <a:lvl8pPr marL="2339950" indent="-155997" algn="l" defTabSz="623987" rtl="0" eaLnBrk="1" latinLnBrk="0" hangingPunct="1">
         <a:lnSpc>
           <a:spcPct val="90000"/>
         </a:lnSpc>
         <a:spcBef>
-          <a:spcPts val="500"/>
+          <a:spcPts val="341"/>
         </a:spcBef>
         <a:buFont typeface="Arial" panose="020B0604020202020204" pitchFamily="34" charset="0"/>
         <a:buChar char="•"/>
-        <a:defRPr sz="1800" kern="1200">
+        <a:defRPr sz="1228" kern="1200">
           <a:solidFill>
             <a:schemeClr val="tx1"/>
           </a:solidFill>
@@ -3369,16 +3216,16 @@
           <a:cs typeface="+mn-cs"/>
         </a:defRPr>
       </a:lvl8pPr>
-      <a:lvl9pPr marL="3886200" indent="-228600" algn="l" defTabSz="914400" rtl="0" eaLnBrk="1" latinLnBrk="0" hangingPunct="1">
+      <a:lvl9pPr marL="2651943" indent="-155997" algn="l" defTabSz="623987" rtl="0" eaLnBrk="1" latinLnBrk="0" hangingPunct="1">
         <a:lnSpc>
           <a:spcPct val="90000"/>
         </a:lnSpc>
         <a:spcBef>
-          <a:spcPts val="500"/>
+          <a:spcPts val="341"/>
         </a:spcBef>
         <a:buFont typeface="Arial" panose="020B0604020202020204" pitchFamily="34" charset="0"/>
         <a:buChar char="•"/>
-        <a:defRPr sz="1800" kern="1200">
+        <a:defRPr sz="1228" kern="1200">
           <a:solidFill>
             <a:schemeClr val="tx1"/>
           </a:solidFill>
@@ -3390,10 +3237,10 @@
     </p:bodyStyle>
     <p:otherStyle>
       <a:defPPr>
-        <a:defRPr lang="fr-FR"/>
+        <a:defRPr lang="en-US"/>
       </a:defPPr>
-      <a:lvl1pPr marL="0" algn="l" defTabSz="914400" rtl="0" eaLnBrk="1" latinLnBrk="0" hangingPunct="1">
-        <a:defRPr sz="1800" kern="1200">
+      <a:lvl1pPr marL="0" algn="l" defTabSz="623987" rtl="0" eaLnBrk="1" latinLnBrk="0" hangingPunct="1">
+        <a:defRPr sz="1228" kern="1200">
           <a:solidFill>
             <a:schemeClr val="tx1"/>
           </a:solidFill>
@@ -3402,8 +3249,8 @@
           <a:cs typeface="+mn-cs"/>
         </a:defRPr>
       </a:lvl1pPr>
-      <a:lvl2pPr marL="457200" algn="l" defTabSz="914400" rtl="0" eaLnBrk="1" latinLnBrk="0" hangingPunct="1">
-        <a:defRPr sz="1800" kern="1200">
+      <a:lvl2pPr marL="311993" algn="l" defTabSz="623987" rtl="0" eaLnBrk="1" latinLnBrk="0" hangingPunct="1">
+        <a:defRPr sz="1228" kern="1200">
           <a:solidFill>
             <a:schemeClr val="tx1"/>
           </a:solidFill>
@@ -3412,8 +3259,8 @@
           <a:cs typeface="+mn-cs"/>
         </a:defRPr>
       </a:lvl2pPr>
-      <a:lvl3pPr marL="914400" algn="l" defTabSz="914400" rtl="0" eaLnBrk="1" latinLnBrk="0" hangingPunct="1">
-        <a:defRPr sz="1800" kern="1200">
+      <a:lvl3pPr marL="623987" algn="l" defTabSz="623987" rtl="0" eaLnBrk="1" latinLnBrk="0" hangingPunct="1">
+        <a:defRPr sz="1228" kern="1200">
           <a:solidFill>
             <a:schemeClr val="tx1"/>
           </a:solidFill>
@@ -3422,8 +3269,8 @@
           <a:cs typeface="+mn-cs"/>
         </a:defRPr>
       </a:lvl3pPr>
-      <a:lvl4pPr marL="1371600" algn="l" defTabSz="914400" rtl="0" eaLnBrk="1" latinLnBrk="0" hangingPunct="1">
-        <a:defRPr sz="1800" kern="1200">
+      <a:lvl4pPr marL="935980" algn="l" defTabSz="623987" rtl="0" eaLnBrk="1" latinLnBrk="0" hangingPunct="1">
+        <a:defRPr sz="1228" kern="1200">
           <a:solidFill>
             <a:schemeClr val="tx1"/>
           </a:solidFill>
@@ -3432,8 +3279,8 @@
           <a:cs typeface="+mn-cs"/>
         </a:defRPr>
       </a:lvl4pPr>
-      <a:lvl5pPr marL="1828800" algn="l" defTabSz="914400" rtl="0" eaLnBrk="1" latinLnBrk="0" hangingPunct="1">
-        <a:defRPr sz="1800" kern="1200">
+      <a:lvl5pPr marL="1247973" algn="l" defTabSz="623987" rtl="0" eaLnBrk="1" latinLnBrk="0" hangingPunct="1">
+        <a:defRPr sz="1228" kern="1200">
           <a:solidFill>
             <a:schemeClr val="tx1"/>
           </a:solidFill>
@@ -3442,8 +3289,8 @@
           <a:cs typeface="+mn-cs"/>
         </a:defRPr>
       </a:lvl5pPr>
-      <a:lvl6pPr marL="2286000" algn="l" defTabSz="914400" rtl="0" eaLnBrk="1" latinLnBrk="0" hangingPunct="1">
-        <a:defRPr sz="1800" kern="1200">
+      <a:lvl6pPr marL="1559966" algn="l" defTabSz="623987" rtl="0" eaLnBrk="1" latinLnBrk="0" hangingPunct="1">
+        <a:defRPr sz="1228" kern="1200">
           <a:solidFill>
             <a:schemeClr val="tx1"/>
           </a:solidFill>
@@ -3452,8 +3299,8 @@
           <a:cs typeface="+mn-cs"/>
         </a:defRPr>
       </a:lvl6pPr>
-      <a:lvl7pPr marL="2743200" algn="l" defTabSz="914400" rtl="0" eaLnBrk="1" latinLnBrk="0" hangingPunct="1">
-        <a:defRPr sz="1800" kern="1200">
+      <a:lvl7pPr marL="1871960" algn="l" defTabSz="623987" rtl="0" eaLnBrk="1" latinLnBrk="0" hangingPunct="1">
+        <a:defRPr sz="1228" kern="1200">
           <a:solidFill>
             <a:schemeClr val="tx1"/>
           </a:solidFill>
@@ -3462,8 +3309,8 @@
           <a:cs typeface="+mn-cs"/>
         </a:defRPr>
       </a:lvl7pPr>
-      <a:lvl8pPr marL="3200400" algn="l" defTabSz="914400" rtl="0" eaLnBrk="1" latinLnBrk="0" hangingPunct="1">
-        <a:defRPr sz="1800" kern="1200">
+      <a:lvl8pPr marL="2183953" algn="l" defTabSz="623987" rtl="0" eaLnBrk="1" latinLnBrk="0" hangingPunct="1">
+        <a:defRPr sz="1228" kern="1200">
           <a:solidFill>
             <a:schemeClr val="tx1"/>
           </a:solidFill>
@@ -3472,8 +3319,8 @@
           <a:cs typeface="+mn-cs"/>
         </a:defRPr>
       </a:lvl8pPr>
-      <a:lvl9pPr marL="3657600" algn="l" defTabSz="914400" rtl="0" eaLnBrk="1" latinLnBrk="0" hangingPunct="1">
-        <a:defRPr sz="1800" kern="1200">
+      <a:lvl9pPr marL="2495946" algn="l" defTabSz="623987" rtl="0" eaLnBrk="1" latinLnBrk="0" hangingPunct="1">
+        <a:defRPr sz="1228" kern="1200">
           <a:solidFill>
             <a:schemeClr val="tx1"/>
           </a:solidFill>
@@ -3518,16 +3365,13 @@
         </p:nvSpPr>
         <p:spPr>
           <a:xfrm>
-            <a:off x="1565563" y="1990481"/>
-            <a:ext cx="7005515" cy="1077218"/>
+            <a:off x="604387" y="1457715"/>
+            <a:ext cx="6223614" cy="383182"/>
           </a:xfrm>
           <a:prstGeom prst="rect">
             <a:avLst/>
           </a:prstGeom>
           <a:noFill/>
-          <a:ln>
-            <a:noFill/>
-          </a:ln>
         </p:spPr>
         <p:txBody>
           <a:bodyPr wrap="square" rtlCol="0">
@@ -3536,41 +3380,135 @@
           <a:lstStyle/>
           <a:p>
             <a:r>
-              <a:rPr lang="en-US" sz="3200" b="1" dirty="0" err="1">
+              <a:rPr lang="en-US" sz="1890" b="1" dirty="0" err="1">
                 <a:solidFill>
                   <a:srgbClr val="FF0000"/>
                 </a:solidFill>
-                <a:latin typeface="Courier" pitchFamily="2" charset="0"/>
+                <a:latin typeface="Courier New" charset="0"/>
                 <a:cs typeface="Courier New" charset="0"/>
               </a:rPr>
               <a:t>ggplot</a:t>
             </a:r>
             <a:r>
-              <a:rPr lang="en-US" sz="3200" b="1" dirty="0">
+              <a:rPr lang="en-US" sz="1890" b="1" dirty="0">
                 <a:solidFill>
                   <a:srgbClr val="FF0000"/>
                 </a:solidFill>
-                <a:latin typeface="Courier" pitchFamily="2" charset="0"/>
+                <a:latin typeface="Courier New" charset="0"/>
                 <a:cs typeface="Courier New" charset="0"/>
               </a:rPr>
               <a:t>(</a:t>
             </a:r>
-            <a:r>
-              <a:rPr lang="en-US" sz="3200" b="1" dirty="0">
+            <a:endParaRPr lang="en-US" sz="1890" b="1" dirty="0">
+              <a:solidFill>
+                <a:srgbClr val="7030A0"/>
+              </a:solidFill>
+              <a:latin typeface="Courier New" charset="0"/>
+              <a:cs typeface="Courier New" charset="0"/>
+            </a:endParaRPr>
+          </a:p>
+        </p:txBody>
+      </p:sp>
+    </p:spTree>
+    <p:extLst>
+      <p:ext uri="{BB962C8B-B14F-4D97-AF65-F5344CB8AC3E}">
+        <p14:creationId xmlns:p14="http://schemas.microsoft.com/office/powerpoint/2010/main" val="249557028"/>
+      </p:ext>
+    </p:extLst>
+  </p:cSld>
+  <p:clrMapOvr>
+    <a:masterClrMapping/>
+  </p:clrMapOvr>
+</p:sld>
+</file>
+
+<file path=ppt/slides/slide2.xml><?xml version="1.0" encoding="utf-8"?>
+<p:sld xmlns:a="http://schemas.openxmlformats.org/drawingml/2006/main" xmlns:r="http://schemas.openxmlformats.org/officeDocument/2006/relationships" xmlns:p="http://schemas.openxmlformats.org/presentationml/2006/main">
+  <p:cSld>
+    <p:spTree>
+      <p:nvGrpSpPr>
+        <p:cNvPr id="1" name=""/>
+        <p:cNvGrpSpPr/>
+        <p:nvPr/>
+      </p:nvGrpSpPr>
+      <p:grpSpPr>
+        <a:xfrm>
+          <a:off x="0" y="0"/>
+          <a:ext cx="0" cy="0"/>
+          <a:chOff x="0" y="0"/>
+          <a:chExt cx="0" cy="0"/>
+        </a:xfrm>
+      </p:grpSpPr>
+      <p:sp>
+        <p:nvSpPr>
+          <p:cNvPr id="7" name="ZoneTexte 6">
+            <a:extLst>
+              <a:ext uri="{FF2B5EF4-FFF2-40B4-BE49-F238E27FC236}">
+                <a16:creationId xmlns:a16="http://schemas.microsoft.com/office/drawing/2014/main" id="{95E00C81-548D-9B43-A6A5-089BDF689C74}"/>
+              </a:ext>
+            </a:extLst>
+          </p:cNvPr>
+          <p:cNvSpPr txBox="1"/>
+          <p:nvPr/>
+        </p:nvSpPr>
+        <p:spPr>
+          <a:xfrm>
+            <a:off x="604387" y="1457715"/>
+            <a:ext cx="6223614" cy="674031"/>
+          </a:xfrm>
+          <a:prstGeom prst="rect">
+            <a:avLst/>
+          </a:prstGeom>
+          <a:noFill/>
+        </p:spPr>
+        <p:txBody>
+          <a:bodyPr wrap="square" rtlCol="0">
+            <a:spAutoFit/>
+          </a:bodyPr>
+          <a:lstStyle/>
+          <a:p>
+            <a:r>
+              <a:rPr lang="en-US" sz="1890" b="1" dirty="0" err="1">
                 <a:solidFill>
-                  <a:schemeClr val="accent5">
-                    <a:lumMod val="60000"/>
-                    <a:lumOff val="40000"/>
+                  <a:srgbClr val="FF0000"/>
+                </a:solidFill>
+                <a:latin typeface="Courier New" charset="0"/>
+                <a:cs typeface="Courier New" charset="0"/>
+              </a:rPr>
+              <a:t>ggplot</a:t>
+            </a:r>
+            <a:r>
+              <a:rPr lang="en-US" sz="1890" b="1" dirty="0">
+                <a:solidFill>
+                  <a:srgbClr val="FF0000"/>
+                </a:solidFill>
+                <a:latin typeface="Courier New" charset="0"/>
+                <a:cs typeface="Courier New" charset="0"/>
+              </a:rPr>
+              <a:t>(</a:t>
+            </a:r>
+            <a:r>
+              <a:rPr lang="en-US" sz="1890" b="1" dirty="0">
+                <a:latin typeface="Courier New" charset="0"/>
+                <a:cs typeface="Courier New" charset="0"/>
+              </a:rPr>
+              <a:t>data = </a:t>
+            </a:r>
+            <a:r>
+              <a:rPr lang="en-US" sz="1890" b="1" dirty="0">
+                <a:solidFill>
+                  <a:schemeClr val="bg2">
+                    <a:lumMod val="50000"/>
                   </a:schemeClr>
                 </a:solidFill>
-                <a:latin typeface="Courier" pitchFamily="2" charset="0"/>
+                <a:latin typeface="Courier New" charset="0"/>
                 <a:cs typeface="Courier New" charset="0"/>
               </a:rPr>
-              <a:t>data = fruits</a:t>
-            </a:r>
-            <a:r>
-              <a:rPr lang="en-US" sz="3200" b="1" dirty="0">
-                <a:latin typeface="Courier" pitchFamily="2" charset="0"/>
+              <a:t>fruits</a:t>
+            </a:r>
+            <a:r>
+              <a:rPr lang="en-US" sz="1890" b="1" dirty="0">
+                <a:latin typeface="Courier New" charset="0"/>
                 <a:cs typeface="Courier New" charset="0"/>
               </a:rPr>
               <a:t>, </a:t>
@@ -3578,17 +3516,17 @@
           </a:p>
           <a:p>
             <a:r>
-              <a:rPr lang="en-US" sz="3200" b="1" dirty="0">
-                <a:latin typeface="Courier" pitchFamily="2" charset="0"/>
+              <a:rPr lang="en-US" sz="1890" b="1" dirty="0">
+                <a:latin typeface="Courier New" charset="0"/>
                 <a:cs typeface="Courier New" charset="0"/>
               </a:rPr>
-              <a:t>	</a:t>
-            </a:r>
-            <a:endParaRPr lang="en-US" sz="3200" b="1" dirty="0">
+              <a:t>    </a:t>
+            </a:r>
+            <a:endParaRPr lang="en-US" sz="1890" b="1" dirty="0">
               <a:solidFill>
                 <a:srgbClr val="7030A0"/>
               </a:solidFill>
-              <a:latin typeface="Courier" pitchFamily="2" charset="0"/>
+              <a:latin typeface="Courier New" charset="0"/>
               <a:cs typeface="Courier New" charset="0"/>
             </a:endParaRPr>
           </a:p>
@@ -3608,30 +3546,28 @@
         </p:nvSpPr>
         <p:spPr>
           <a:xfrm>
-            <a:off x="2759825" y="626977"/>
-            <a:ext cx="1429352" cy="579933"/>
+            <a:off x="910872" y="528159"/>
+            <a:ext cx="844025" cy="342448"/>
           </a:xfrm>
           <a:prstGeom prst="borderCallout2">
             <a:avLst>
               <a:gd name="adj1" fmla="val 54044"/>
               <a:gd name="adj2" fmla="val 104592"/>
-              <a:gd name="adj3" fmla="val 91355"/>
-              <a:gd name="adj4" fmla="val 167610"/>
-              <a:gd name="adj5" fmla="val 256391"/>
-              <a:gd name="adj6" fmla="val 205300"/>
+              <a:gd name="adj3" fmla="val 113708"/>
+              <a:gd name="adj4" fmla="val 188492"/>
+              <a:gd name="adj5" fmla="val 273800"/>
+              <a:gd name="adj6" fmla="val 239524"/>
             </a:avLst>
           </a:prstGeom>
           <a:solidFill>
-            <a:schemeClr val="accent5">
-              <a:lumMod val="60000"/>
-              <a:lumOff val="40000"/>
+            <a:schemeClr val="bg2">
+              <a:lumMod val="75000"/>
             </a:schemeClr>
           </a:solidFill>
-          <a:ln w="28575">
+          <a:ln>
             <a:solidFill>
-              <a:schemeClr val="accent5">
-                <a:lumMod val="60000"/>
-                <a:lumOff val="40000"/>
+              <a:schemeClr val="bg2">
+                <a:lumMod val="75000"/>
               </a:schemeClr>
             </a:solidFill>
           </a:ln>
@@ -3658,19 +3594,18 @@
           <a:p>
             <a:pPr algn="ctr"/>
             <a:r>
-              <a:rPr lang="en-US" sz="2400" b="1" dirty="0" err="1"/>
-              <a:t>Données</a:t>
-            </a:r>
-            <a:endParaRPr lang="en-US" sz="2400" b="1" dirty="0"/>
+              <a:rPr lang="en-US" sz="1417" b="1" dirty="0"/>
+              <a:t>Data</a:t>
+            </a:r>
           </a:p>
         </p:txBody>
       </p:sp>
       <p:cxnSp>
         <p:nvCxnSpPr>
-          <p:cNvPr id="6" name="Connecteur droit avec flèche 5">
+          <p:cNvPr id="2" name="Connecteur droit avec flèche 1">
             <a:extLst>
               <a:ext uri="{FF2B5EF4-FFF2-40B4-BE49-F238E27FC236}">
-                <a16:creationId xmlns:a16="http://schemas.microsoft.com/office/drawing/2014/main" id="{7D517249-DEEC-9148-B0D2-A0F0C51AE948}"/>
+                <a16:creationId xmlns:a16="http://schemas.microsoft.com/office/drawing/2014/main" id="{CB383AD3-0F7C-48A3-DCA8-B78503E5ADAD}"/>
               </a:ext>
             </a:extLst>
           </p:cNvPr>
@@ -3679,8 +3614,164 @@
         </p:nvCxnSpPr>
         <p:spPr>
           <a:xfrm>
-            <a:off x="7428668" y="2805190"/>
-            <a:ext cx="2991172" cy="0"/>
+            <a:off x="4610112" y="1874308"/>
+            <a:ext cx="1766271" cy="0"/>
+          </a:xfrm>
+          <a:prstGeom prst="straightConnector1">
+            <a:avLst/>
+          </a:prstGeom>
+          <a:ln>
+            <a:tailEnd type="triangle"/>
+          </a:ln>
+        </p:spPr>
+        <p:style>
+          <a:lnRef idx="3">
+            <a:schemeClr val="accent1"/>
+          </a:lnRef>
+          <a:fillRef idx="0">
+            <a:schemeClr val="accent1"/>
+          </a:fillRef>
+          <a:effectRef idx="2">
+            <a:schemeClr val="accent1"/>
+          </a:effectRef>
+          <a:fontRef idx="minor">
+            <a:schemeClr val="tx1"/>
+          </a:fontRef>
+        </p:style>
+      </p:cxnSp>
+      <p:cxnSp>
+        <p:nvCxnSpPr>
+          <p:cNvPr id="3" name="Connecteur droit avec flèche 2">
+            <a:extLst>
+              <a:ext uri="{FF2B5EF4-FFF2-40B4-BE49-F238E27FC236}">
+                <a16:creationId xmlns:a16="http://schemas.microsoft.com/office/drawing/2014/main" id="{8804D746-D9EC-ED2A-4731-9B91FB2A5838}"/>
+              </a:ext>
+            </a:extLst>
+          </p:cNvPr>
+          <p:cNvCxnSpPr/>
+          <p:nvPr/>
+        </p:nvCxnSpPr>
+        <p:spPr>
+          <a:xfrm>
+            <a:off x="4610112" y="2313587"/>
+            <a:ext cx="1766271" cy="0"/>
+          </a:xfrm>
+          <a:prstGeom prst="straightConnector1">
+            <a:avLst/>
+          </a:prstGeom>
+          <a:ln>
+            <a:tailEnd type="triangle"/>
+          </a:ln>
+        </p:spPr>
+        <p:style>
+          <a:lnRef idx="3">
+            <a:schemeClr val="accent1"/>
+          </a:lnRef>
+          <a:fillRef idx="0">
+            <a:schemeClr val="accent1"/>
+          </a:fillRef>
+          <a:effectRef idx="2">
+            <a:schemeClr val="accent1"/>
+          </a:effectRef>
+          <a:fontRef idx="minor">
+            <a:schemeClr val="tx1"/>
+          </a:fontRef>
+        </p:style>
+      </p:cxnSp>
+      <p:cxnSp>
+        <p:nvCxnSpPr>
+          <p:cNvPr id="4" name="Connecteur droit avec flèche 3">
+            <a:extLst>
+              <a:ext uri="{FF2B5EF4-FFF2-40B4-BE49-F238E27FC236}">
+                <a16:creationId xmlns:a16="http://schemas.microsoft.com/office/drawing/2014/main" id="{AE3BF635-8144-E5FA-D0DE-FF98C9F1941B}"/>
+              </a:ext>
+            </a:extLst>
+          </p:cNvPr>
+          <p:cNvCxnSpPr/>
+          <p:nvPr/>
+        </p:nvCxnSpPr>
+        <p:spPr>
+          <a:xfrm>
+            <a:off x="4610112" y="2093947"/>
+            <a:ext cx="1766271" cy="0"/>
+          </a:xfrm>
+          <a:prstGeom prst="straightConnector1">
+            <a:avLst/>
+          </a:prstGeom>
+          <a:ln>
+            <a:tailEnd type="triangle"/>
+          </a:ln>
+        </p:spPr>
+        <p:style>
+          <a:lnRef idx="3">
+            <a:schemeClr val="accent1"/>
+          </a:lnRef>
+          <a:fillRef idx="0">
+            <a:schemeClr val="accent1"/>
+          </a:fillRef>
+          <a:effectRef idx="2">
+            <a:schemeClr val="accent1"/>
+          </a:effectRef>
+          <a:fontRef idx="minor">
+            <a:schemeClr val="tx1"/>
+          </a:fontRef>
+        </p:style>
+      </p:cxnSp>
+      <p:cxnSp>
+        <p:nvCxnSpPr>
+          <p:cNvPr id="5" name="Connecteur droit avec flèche 4">
+            <a:extLst>
+              <a:ext uri="{FF2B5EF4-FFF2-40B4-BE49-F238E27FC236}">
+                <a16:creationId xmlns:a16="http://schemas.microsoft.com/office/drawing/2014/main" id="{763EB2F7-E10C-008F-8A7C-0EEC1B7C144D}"/>
+              </a:ext>
+            </a:extLst>
+          </p:cNvPr>
+          <p:cNvCxnSpPr/>
+          <p:nvPr/>
+        </p:nvCxnSpPr>
+        <p:spPr>
+          <a:xfrm>
+            <a:off x="4610112" y="2533227"/>
+            <a:ext cx="1766271" cy="0"/>
+          </a:xfrm>
+          <a:prstGeom prst="straightConnector1">
+            <a:avLst/>
+          </a:prstGeom>
+          <a:ln>
+            <a:tailEnd type="triangle"/>
+          </a:ln>
+        </p:spPr>
+        <p:style>
+          <a:lnRef idx="3">
+            <a:schemeClr val="accent1"/>
+          </a:lnRef>
+          <a:fillRef idx="0">
+            <a:schemeClr val="accent1"/>
+          </a:fillRef>
+          <a:effectRef idx="2">
+            <a:schemeClr val="accent1"/>
+          </a:effectRef>
+          <a:fontRef idx="minor">
+            <a:schemeClr val="tx1"/>
+          </a:fontRef>
+        </p:style>
+      </p:cxnSp>
+      <p:cxnSp>
+        <p:nvCxnSpPr>
+          <p:cNvPr id="6" name="Connecteur droit avec flèche 5">
+            <a:extLst>
+              <a:ext uri="{FF2B5EF4-FFF2-40B4-BE49-F238E27FC236}">
+                <a16:creationId xmlns:a16="http://schemas.microsoft.com/office/drawing/2014/main" id="{67112F76-0527-0715-9D65-0ABA06A42E96}"/>
+              </a:ext>
+            </a:extLst>
+          </p:cNvPr>
+          <p:cNvCxnSpPr/>
+          <p:nvPr/>
+        </p:nvCxnSpPr>
+        <p:spPr>
+          <a:xfrm>
+            <a:off x="4610112" y="2752867"/>
+            <a:ext cx="1766271" cy="0"/>
           </a:xfrm>
           <a:prstGeom prst="straightConnector1">
             <a:avLst/>
@@ -3709,7 +3800,7 @@
           <p:cNvPr id="11" name="Connecteur droit avec flèche 10">
             <a:extLst>
               <a:ext uri="{FF2B5EF4-FFF2-40B4-BE49-F238E27FC236}">
-                <a16:creationId xmlns:a16="http://schemas.microsoft.com/office/drawing/2014/main" id="{9590DBBE-B897-6E45-BA6E-200210AC7303}"/>
+                <a16:creationId xmlns:a16="http://schemas.microsoft.com/office/drawing/2014/main" id="{464A397E-B097-8C40-7BF8-AF0ED8909501}"/>
               </a:ext>
             </a:extLst>
           </p:cNvPr>
@@ -3718,8 +3809,8 @@
         </p:nvCxnSpPr>
         <p:spPr>
           <a:xfrm>
-            <a:off x="7428668" y="3549108"/>
-            <a:ext cx="2991172" cy="0"/>
+            <a:off x="4610112" y="2972507"/>
+            <a:ext cx="1766271" cy="0"/>
           </a:xfrm>
           <a:prstGeom prst="straightConnector1">
             <a:avLst/>
@@ -3748,7 +3839,7 @@
           <p:cNvPr id="12" name="Connecteur droit avec flèche 11">
             <a:extLst>
               <a:ext uri="{FF2B5EF4-FFF2-40B4-BE49-F238E27FC236}">
-                <a16:creationId xmlns:a16="http://schemas.microsoft.com/office/drawing/2014/main" id="{64F3DA0D-BB21-574F-855B-751103ABFA6C}"/>
+                <a16:creationId xmlns:a16="http://schemas.microsoft.com/office/drawing/2014/main" id="{A63EE769-C4C6-C443-53DC-02CBA5653C38}"/>
               </a:ext>
             </a:extLst>
           </p:cNvPr>
@@ -3757,8 +3848,8 @@
         </p:nvCxnSpPr>
         <p:spPr>
           <a:xfrm>
-            <a:off x="7428668" y="3177149"/>
-            <a:ext cx="2991172" cy="0"/>
+            <a:off x="4610112" y="3192147"/>
+            <a:ext cx="1766271" cy="0"/>
           </a:xfrm>
           <a:prstGeom prst="straightConnector1">
             <a:avLst/>
@@ -3787,7 +3878,7 @@
           <p:cNvPr id="13" name="Connecteur droit avec flèche 12">
             <a:extLst>
               <a:ext uri="{FF2B5EF4-FFF2-40B4-BE49-F238E27FC236}">
-                <a16:creationId xmlns:a16="http://schemas.microsoft.com/office/drawing/2014/main" id="{D244ACE2-078F-454B-9E66-38EE1A9ECDF9}"/>
+                <a16:creationId xmlns:a16="http://schemas.microsoft.com/office/drawing/2014/main" id="{67E6CECE-5697-74B0-2285-F8D7A82B9310}"/>
               </a:ext>
             </a:extLst>
           </p:cNvPr>
@@ -3796,164 +3887,8 @@
         </p:nvCxnSpPr>
         <p:spPr>
           <a:xfrm>
-            <a:off x="7428668" y="3921067"/>
-            <a:ext cx="2991172" cy="0"/>
-          </a:xfrm>
-          <a:prstGeom prst="straightConnector1">
-            <a:avLst/>
-          </a:prstGeom>
-          <a:ln>
-            <a:tailEnd type="triangle"/>
-          </a:ln>
-        </p:spPr>
-        <p:style>
-          <a:lnRef idx="3">
-            <a:schemeClr val="accent1"/>
-          </a:lnRef>
-          <a:fillRef idx="0">
-            <a:schemeClr val="accent1"/>
-          </a:fillRef>
-          <a:effectRef idx="2">
-            <a:schemeClr val="accent1"/>
-          </a:effectRef>
-          <a:fontRef idx="minor">
-            <a:schemeClr val="tx1"/>
-          </a:fontRef>
-        </p:style>
-      </p:cxnSp>
-      <p:cxnSp>
-        <p:nvCxnSpPr>
-          <p:cNvPr id="14" name="Connecteur droit avec flèche 13">
-            <a:extLst>
-              <a:ext uri="{FF2B5EF4-FFF2-40B4-BE49-F238E27FC236}">
-                <a16:creationId xmlns:a16="http://schemas.microsoft.com/office/drawing/2014/main" id="{7FACCC5A-7504-9841-9EAF-D3017B0CEDEC}"/>
-              </a:ext>
-            </a:extLst>
-          </p:cNvPr>
-          <p:cNvCxnSpPr/>
-          <p:nvPr/>
-        </p:nvCxnSpPr>
-        <p:spPr>
-          <a:xfrm>
-            <a:off x="7428668" y="4293026"/>
-            <a:ext cx="2991172" cy="0"/>
-          </a:xfrm>
-          <a:prstGeom prst="straightConnector1">
-            <a:avLst/>
-          </a:prstGeom>
-          <a:ln>
-            <a:tailEnd type="triangle"/>
-          </a:ln>
-        </p:spPr>
-        <p:style>
-          <a:lnRef idx="3">
-            <a:schemeClr val="accent1"/>
-          </a:lnRef>
-          <a:fillRef idx="0">
-            <a:schemeClr val="accent1"/>
-          </a:fillRef>
-          <a:effectRef idx="2">
-            <a:schemeClr val="accent1"/>
-          </a:effectRef>
-          <a:fontRef idx="minor">
-            <a:schemeClr val="tx1"/>
-          </a:fontRef>
-        </p:style>
-      </p:cxnSp>
-      <p:cxnSp>
-        <p:nvCxnSpPr>
-          <p:cNvPr id="15" name="Connecteur droit avec flèche 14">
-            <a:extLst>
-              <a:ext uri="{FF2B5EF4-FFF2-40B4-BE49-F238E27FC236}">
-                <a16:creationId xmlns:a16="http://schemas.microsoft.com/office/drawing/2014/main" id="{2E652A57-4EFE-6D41-BCC1-96EF9033F25C}"/>
-              </a:ext>
-            </a:extLst>
-          </p:cNvPr>
-          <p:cNvCxnSpPr/>
-          <p:nvPr/>
-        </p:nvCxnSpPr>
-        <p:spPr>
-          <a:xfrm>
-            <a:off x="7428668" y="4664985"/>
-            <a:ext cx="2991172" cy="0"/>
-          </a:xfrm>
-          <a:prstGeom prst="straightConnector1">
-            <a:avLst/>
-          </a:prstGeom>
-          <a:ln>
-            <a:tailEnd type="triangle"/>
-          </a:ln>
-        </p:spPr>
-        <p:style>
-          <a:lnRef idx="3">
-            <a:schemeClr val="accent1"/>
-          </a:lnRef>
-          <a:fillRef idx="0">
-            <a:schemeClr val="accent1"/>
-          </a:fillRef>
-          <a:effectRef idx="2">
-            <a:schemeClr val="accent1"/>
-          </a:effectRef>
-          <a:fontRef idx="minor">
-            <a:schemeClr val="tx1"/>
-          </a:fontRef>
-        </p:style>
-      </p:cxnSp>
-      <p:cxnSp>
-        <p:nvCxnSpPr>
-          <p:cNvPr id="16" name="Connecteur droit avec flèche 15">
-            <a:extLst>
-              <a:ext uri="{FF2B5EF4-FFF2-40B4-BE49-F238E27FC236}">
-                <a16:creationId xmlns:a16="http://schemas.microsoft.com/office/drawing/2014/main" id="{7BFCD689-9046-8B43-BDEA-A61846A23AE5}"/>
-              </a:ext>
-            </a:extLst>
-          </p:cNvPr>
-          <p:cNvCxnSpPr/>
-          <p:nvPr/>
-        </p:nvCxnSpPr>
-        <p:spPr>
-          <a:xfrm>
-            <a:off x="7428668" y="5036944"/>
-            <a:ext cx="2991172" cy="0"/>
-          </a:xfrm>
-          <a:prstGeom prst="straightConnector1">
-            <a:avLst/>
-          </a:prstGeom>
-          <a:ln>
-            <a:tailEnd type="triangle"/>
-          </a:ln>
-        </p:spPr>
-        <p:style>
-          <a:lnRef idx="3">
-            <a:schemeClr val="accent1"/>
-          </a:lnRef>
-          <a:fillRef idx="0">
-            <a:schemeClr val="accent1"/>
-          </a:fillRef>
-          <a:effectRef idx="2">
-            <a:schemeClr val="accent1"/>
-          </a:effectRef>
-          <a:fontRef idx="minor">
-            <a:schemeClr val="tx1"/>
-          </a:fontRef>
-        </p:style>
-      </p:cxnSp>
-      <p:cxnSp>
-        <p:nvCxnSpPr>
-          <p:cNvPr id="17" name="Connecteur droit avec flèche 16">
-            <a:extLst>
-              <a:ext uri="{FF2B5EF4-FFF2-40B4-BE49-F238E27FC236}">
-                <a16:creationId xmlns:a16="http://schemas.microsoft.com/office/drawing/2014/main" id="{905B720C-1A65-914C-9675-16C2ADD7A91F}"/>
-              </a:ext>
-            </a:extLst>
-          </p:cNvPr>
-          <p:cNvCxnSpPr/>
-          <p:nvPr/>
-        </p:nvCxnSpPr>
-        <p:spPr>
-          <a:xfrm>
-            <a:off x="7428668" y="5408905"/>
-            <a:ext cx="2991172" cy="0"/>
+            <a:off x="4610112" y="3411788"/>
+            <a:ext cx="1766271" cy="0"/>
           </a:xfrm>
           <a:prstGeom prst="straightConnector1">
             <a:avLst/>
@@ -3979,10 +3914,10 @@
       </p:cxnSp>
       <p:graphicFrame>
         <p:nvGraphicFramePr>
-          <p:cNvPr id="18" name="Tableau 17">
+          <p:cNvPr id="14" name="Tableau 13">
             <a:extLst>
               <a:ext uri="{FF2B5EF4-FFF2-40B4-BE49-F238E27FC236}">
-                <a16:creationId xmlns:a16="http://schemas.microsoft.com/office/drawing/2014/main" id="{23200F3F-25B2-BC46-A17C-AA2AB977035F}"/>
+                <a16:creationId xmlns:a16="http://schemas.microsoft.com/office/drawing/2014/main" id="{A374F090-F141-08AE-C2CB-59FF633DB7EB}"/>
               </a:ext>
             </a:extLst>
           </p:cNvPr>
@@ -3990,12 +3925,16 @@
             <a:graphicFrameLocks noGrp="1"/>
           </p:cNvGraphicFramePr>
           <p:nvPr>
-            <p:extLst/>
+            <p:extLst>
+              <p:ext uri="{D42A27DB-BD31-4B8C-83A1-F6EECF244321}">
+                <p14:modId xmlns:p14="http://schemas.microsoft.com/office/powerpoint/2010/main" val="2806013310"/>
+              </p:ext>
+            </p:extLst>
           </p:nvPr>
         </p:nvGraphicFramePr>
         <p:xfrm>
-          <a:off x="7927126" y="2256766"/>
-          <a:ext cx="1957833" cy="3332480"/>
+          <a:off x="4904448" y="1584332"/>
+          <a:ext cx="1156091" cy="1927746"/>
         </p:xfrm>
         <a:graphic>
           <a:graphicData uri="http://schemas.openxmlformats.org/drawingml/2006/table">
@@ -4004,21 +3943,21 @@
                 <a:tableStyleId>{5C22544A-7EE6-4342-B048-85BDC9FD1C3A}</a:tableStyleId>
               </a:tblPr>
               <a:tblGrid>
-                <a:gridCol w="486093">
+                <a:gridCol w="287036">
                   <a:extLst>
                     <a:ext uri="{9D8B030D-6E8A-4147-A177-3AD203B41FA5}">
                       <a16:colId xmlns:a16="http://schemas.microsoft.com/office/drawing/2014/main" val="124538589"/>
                     </a:ext>
                   </a:extLst>
                 </a:gridCol>
-                <a:gridCol w="486093">
+                <a:gridCol w="287036">
                   <a:extLst>
                     <a:ext uri="{9D8B030D-6E8A-4147-A177-3AD203B41FA5}">
                       <a16:colId xmlns:a16="http://schemas.microsoft.com/office/drawing/2014/main" val="4108665699"/>
                     </a:ext>
                   </a:extLst>
                 </a:gridCol>
-                <a:gridCol w="985647">
+                <a:gridCol w="582019">
                   <a:extLst>
                     <a:ext uri="{9D8B030D-6E8A-4147-A177-3AD203B41FA5}">
                       <a16:colId xmlns:a16="http://schemas.microsoft.com/office/drawing/2014/main" val="1555276325"/>
@@ -4026,19 +3965,19 @@
                   </a:extLst>
                 </a:gridCol>
               </a:tblGrid>
-              <a:tr h="0">
+              <a:tr h="175914">
                 <a:tc>
                   <a:txBody>
                     <a:bodyPr/>
                     <a:lstStyle/>
                     <a:p>
                       <a:r>
-                        <a:rPr lang="en-US" dirty="0"/>
+                        <a:rPr lang="en-US" sz="800" dirty="0"/>
                         <a:t>V1</a:t>
                       </a:r>
                     </a:p>
                   </a:txBody>
-                  <a:tcPr/>
+                  <a:tcPr marL="53995" marR="53995" marT="26997" marB="26997"/>
                 </a:tc>
                 <a:tc>
                   <a:txBody>
@@ -4046,12 +3985,12 @@
                     <a:lstStyle/>
                     <a:p>
                       <a:r>
-                        <a:rPr lang="en-US" dirty="0"/>
+                        <a:rPr lang="en-US" sz="800" dirty="0"/>
                         <a:t>V2</a:t>
                       </a:r>
                     </a:p>
                   </a:txBody>
-                  <a:tcPr/>
+                  <a:tcPr marL="53995" marR="53995" marT="26997" marB="26997"/>
                 </a:tc>
                 <a:tc>
                   <a:txBody>
@@ -4059,12 +3998,12 @@
                     <a:lstStyle/>
                     <a:p>
                       <a:r>
-                        <a:rPr lang="en-US" dirty="0"/>
+                        <a:rPr lang="en-US" sz="800" dirty="0"/>
                         <a:t>Groups</a:t>
                       </a:r>
                     </a:p>
                   </a:txBody>
-                  <a:tcPr/>
+                  <a:tcPr marL="53995" marR="53995" marT="26997" marB="26997"/>
                 </a:tc>
                 <a:extLst>
                   <a:ext uri="{0D108BD9-81ED-4DB2-BD59-A6C34878D82A}">
@@ -4072,7 +4011,7 @@
                   </a:ext>
                 </a:extLst>
               </a:tr>
-              <a:tr h="370840">
+              <a:tr h="218979">
                 <a:tc>
                   <a:txBody>
                     <a:bodyPr/>
@@ -4080,12 +4019,12 @@
                     <a:p>
                       <a:pPr algn="ctr"/>
                       <a:r>
-                        <a:rPr lang="en-US" dirty="0"/>
+                        <a:rPr lang="en-US" sz="800" dirty="0"/>
                         <a:t>1</a:t>
                       </a:r>
                     </a:p>
                   </a:txBody>
-                  <a:tcPr/>
+                  <a:tcPr marL="53995" marR="53995" marT="26997" marB="26997"/>
                 </a:tc>
                 <a:tc>
                   <a:txBody>
@@ -4094,12 +4033,12 @@
                     <a:p>
                       <a:pPr algn="ctr"/>
                       <a:r>
-                        <a:rPr lang="en-US" dirty="0"/>
+                        <a:rPr lang="en-US" sz="800" dirty="0"/>
                         <a:t>1</a:t>
                       </a:r>
                     </a:p>
                   </a:txBody>
-                  <a:tcPr/>
+                  <a:tcPr marL="53995" marR="53995" marT="26997" marB="26997"/>
                 </a:tc>
                 <a:tc>
                   <a:txBody>
@@ -4108,12 +4047,12 @@
                     <a:p>
                       <a:pPr algn="ctr"/>
                       <a:r>
-                        <a:rPr lang="en-US" dirty="0"/>
+                        <a:rPr lang="en-US" sz="800" dirty="0"/>
                         <a:t>Group 1</a:t>
                       </a:r>
                     </a:p>
                   </a:txBody>
-                  <a:tcPr/>
+                  <a:tcPr marL="53995" marR="53995" marT="26997" marB="26997"/>
                 </a:tc>
                 <a:extLst>
                   <a:ext uri="{0D108BD9-81ED-4DB2-BD59-A6C34878D82A}">
@@ -4121,7 +4060,7 @@
                   </a:ext>
                 </a:extLst>
               </a:tr>
-              <a:tr h="370840">
+              <a:tr h="218979">
                 <a:tc>
                   <a:txBody>
                     <a:bodyPr/>
@@ -4129,12 +4068,12 @@
                     <a:p>
                       <a:pPr algn="ctr"/>
                       <a:r>
-                        <a:rPr lang="en-US" dirty="0"/>
+                        <a:rPr lang="en-US" sz="800" dirty="0"/>
                         <a:t>2</a:t>
                       </a:r>
                     </a:p>
                   </a:txBody>
-                  <a:tcPr/>
+                  <a:tcPr marL="53995" marR="53995" marT="26997" marB="26997"/>
                 </a:tc>
                 <a:tc>
                   <a:txBody>
@@ -4143,12 +4082,12 @@
                     <a:p>
                       <a:pPr algn="ctr"/>
                       <a:r>
-                        <a:rPr lang="en-US" dirty="0"/>
+                        <a:rPr lang="en-US" sz="800" dirty="0"/>
                         <a:t>2</a:t>
                       </a:r>
                     </a:p>
                   </a:txBody>
-                  <a:tcPr/>
+                  <a:tcPr marL="53995" marR="53995" marT="26997" marB="26997"/>
                 </a:tc>
                 <a:tc>
                   <a:txBody>
@@ -4157,12 +4096,12 @@
                     <a:p>
                       <a:pPr algn="ctr"/>
                       <a:r>
-                        <a:rPr lang="en-US" dirty="0"/>
+                        <a:rPr lang="en-US" sz="800" dirty="0"/>
                         <a:t>Group 2</a:t>
                       </a:r>
                     </a:p>
                   </a:txBody>
-                  <a:tcPr/>
+                  <a:tcPr marL="53995" marR="53995" marT="26997" marB="26997"/>
                 </a:tc>
                 <a:extLst>
                   <a:ext uri="{0D108BD9-81ED-4DB2-BD59-A6C34878D82A}">
@@ -4170,7 +4109,7 @@
                   </a:ext>
                 </a:extLst>
               </a:tr>
-              <a:tr h="370840">
+              <a:tr h="218979">
                 <a:tc>
                   <a:txBody>
                     <a:bodyPr/>
@@ -4178,12 +4117,12 @@
                     <a:p>
                       <a:pPr algn="ctr"/>
                       <a:r>
-                        <a:rPr lang="en-US" dirty="0"/>
+                        <a:rPr lang="en-US" sz="800" dirty="0"/>
                         <a:t>3</a:t>
                       </a:r>
                     </a:p>
                   </a:txBody>
-                  <a:tcPr/>
+                  <a:tcPr marL="53995" marR="53995" marT="26997" marB="26997"/>
                 </a:tc>
                 <a:tc>
                   <a:txBody>
@@ -4192,12 +4131,12 @@
                     <a:p>
                       <a:pPr algn="ctr"/>
                       <a:r>
-                        <a:rPr lang="en-US" dirty="0"/>
+                        <a:rPr lang="en-US" sz="800" dirty="0"/>
                         <a:t>5</a:t>
                       </a:r>
                     </a:p>
                   </a:txBody>
-                  <a:tcPr/>
+                  <a:tcPr marL="53995" marR="53995" marT="26997" marB="26997"/>
                 </a:tc>
                 <a:tc>
                   <a:txBody>
@@ -4206,12 +4145,12 @@
                     <a:p>
                       <a:pPr algn="ctr"/>
                       <a:r>
-                        <a:rPr lang="en-US" dirty="0"/>
+                        <a:rPr lang="en-US" sz="800" dirty="0"/>
                         <a:t>Group 1</a:t>
                       </a:r>
                     </a:p>
                   </a:txBody>
-                  <a:tcPr/>
+                  <a:tcPr marL="53995" marR="53995" marT="26997" marB="26997"/>
                 </a:tc>
                 <a:extLst>
                   <a:ext uri="{0D108BD9-81ED-4DB2-BD59-A6C34878D82A}">
@@ -4219,7 +4158,7 @@
                   </a:ext>
                 </a:extLst>
               </a:tr>
-              <a:tr h="370840">
+              <a:tr h="218979">
                 <a:tc>
                   <a:txBody>
                     <a:bodyPr/>
@@ -4227,12 +4166,12 @@
                     <a:p>
                       <a:pPr algn="ctr"/>
                       <a:r>
-                        <a:rPr lang="en-US" dirty="0"/>
+                        <a:rPr lang="en-US" sz="800" dirty="0"/>
                         <a:t>4</a:t>
                       </a:r>
                     </a:p>
                   </a:txBody>
-                  <a:tcPr/>
+                  <a:tcPr marL="53995" marR="53995" marT="26997" marB="26997"/>
                 </a:tc>
                 <a:tc>
                   <a:txBody>
@@ -4241,12 +4180,12 @@
                     <a:p>
                       <a:pPr algn="ctr"/>
                       <a:r>
-                        <a:rPr lang="en-US" dirty="0"/>
+                        <a:rPr lang="en-US" sz="800" dirty="0"/>
                         <a:t>10</a:t>
                       </a:r>
                     </a:p>
                   </a:txBody>
-                  <a:tcPr/>
+                  <a:tcPr marL="53995" marR="53995" marT="26997" marB="26997"/>
                 </a:tc>
                 <a:tc>
                   <a:txBody>
@@ -4255,12 +4194,12 @@
                     <a:p>
                       <a:pPr algn="ctr"/>
                       <a:r>
-                        <a:rPr lang="en-US" dirty="0"/>
+                        <a:rPr lang="en-US" sz="800" dirty="0"/>
                         <a:t>Group 1</a:t>
                       </a:r>
                     </a:p>
                   </a:txBody>
-                  <a:tcPr/>
+                  <a:tcPr marL="53995" marR="53995" marT="26997" marB="26997"/>
                 </a:tc>
                 <a:extLst>
                   <a:ext uri="{0D108BD9-81ED-4DB2-BD59-A6C34878D82A}">
@@ -4268,7 +4207,7 @@
                   </a:ext>
                 </a:extLst>
               </a:tr>
-              <a:tr h="370840">
+              <a:tr h="218979">
                 <a:tc>
                   <a:txBody>
                     <a:bodyPr/>
@@ -4276,12 +4215,12 @@
                     <a:p>
                       <a:pPr algn="ctr"/>
                       <a:r>
-                        <a:rPr lang="en-US" dirty="0"/>
+                        <a:rPr lang="en-US" sz="800" dirty="0"/>
                         <a:t>5</a:t>
                       </a:r>
                     </a:p>
                   </a:txBody>
-                  <a:tcPr/>
+                  <a:tcPr marL="53995" marR="53995" marT="26997" marB="26997"/>
                 </a:tc>
                 <a:tc>
                   <a:txBody>
@@ -4290,12 +4229,12 @@
                     <a:p>
                       <a:pPr algn="ctr"/>
                       <a:r>
-                        <a:rPr lang="en-US" dirty="0"/>
+                        <a:rPr lang="en-US" sz="800" dirty="0"/>
                         <a:t>17</a:t>
                       </a:r>
                     </a:p>
                   </a:txBody>
-                  <a:tcPr/>
+                  <a:tcPr marL="53995" marR="53995" marT="26997" marB="26997"/>
                 </a:tc>
                 <a:tc>
                   <a:txBody>
@@ -4304,12 +4243,12 @@
                     <a:p>
                       <a:pPr algn="ctr"/>
                       <a:r>
-                        <a:rPr lang="en-US" dirty="0"/>
+                        <a:rPr lang="en-US" sz="800" dirty="0"/>
                         <a:t>Group 2</a:t>
                       </a:r>
                     </a:p>
                   </a:txBody>
-                  <a:tcPr/>
+                  <a:tcPr marL="53995" marR="53995" marT="26997" marB="26997"/>
                 </a:tc>
                 <a:extLst>
                   <a:ext uri="{0D108BD9-81ED-4DB2-BD59-A6C34878D82A}">
@@ -4317,7 +4256,7 @@
                   </a:ext>
                 </a:extLst>
               </a:tr>
-              <a:tr h="370840">
+              <a:tr h="218979">
                 <a:tc>
                   <a:txBody>
                     <a:bodyPr/>
@@ -4325,12 +4264,12 @@
                     <a:p>
                       <a:pPr algn="ctr"/>
                       <a:r>
-                        <a:rPr lang="en-US" dirty="0"/>
+                        <a:rPr lang="en-US" sz="800" dirty="0"/>
                         <a:t>6</a:t>
                       </a:r>
                     </a:p>
                   </a:txBody>
-                  <a:tcPr/>
+                  <a:tcPr marL="53995" marR="53995" marT="26997" marB="26997"/>
                 </a:tc>
                 <a:tc>
                   <a:txBody>
@@ -4339,12 +4278,12 @@
                     <a:p>
                       <a:pPr algn="ctr"/>
                       <a:r>
-                        <a:rPr lang="en-US" dirty="0"/>
+                        <a:rPr lang="en-US" sz="800" dirty="0"/>
                         <a:t>9</a:t>
                       </a:r>
                     </a:p>
                   </a:txBody>
-                  <a:tcPr/>
+                  <a:tcPr marL="53995" marR="53995" marT="26997" marB="26997"/>
                 </a:tc>
                 <a:tc>
                   <a:txBody>
@@ -4353,12 +4292,12 @@
                     <a:p>
                       <a:pPr algn="ctr"/>
                       <a:r>
-                        <a:rPr lang="en-US" dirty="0"/>
+                        <a:rPr lang="en-US" sz="800" dirty="0"/>
                         <a:t>Group 1</a:t>
                       </a:r>
                     </a:p>
                   </a:txBody>
-                  <a:tcPr/>
+                  <a:tcPr marL="53995" marR="53995" marT="26997" marB="26997"/>
                 </a:tc>
                 <a:extLst>
                   <a:ext uri="{0D108BD9-81ED-4DB2-BD59-A6C34878D82A}">
@@ -4366,7 +4305,7 @@
                   </a:ext>
                 </a:extLst>
               </a:tr>
-              <a:tr h="370840">
+              <a:tr h="218979">
                 <a:tc>
                   <a:txBody>
                     <a:bodyPr/>
@@ -4374,12 +4313,12 @@
                     <a:p>
                       <a:pPr algn="ctr"/>
                       <a:r>
-                        <a:rPr lang="en-US" dirty="0"/>
+                        <a:rPr lang="en-US" sz="800" dirty="0"/>
                         <a:t>7</a:t>
                       </a:r>
                     </a:p>
                   </a:txBody>
-                  <a:tcPr/>
+                  <a:tcPr marL="53995" marR="53995" marT="26997" marB="26997"/>
                 </a:tc>
                 <a:tc>
                   <a:txBody>
@@ -4388,12 +4327,12 @@
                     <a:p>
                       <a:pPr algn="ctr"/>
                       <a:r>
-                        <a:rPr lang="en-US" dirty="0"/>
+                        <a:rPr lang="en-US" sz="800" dirty="0"/>
                         <a:t>11</a:t>
                       </a:r>
                     </a:p>
                   </a:txBody>
-                  <a:tcPr/>
+                  <a:tcPr marL="53995" marR="53995" marT="26997" marB="26997"/>
                 </a:tc>
                 <a:tc>
                   <a:txBody>
@@ -4402,12 +4341,12 @@
                     <a:p>
                       <a:pPr algn="ctr"/>
                       <a:r>
-                        <a:rPr lang="en-US" dirty="0"/>
+                        <a:rPr lang="en-US" sz="800" dirty="0"/>
                         <a:t>Group 1</a:t>
                       </a:r>
                     </a:p>
                   </a:txBody>
-                  <a:tcPr/>
+                  <a:tcPr marL="53995" marR="53995" marT="26997" marB="26997"/>
                 </a:tc>
                 <a:extLst>
                   <a:ext uri="{0D108BD9-81ED-4DB2-BD59-A6C34878D82A}">
@@ -4415,7 +4354,7 @@
                   </a:ext>
                 </a:extLst>
               </a:tr>
-              <a:tr h="370840">
+              <a:tr h="218979">
                 <a:tc>
                   <a:txBody>
                     <a:bodyPr/>
@@ -4423,12 +4362,12 @@
                     <a:p>
                       <a:pPr algn="ctr"/>
                       <a:r>
-                        <a:rPr lang="en-US" dirty="0"/>
+                        <a:rPr lang="en-US" sz="800" dirty="0"/>
                         <a:t>8</a:t>
                       </a:r>
                     </a:p>
                   </a:txBody>
-                  <a:tcPr/>
+                  <a:tcPr marL="53995" marR="53995" marT="26997" marB="26997"/>
                 </a:tc>
                 <a:tc>
                   <a:txBody>
@@ -4437,12 +4376,12 @@
                     <a:p>
                       <a:pPr algn="ctr"/>
                       <a:r>
-                        <a:rPr lang="en-US" dirty="0"/>
+                        <a:rPr lang="en-US" sz="800" dirty="0"/>
                         <a:t>13</a:t>
                       </a:r>
                     </a:p>
                   </a:txBody>
-                  <a:tcPr/>
+                  <a:tcPr marL="53995" marR="53995" marT="26997" marB="26997"/>
                 </a:tc>
                 <a:tc>
                   <a:txBody>
@@ -4451,12 +4390,12 @@
                     <a:p>
                       <a:pPr algn="ctr"/>
                       <a:r>
-                        <a:rPr lang="en-US" dirty="0"/>
+                        <a:rPr lang="en-US" sz="800" dirty="0"/>
                         <a:t>Group 2</a:t>
                       </a:r>
                     </a:p>
                   </a:txBody>
-                  <a:tcPr/>
+                  <a:tcPr marL="53995" marR="53995" marT="26997" marB="26997"/>
                 </a:tc>
                 <a:extLst>
                   <a:ext uri="{0D108BD9-81ED-4DB2-BD59-A6C34878D82A}">
@@ -4470,10 +4409,10 @@
       </p:graphicFrame>
       <p:sp>
         <p:nvSpPr>
-          <p:cNvPr id="19" name="Ellipse 18">
+          <p:cNvPr id="15" name="Ellipse 14">
             <a:extLst>
               <a:ext uri="{FF2B5EF4-FFF2-40B4-BE49-F238E27FC236}">
-                <a16:creationId xmlns:a16="http://schemas.microsoft.com/office/drawing/2014/main" id="{B65C4883-3D95-584A-ACE5-835E88A3DD3C}"/>
+                <a16:creationId xmlns:a16="http://schemas.microsoft.com/office/drawing/2014/main" id="{FDA83F22-831C-93DD-B5BE-0D14788C5BF7}"/>
               </a:ext>
             </a:extLst>
           </p:cNvPr>
@@ -4482,8 +4421,8 @@
         </p:nvSpPr>
         <p:spPr>
           <a:xfrm>
-            <a:off x="10547889" y="2727699"/>
-            <a:ext cx="154983" cy="154986"/>
+            <a:off x="6451993" y="1828550"/>
+            <a:ext cx="91516" cy="91519"/>
           </a:xfrm>
           <a:prstGeom prst="ellipse">
             <a:avLst/>
@@ -4513,7 +4452,7 @@
           <a:lstStyle/>
           <a:p>
             <a:pPr algn="ctr"/>
-            <a:endParaRPr lang="en-US">
+            <a:endParaRPr lang="en-US" sz="798">
               <a:noFill/>
             </a:endParaRPr>
           </a:p>
@@ -4521,10 +4460,10 @@
       </p:sp>
       <p:sp>
         <p:nvSpPr>
-          <p:cNvPr id="20" name="Ellipse 19">
+          <p:cNvPr id="16" name="Ellipse 15">
             <a:extLst>
               <a:ext uri="{FF2B5EF4-FFF2-40B4-BE49-F238E27FC236}">
-                <a16:creationId xmlns:a16="http://schemas.microsoft.com/office/drawing/2014/main" id="{F9CC4B8C-1BC5-EC43-8DE8-9DFB018CF579}"/>
+                <a16:creationId xmlns:a16="http://schemas.microsoft.com/office/drawing/2014/main" id="{26E6896D-3699-6F2F-CF39-6DB1DE6A14E5}"/>
               </a:ext>
             </a:extLst>
           </p:cNvPr>
@@ -4533,8 +4472,8 @@
         </p:nvSpPr>
         <p:spPr>
           <a:xfrm>
-            <a:off x="10547889" y="3843576"/>
-            <a:ext cx="154983" cy="154986"/>
+            <a:off x="6451993" y="2487471"/>
+            <a:ext cx="91516" cy="91519"/>
           </a:xfrm>
           <a:prstGeom prst="ellipse">
             <a:avLst/>
@@ -4564,7 +4503,7 @@
           <a:lstStyle/>
           <a:p>
             <a:pPr algn="ctr"/>
-            <a:endParaRPr lang="en-US">
+            <a:endParaRPr lang="en-US" sz="798">
               <a:noFill/>
             </a:endParaRPr>
           </a:p>
@@ -4572,10 +4511,10 @@
       </p:sp>
       <p:sp>
         <p:nvSpPr>
-          <p:cNvPr id="21" name="Ellipse 20">
+          <p:cNvPr id="17" name="Ellipse 16">
             <a:extLst>
               <a:ext uri="{FF2B5EF4-FFF2-40B4-BE49-F238E27FC236}">
-                <a16:creationId xmlns:a16="http://schemas.microsoft.com/office/drawing/2014/main" id="{8B3BE3D1-8062-E642-9756-C414AA6C90A5}"/>
+                <a16:creationId xmlns:a16="http://schemas.microsoft.com/office/drawing/2014/main" id="{DF17CA20-F306-81C9-B88E-F0630F40C56B}"/>
               </a:ext>
             </a:extLst>
           </p:cNvPr>
@@ -4584,8 +4523,8 @@
         </p:nvSpPr>
         <p:spPr>
           <a:xfrm>
-            <a:off x="10547889" y="3099658"/>
-            <a:ext cx="154983" cy="154986"/>
+            <a:off x="6451993" y="2048191"/>
+            <a:ext cx="91516" cy="91519"/>
           </a:xfrm>
           <a:prstGeom prst="ellipse">
             <a:avLst/>
@@ -4615,7 +4554,7 @@
           <a:lstStyle/>
           <a:p>
             <a:pPr algn="ctr"/>
-            <a:endParaRPr lang="en-US">
+            <a:endParaRPr lang="en-US" sz="798">
               <a:noFill/>
             </a:endParaRPr>
           </a:p>
@@ -4623,10 +4562,10 @@
       </p:sp>
       <p:sp>
         <p:nvSpPr>
-          <p:cNvPr id="22" name="Ellipse 21">
+          <p:cNvPr id="18" name="Ellipse 17">
             <a:extLst>
               <a:ext uri="{FF2B5EF4-FFF2-40B4-BE49-F238E27FC236}">
-                <a16:creationId xmlns:a16="http://schemas.microsoft.com/office/drawing/2014/main" id="{9A51B4BB-9193-CB4C-815D-49A570C9C21D}"/>
+                <a16:creationId xmlns:a16="http://schemas.microsoft.com/office/drawing/2014/main" id="{27DF6047-2D7A-F441-9A8C-DE1052FCB308}"/>
               </a:ext>
             </a:extLst>
           </p:cNvPr>
@@ -4635,8 +4574,8 @@
         </p:nvSpPr>
         <p:spPr>
           <a:xfrm>
-            <a:off x="10547889" y="3471617"/>
-            <a:ext cx="154983" cy="154986"/>
+            <a:off x="6451993" y="2267830"/>
+            <a:ext cx="91516" cy="91519"/>
           </a:xfrm>
           <a:prstGeom prst="ellipse">
             <a:avLst/>
@@ -4666,7 +4605,7 @@
           <a:lstStyle/>
           <a:p>
             <a:pPr algn="ctr"/>
-            <a:endParaRPr lang="en-US">
+            <a:endParaRPr lang="en-US" sz="798">
               <a:noFill/>
             </a:endParaRPr>
           </a:p>
@@ -4674,10 +4613,10 @@
       </p:sp>
       <p:sp>
         <p:nvSpPr>
-          <p:cNvPr id="23" name="Ellipse 22">
+          <p:cNvPr id="19" name="Ellipse 18">
             <a:extLst>
               <a:ext uri="{FF2B5EF4-FFF2-40B4-BE49-F238E27FC236}">
-                <a16:creationId xmlns:a16="http://schemas.microsoft.com/office/drawing/2014/main" id="{13E186E6-E3EE-0A43-AD93-1515550ED132}"/>
+                <a16:creationId xmlns:a16="http://schemas.microsoft.com/office/drawing/2014/main" id="{5C2884A7-287E-E89E-EE14-62CAD5C27789}"/>
               </a:ext>
             </a:extLst>
           </p:cNvPr>
@@ -4686,8 +4625,8 @@
         </p:nvSpPr>
         <p:spPr>
           <a:xfrm>
-            <a:off x="10547889" y="4215535"/>
-            <a:ext cx="154983" cy="154986"/>
+            <a:off x="6451993" y="2707110"/>
+            <a:ext cx="91516" cy="91519"/>
           </a:xfrm>
           <a:prstGeom prst="ellipse">
             <a:avLst/>
@@ -4717,7 +4656,7 @@
           <a:lstStyle/>
           <a:p>
             <a:pPr algn="ctr"/>
-            <a:endParaRPr lang="en-US">
+            <a:endParaRPr lang="en-US" sz="798">
               <a:noFill/>
             </a:endParaRPr>
           </a:p>
@@ -4725,10 +4664,10 @@
       </p:sp>
       <p:sp>
         <p:nvSpPr>
-          <p:cNvPr id="24" name="Ellipse 23">
+          <p:cNvPr id="20" name="Ellipse 19">
             <a:extLst>
               <a:ext uri="{FF2B5EF4-FFF2-40B4-BE49-F238E27FC236}">
-                <a16:creationId xmlns:a16="http://schemas.microsoft.com/office/drawing/2014/main" id="{BCE7DD5F-DEBA-7C4A-86DB-48135AA79749}"/>
+                <a16:creationId xmlns:a16="http://schemas.microsoft.com/office/drawing/2014/main" id="{65ED7AB0-42EF-445C-3468-4B6845BE2E04}"/>
               </a:ext>
             </a:extLst>
           </p:cNvPr>
@@ -4737,8 +4676,8 @@
         </p:nvSpPr>
         <p:spPr>
           <a:xfrm>
-            <a:off x="10547889" y="4587494"/>
-            <a:ext cx="154983" cy="154986"/>
+            <a:off x="6451993" y="2926749"/>
+            <a:ext cx="91516" cy="91519"/>
           </a:xfrm>
           <a:prstGeom prst="ellipse">
             <a:avLst/>
@@ -4768,7 +4707,7 @@
           <a:lstStyle/>
           <a:p>
             <a:pPr algn="ctr"/>
-            <a:endParaRPr lang="en-US">
+            <a:endParaRPr lang="en-US" sz="798">
               <a:noFill/>
             </a:endParaRPr>
           </a:p>
@@ -4776,10 +4715,10 @@
       </p:sp>
       <p:sp>
         <p:nvSpPr>
-          <p:cNvPr id="25" name="Ellipse 24">
+          <p:cNvPr id="21" name="Ellipse 20">
             <a:extLst>
               <a:ext uri="{FF2B5EF4-FFF2-40B4-BE49-F238E27FC236}">
-                <a16:creationId xmlns:a16="http://schemas.microsoft.com/office/drawing/2014/main" id="{78199770-975F-FD49-86C2-B7DAB39F871F}"/>
+                <a16:creationId xmlns:a16="http://schemas.microsoft.com/office/drawing/2014/main" id="{31399917-504F-6B8D-B6A8-608F9A36CCAB}"/>
               </a:ext>
             </a:extLst>
           </p:cNvPr>
@@ -4788,8 +4727,8 @@
         </p:nvSpPr>
         <p:spPr>
           <a:xfrm>
-            <a:off x="10547889" y="4959453"/>
-            <a:ext cx="154983" cy="154986"/>
+            <a:off x="6451993" y="3146390"/>
+            <a:ext cx="91516" cy="91519"/>
           </a:xfrm>
           <a:prstGeom prst="ellipse">
             <a:avLst/>
@@ -4819,7 +4758,7 @@
           <a:lstStyle/>
           <a:p>
             <a:pPr algn="ctr"/>
-            <a:endParaRPr lang="en-US">
+            <a:endParaRPr lang="en-US" sz="798">
               <a:noFill/>
             </a:endParaRPr>
           </a:p>
@@ -4827,10 +4766,10 @@
       </p:sp>
       <p:sp>
         <p:nvSpPr>
-          <p:cNvPr id="26" name="Ellipse 25">
+          <p:cNvPr id="22" name="Ellipse 21">
             <a:extLst>
               <a:ext uri="{FF2B5EF4-FFF2-40B4-BE49-F238E27FC236}">
-                <a16:creationId xmlns:a16="http://schemas.microsoft.com/office/drawing/2014/main" id="{6AF0DD52-EDB9-7E48-8FBA-4C495757680C}"/>
+                <a16:creationId xmlns:a16="http://schemas.microsoft.com/office/drawing/2014/main" id="{ED19C7A6-0C7A-DFD7-FA0B-184AE3FCF88B}"/>
               </a:ext>
             </a:extLst>
           </p:cNvPr>
@@ -4839,8 +4778,8 @@
         </p:nvSpPr>
         <p:spPr>
           <a:xfrm>
-            <a:off x="10547889" y="5331410"/>
-            <a:ext cx="154983" cy="154986"/>
+            <a:off x="6451993" y="3366029"/>
+            <a:ext cx="91516" cy="91519"/>
           </a:xfrm>
           <a:prstGeom prst="ellipse">
             <a:avLst/>
@@ -4870,7 +4809,7 @@
           <a:lstStyle/>
           <a:p>
             <a:pPr algn="ctr"/>
-            <a:endParaRPr lang="en-US">
+            <a:endParaRPr lang="en-US" sz="798">
               <a:noFill/>
             </a:endParaRPr>
           </a:p>
@@ -4879,392 +4818,7 @@
     </p:spTree>
     <p:extLst>
       <p:ext uri="{BB962C8B-B14F-4D97-AF65-F5344CB8AC3E}">
-        <p14:creationId xmlns:p14="http://schemas.microsoft.com/office/powerpoint/2010/main" val="2248226775"/>
-      </p:ext>
-    </p:extLst>
-  </p:cSld>
-  <p:clrMapOvr>
-    <a:masterClrMapping/>
-  </p:clrMapOvr>
-</p:sld>
-</file>
-
-<file path=ppt/slides/slide2.xml><?xml version="1.0" encoding="utf-8"?>
-<p:sld xmlns:a="http://schemas.openxmlformats.org/drawingml/2006/main" xmlns:r="http://schemas.openxmlformats.org/officeDocument/2006/relationships" xmlns:p="http://schemas.openxmlformats.org/presentationml/2006/main">
-  <p:cSld>
-    <p:spTree>
-      <p:nvGrpSpPr>
-        <p:cNvPr id="1" name=""/>
-        <p:cNvGrpSpPr/>
-        <p:nvPr/>
-      </p:nvGrpSpPr>
-      <p:grpSpPr>
-        <a:xfrm>
-          <a:off x="0" y="0"/>
-          <a:ext cx="0" cy="0"/>
-          <a:chOff x="0" y="0"/>
-          <a:chExt cx="0" cy="0"/>
-        </a:xfrm>
-      </p:grpSpPr>
-      <p:sp>
-        <p:nvSpPr>
-          <p:cNvPr id="7" name="ZoneTexte 6">
-            <a:extLst>
-              <a:ext uri="{FF2B5EF4-FFF2-40B4-BE49-F238E27FC236}">
-                <a16:creationId xmlns:a16="http://schemas.microsoft.com/office/drawing/2014/main" id="{95E00C81-548D-9B43-A6A5-089BDF689C74}"/>
-              </a:ext>
-            </a:extLst>
-          </p:cNvPr>
-          <p:cNvSpPr txBox="1"/>
-          <p:nvPr/>
-        </p:nvSpPr>
-        <p:spPr>
-          <a:xfrm>
-            <a:off x="1565563" y="1990481"/>
-            <a:ext cx="7005515" cy="2554545"/>
-          </a:xfrm>
-          <a:prstGeom prst="rect">
-            <a:avLst/>
-          </a:prstGeom>
-          <a:noFill/>
-          <a:ln>
-            <a:noFill/>
-          </a:ln>
-        </p:spPr>
-        <p:txBody>
-          <a:bodyPr wrap="square" rtlCol="0">
-            <a:spAutoFit/>
-          </a:bodyPr>
-          <a:lstStyle/>
-          <a:p>
-            <a:r>
-              <a:rPr lang="en-US" sz="3200" b="1" dirty="0" err="1">
-                <a:solidFill>
-                  <a:srgbClr val="FF0000"/>
-                </a:solidFill>
-                <a:latin typeface="Courier" pitchFamily="2" charset="0"/>
-                <a:cs typeface="Courier New" charset="0"/>
-              </a:rPr>
-              <a:t>ggplot</a:t>
-            </a:r>
-            <a:r>
-              <a:rPr lang="en-US" sz="3200" b="1" dirty="0">
-                <a:solidFill>
-                  <a:srgbClr val="FF0000"/>
-                </a:solidFill>
-                <a:latin typeface="Courier" pitchFamily="2" charset="0"/>
-                <a:cs typeface="Courier New" charset="0"/>
-              </a:rPr>
-              <a:t>(</a:t>
-            </a:r>
-            <a:r>
-              <a:rPr lang="en-US" sz="3200" b="1" dirty="0">
-                <a:solidFill>
-                  <a:schemeClr val="accent5">
-                    <a:lumMod val="60000"/>
-                    <a:lumOff val="40000"/>
-                  </a:schemeClr>
-                </a:solidFill>
-                <a:latin typeface="Courier" pitchFamily="2" charset="0"/>
-                <a:cs typeface="Courier New" charset="0"/>
-              </a:rPr>
-              <a:t>data = fruits</a:t>
-            </a:r>
-            <a:r>
-              <a:rPr lang="en-US" sz="3200" b="1" dirty="0">
-                <a:latin typeface="Courier" pitchFamily="2" charset="0"/>
-                <a:cs typeface="Courier New" charset="0"/>
-              </a:rPr>
-              <a:t>, </a:t>
-            </a:r>
-          </a:p>
-          <a:p>
-            <a:r>
-              <a:rPr lang="en-US" sz="3200" b="1" dirty="0">
-                <a:latin typeface="Courier" pitchFamily="2" charset="0"/>
-                <a:cs typeface="Courier New" charset="0"/>
-              </a:rPr>
-              <a:t>	 </a:t>
-            </a:r>
-            <a:r>
-              <a:rPr lang="en-US" sz="3200" b="1" dirty="0" err="1">
-                <a:solidFill>
-                  <a:srgbClr val="00B050"/>
-                </a:solidFill>
-                <a:latin typeface="Courier" pitchFamily="2" charset="0"/>
-                <a:cs typeface="Courier New" charset="0"/>
-              </a:rPr>
-              <a:t>aes</a:t>
-            </a:r>
-            <a:r>
-              <a:rPr lang="en-US" sz="3200" b="1" dirty="0">
-                <a:solidFill>
-                  <a:srgbClr val="00B050"/>
-                </a:solidFill>
-                <a:latin typeface="Courier" pitchFamily="2" charset="0"/>
-                <a:cs typeface="Courier New" charset="0"/>
-              </a:rPr>
-              <a:t>(x = </a:t>
-            </a:r>
-            <a:r>
-              <a:rPr lang="en-US" sz="3200" b="1" dirty="0" err="1">
-                <a:solidFill>
-                  <a:srgbClr val="00B050"/>
-                </a:solidFill>
-                <a:latin typeface="Courier" pitchFamily="2" charset="0"/>
-                <a:cs typeface="Courier New" charset="0"/>
-              </a:rPr>
-              <a:t>Sucres</a:t>
-            </a:r>
-            <a:r>
-              <a:rPr lang="en-US" sz="3200" b="1" dirty="0">
-                <a:latin typeface="Courier" pitchFamily="2" charset="0"/>
-                <a:cs typeface="Courier New" charset="0"/>
-              </a:rPr>
-              <a:t>, </a:t>
-            </a:r>
-          </a:p>
-          <a:p>
-            <a:r>
-              <a:rPr lang="en-US" sz="3200" b="1" dirty="0">
-                <a:latin typeface="Courier" pitchFamily="2" charset="0"/>
-                <a:cs typeface="Courier New" charset="0"/>
-              </a:rPr>
-              <a:t>         </a:t>
-            </a:r>
-            <a:r>
-              <a:rPr lang="en-US" sz="3200" b="1" dirty="0">
-                <a:solidFill>
-                  <a:srgbClr val="00B050"/>
-                </a:solidFill>
-                <a:latin typeface="Courier" pitchFamily="2" charset="0"/>
-                <a:cs typeface="Courier New" charset="0"/>
-              </a:rPr>
-              <a:t>y = Energie1</a:t>
-            </a:r>
-            <a:r>
-              <a:rPr lang="en-US" sz="3200" b="1" dirty="0">
-                <a:latin typeface="Courier" pitchFamily="2" charset="0"/>
-                <a:cs typeface="Courier New" charset="0"/>
-              </a:rPr>
-              <a:t>,</a:t>
-            </a:r>
-          </a:p>
-          <a:p>
-            <a:r>
-              <a:rPr lang="en-US" sz="3200" b="1" dirty="0">
-                <a:latin typeface="Courier" pitchFamily="2" charset="0"/>
-                <a:cs typeface="Courier New" charset="0"/>
-              </a:rPr>
-              <a:t>         </a:t>
-            </a:r>
-            <a:r>
-              <a:rPr lang="en-US" sz="3200" b="1" dirty="0">
-                <a:solidFill>
-                  <a:srgbClr val="00B050"/>
-                </a:solidFill>
-                <a:latin typeface="Courier" pitchFamily="2" charset="0"/>
-                <a:cs typeface="Courier New" charset="0"/>
-              </a:rPr>
-              <a:t>color = </a:t>
-            </a:r>
-            <a:r>
-              <a:rPr lang="en-US" sz="3200" b="1" dirty="0" err="1">
-                <a:solidFill>
-                  <a:srgbClr val="00B050"/>
-                </a:solidFill>
-                <a:latin typeface="Courier" pitchFamily="2" charset="0"/>
-                <a:cs typeface="Courier New" charset="0"/>
-              </a:rPr>
-              <a:t>groupe</a:t>
-            </a:r>
-            <a:r>
-              <a:rPr lang="en-US" sz="3200" b="1" dirty="0">
-                <a:latin typeface="Courier" pitchFamily="2" charset="0"/>
-                <a:cs typeface="Courier New" charset="0"/>
-              </a:rPr>
-              <a:t>)</a:t>
-            </a:r>
-            <a:r>
-              <a:rPr lang="en-US" sz="3200" b="1" dirty="0">
-                <a:solidFill>
-                  <a:srgbClr val="FF0000"/>
-                </a:solidFill>
-                <a:latin typeface="Courier" pitchFamily="2" charset="0"/>
-                <a:cs typeface="Courier New" charset="0"/>
-              </a:rPr>
-              <a:t>)</a:t>
-            </a:r>
-            <a:r>
-              <a:rPr lang="en-US" sz="3200" b="1" dirty="0">
-                <a:latin typeface="Courier" pitchFamily="2" charset="0"/>
-                <a:cs typeface="Courier New" charset="0"/>
-              </a:rPr>
-              <a:t> </a:t>
-            </a:r>
-          </a:p>
-          <a:p>
-            <a:r>
-              <a:rPr lang="en-US" sz="3200" b="1" dirty="0">
-                <a:solidFill>
-                  <a:srgbClr val="7030A0"/>
-                </a:solidFill>
-                <a:latin typeface="Courier" pitchFamily="2" charset="0"/>
-                <a:cs typeface="Courier New" charset="0"/>
-              </a:rPr>
-              <a:t>	</a:t>
-            </a:r>
-          </a:p>
-        </p:txBody>
-      </p:sp>
-      <p:sp>
-        <p:nvSpPr>
-          <p:cNvPr id="8" name="Légende encadrée 2 7">
-            <a:extLst>
-              <a:ext uri="{FF2B5EF4-FFF2-40B4-BE49-F238E27FC236}">
-                <a16:creationId xmlns:a16="http://schemas.microsoft.com/office/drawing/2014/main" id="{4149E83D-8514-BC41-BD62-A9D4678CD97B}"/>
-              </a:ext>
-            </a:extLst>
-          </p:cNvPr>
-          <p:cNvSpPr/>
-          <p:nvPr/>
-        </p:nvSpPr>
-        <p:spPr>
-          <a:xfrm>
-            <a:off x="2759825" y="626977"/>
-            <a:ext cx="1429352" cy="579933"/>
-          </a:xfrm>
-          <a:prstGeom prst="borderCallout2">
-            <a:avLst>
-              <a:gd name="adj1" fmla="val 54044"/>
-              <a:gd name="adj2" fmla="val 104592"/>
-              <a:gd name="adj3" fmla="val 91355"/>
-              <a:gd name="adj4" fmla="val 167610"/>
-              <a:gd name="adj5" fmla="val 256391"/>
-              <a:gd name="adj6" fmla="val 205300"/>
-            </a:avLst>
-          </a:prstGeom>
-          <a:solidFill>
-            <a:schemeClr val="accent5">
-              <a:lumMod val="60000"/>
-              <a:lumOff val="40000"/>
-            </a:schemeClr>
-          </a:solidFill>
-          <a:ln w="28575">
-            <a:solidFill>
-              <a:schemeClr val="accent5">
-                <a:lumMod val="60000"/>
-                <a:lumOff val="40000"/>
-              </a:schemeClr>
-            </a:solidFill>
-          </a:ln>
-        </p:spPr>
-        <p:style>
-          <a:lnRef idx="2">
-            <a:schemeClr val="accent1">
-              <a:shade val="50000"/>
-            </a:schemeClr>
-          </a:lnRef>
-          <a:fillRef idx="1">
-            <a:schemeClr val="accent1"/>
-          </a:fillRef>
-          <a:effectRef idx="0">
-            <a:schemeClr val="accent1"/>
-          </a:effectRef>
-          <a:fontRef idx="minor">
-            <a:schemeClr val="lt1"/>
-          </a:fontRef>
-        </p:style>
-        <p:txBody>
-          <a:bodyPr rtlCol="0" anchor="ctr"/>
-          <a:lstStyle/>
-          <a:p>
-            <a:pPr algn="ctr"/>
-            <a:r>
-              <a:rPr lang="en-US" sz="2400" b="1" dirty="0" err="1"/>
-              <a:t>Données</a:t>
-            </a:r>
-            <a:endParaRPr lang="en-US" sz="2400" b="1" dirty="0"/>
-          </a:p>
-        </p:txBody>
-      </p:sp>
-      <p:sp>
-        <p:nvSpPr>
-          <p:cNvPr id="9" name="Légende encadrée 2 8">
-            <a:extLst>
-              <a:ext uri="{FF2B5EF4-FFF2-40B4-BE49-F238E27FC236}">
-                <a16:creationId xmlns:a16="http://schemas.microsoft.com/office/drawing/2014/main" id="{48454E4A-9008-4240-B730-E4D08F30CD64}"/>
-              </a:ext>
-            </a:extLst>
-          </p:cNvPr>
-          <p:cNvSpPr/>
-          <p:nvPr/>
-        </p:nvSpPr>
-        <p:spPr>
-          <a:xfrm>
-            <a:off x="8571078" y="1287708"/>
-            <a:ext cx="1847539" cy="1219964"/>
-          </a:xfrm>
-          <a:prstGeom prst="borderCallout2">
-            <a:avLst>
-              <a:gd name="adj1" fmla="val 60858"/>
-              <a:gd name="adj2" fmla="val -1143"/>
-              <a:gd name="adj3" fmla="val 115015"/>
-              <a:gd name="adj4" fmla="val -62374"/>
-              <a:gd name="adj5" fmla="val 145104"/>
-              <a:gd name="adj6" fmla="val -99833"/>
-            </a:avLst>
-          </a:prstGeom>
-          <a:solidFill>
-            <a:srgbClr val="00B050"/>
-          </a:solidFill>
-          <a:ln w="28575">
-            <a:solidFill>
-              <a:srgbClr val="00B050"/>
-            </a:solidFill>
-          </a:ln>
-        </p:spPr>
-        <p:style>
-          <a:lnRef idx="2">
-            <a:schemeClr val="accent1">
-              <a:shade val="50000"/>
-            </a:schemeClr>
-          </a:lnRef>
-          <a:fillRef idx="1">
-            <a:schemeClr val="accent1"/>
-          </a:fillRef>
-          <a:effectRef idx="0">
-            <a:schemeClr val="accent1"/>
-          </a:effectRef>
-          <a:fontRef idx="minor">
-            <a:schemeClr val="lt1"/>
-          </a:fontRef>
-        </p:style>
-        <p:txBody>
-          <a:bodyPr rtlCol="0" anchor="ctr"/>
-          <a:lstStyle/>
-          <a:p>
-            <a:pPr algn="ctr"/>
-            <a:r>
-              <a:rPr lang="en-US" sz="2400" b="1" dirty="0" err="1"/>
-              <a:t>Paramètres</a:t>
-            </a:r>
-            <a:r>
-              <a:rPr lang="en-US" sz="2400" b="1" dirty="0"/>
-              <a:t> </a:t>
-            </a:r>
-            <a:r>
-              <a:rPr lang="en-US" sz="2400" b="1" dirty="0" err="1"/>
-              <a:t>esthétiques</a:t>
-            </a:r>
-            <a:endParaRPr lang="en-US" sz="2400" b="1" dirty="0"/>
-          </a:p>
-        </p:txBody>
-      </p:sp>
-    </p:spTree>
-    <p:extLst>
-      <p:ext uri="{BB962C8B-B14F-4D97-AF65-F5344CB8AC3E}">
-        <p14:creationId xmlns:p14="http://schemas.microsoft.com/office/powerpoint/2010/main" val="3738558057"/>
+        <p14:creationId xmlns:p14="http://schemas.microsoft.com/office/powerpoint/2010/main" val="802025910"/>
       </p:ext>
     </p:extLst>
   </p:cSld>
@@ -5305,16 +4859,13 @@
         </p:nvSpPr>
         <p:spPr>
           <a:xfrm>
-            <a:off x="1565563" y="1990481"/>
-            <a:ext cx="7005515" cy="3046988"/>
+            <a:off x="604387" y="1457715"/>
+            <a:ext cx="6223614" cy="1255728"/>
           </a:xfrm>
           <a:prstGeom prst="rect">
             <a:avLst/>
           </a:prstGeom>
           <a:noFill/>
-          <a:ln>
-            <a:noFill/>
-          </a:ln>
         </p:spPr>
         <p:txBody>
           <a:bodyPr wrap="square" rtlCol="0">
@@ -5323,41 +4874,47 @@
           <a:lstStyle/>
           <a:p>
             <a:r>
-              <a:rPr lang="en-US" sz="3200" b="1" dirty="0" err="1">
+              <a:rPr lang="en-US" sz="1890" b="1" dirty="0" err="1">
                 <a:solidFill>
                   <a:srgbClr val="FF0000"/>
                 </a:solidFill>
-                <a:latin typeface="Courier" pitchFamily="2" charset="0"/>
+                <a:latin typeface="Courier New" charset="0"/>
                 <a:cs typeface="Courier New" charset="0"/>
               </a:rPr>
               <a:t>ggplot</a:t>
             </a:r>
             <a:r>
-              <a:rPr lang="en-US" sz="3200" b="1" dirty="0">
+              <a:rPr lang="en-US" sz="1890" b="1" dirty="0">
                 <a:solidFill>
                   <a:srgbClr val="FF0000"/>
                 </a:solidFill>
-                <a:latin typeface="Courier" pitchFamily="2" charset="0"/>
+                <a:latin typeface="Courier New" charset="0"/>
                 <a:cs typeface="Courier New" charset="0"/>
               </a:rPr>
               <a:t>(</a:t>
             </a:r>
             <a:r>
-              <a:rPr lang="en-US" sz="3200" b="1" dirty="0">
+              <a:rPr lang="en-US" sz="1890" b="1" dirty="0">
+                <a:latin typeface="Courier New" charset="0"/>
+                <a:cs typeface="Courier New" charset="0"/>
+              </a:rPr>
+              <a:t>data = </a:t>
+            </a:r>
+            <a:r>
+              <a:rPr lang="en-US" sz="1890" b="1" dirty="0">
                 <a:solidFill>
-                  <a:schemeClr val="accent5">
-                    <a:lumMod val="60000"/>
-                    <a:lumOff val="40000"/>
+                  <a:schemeClr val="bg2">
+                    <a:lumMod val="50000"/>
                   </a:schemeClr>
                 </a:solidFill>
-                <a:latin typeface="Courier" pitchFamily="2" charset="0"/>
+                <a:latin typeface="Courier New" charset="0"/>
                 <a:cs typeface="Courier New" charset="0"/>
               </a:rPr>
-              <a:t>data = fruits</a:t>
-            </a:r>
-            <a:r>
-              <a:rPr lang="en-US" sz="3200" b="1" dirty="0">
-                <a:latin typeface="Courier" pitchFamily="2" charset="0"/>
+              <a:t>fruits</a:t>
+            </a:r>
+            <a:r>
+              <a:rPr lang="en-US" sz="1890" b="1" dirty="0">
+                <a:latin typeface="Courier New" charset="0"/>
                 <a:cs typeface="Courier New" charset="0"/>
               </a:rPr>
               <a:t>, </a:t>
@@ -5365,199 +4922,112 @@
           </a:p>
           <a:p>
             <a:r>
-              <a:rPr lang="en-US" sz="3200" b="1" dirty="0">
-                <a:latin typeface="Courier" pitchFamily="2" charset="0"/>
+              <a:rPr lang="en-US" sz="1890" b="1" dirty="0">
+                <a:latin typeface="Courier New" charset="0"/>
                 <a:cs typeface="Courier New" charset="0"/>
               </a:rPr>
-              <a:t>	 </a:t>
-            </a:r>
-            <a:r>
-              <a:rPr lang="en-US" sz="3200" b="1" dirty="0" err="1">
+              <a:t>    </a:t>
+            </a:r>
+            <a:r>
+              <a:rPr lang="en-US" sz="1890" b="1" dirty="0" err="1">
+                <a:latin typeface="Courier New" charset="0"/>
+                <a:cs typeface="Courier New" charset="0"/>
+              </a:rPr>
+              <a:t>aes</a:t>
+            </a:r>
+            <a:r>
+              <a:rPr lang="en-US" sz="1890" b="1" dirty="0">
+                <a:latin typeface="Courier New" charset="0"/>
+                <a:cs typeface="Courier New" charset="0"/>
+              </a:rPr>
+              <a:t>(x = </a:t>
+            </a:r>
+            <a:r>
+              <a:rPr lang="en-US" sz="1890" b="1" dirty="0">
                 <a:solidFill>
                   <a:srgbClr val="00B050"/>
                 </a:solidFill>
-                <a:latin typeface="Courier" pitchFamily="2" charset="0"/>
+                <a:latin typeface="Courier New" charset="0"/>
                 <a:cs typeface="Courier New" charset="0"/>
               </a:rPr>
-              <a:t>aes</a:t>
-            </a:r>
-            <a:r>
-              <a:rPr lang="en-US" sz="3200" b="1" dirty="0">
+              <a:t>Sucres</a:t>
+            </a:r>
+            <a:r>
+              <a:rPr lang="en-US" sz="1890" b="1" dirty="0">
+                <a:latin typeface="Courier New" charset="0"/>
+                <a:cs typeface="Courier New" charset="0"/>
+              </a:rPr>
+              <a:t>,</a:t>
+            </a:r>
+          </a:p>
+          <a:p>
+            <a:r>
+              <a:rPr lang="en-US" sz="1890" b="1" dirty="0">
+                <a:latin typeface="Courier New" charset="0"/>
+                <a:cs typeface="Courier New" charset="0"/>
+              </a:rPr>
+              <a:t>        y = </a:t>
+            </a:r>
+            <a:r>
+              <a:rPr lang="en-US" sz="1890" b="1" dirty="0" err="1">
                 <a:solidFill>
                   <a:srgbClr val="00B050"/>
                 </a:solidFill>
-                <a:latin typeface="Courier" pitchFamily="2" charset="0"/>
+                <a:latin typeface="Courier New" charset="0"/>
                 <a:cs typeface="Courier New" charset="0"/>
               </a:rPr>
-              <a:t>(x = </a:t>
-            </a:r>
-            <a:r>
-              <a:rPr lang="en-US" sz="3200" b="1" dirty="0" err="1">
+              <a:t>Energie</a:t>
+            </a:r>
+            <a:r>
+              <a:rPr lang="en-US" sz="1890" b="1" dirty="0">
+                <a:latin typeface="Courier New" charset="0"/>
+                <a:cs typeface="Courier New" charset="0"/>
+              </a:rPr>
+              <a:t>,</a:t>
+            </a:r>
+          </a:p>
+          <a:p>
+            <a:r>
+              <a:rPr lang="en-US" sz="1890" b="1" dirty="0">
+                <a:latin typeface="Courier New" charset="0"/>
+                <a:cs typeface="Courier New" charset="0"/>
+              </a:rPr>
+              <a:t>        color = </a:t>
+            </a:r>
+            <a:r>
+              <a:rPr lang="en-US" sz="1890" b="1" dirty="0" err="1">
                 <a:solidFill>
                   <a:srgbClr val="00B050"/>
                 </a:solidFill>
-                <a:latin typeface="Courier" pitchFamily="2" charset="0"/>
-                <a:cs typeface="Courier New" charset="0"/>
-              </a:rPr>
-              <a:t>Sucres</a:t>
-            </a:r>
-            <a:r>
-              <a:rPr lang="en-US" sz="3200" b="1" dirty="0">
-                <a:latin typeface="Courier" pitchFamily="2" charset="0"/>
-                <a:cs typeface="Courier New" charset="0"/>
-              </a:rPr>
-              <a:t>, </a:t>
-            </a:r>
-          </a:p>
-          <a:p>
-            <a:r>
-              <a:rPr lang="en-US" sz="3200" b="1" dirty="0">
-                <a:latin typeface="Courier" pitchFamily="2" charset="0"/>
-                <a:cs typeface="Courier New" charset="0"/>
-              </a:rPr>
-              <a:t>         </a:t>
-            </a:r>
-            <a:r>
-              <a:rPr lang="en-US" sz="3200" b="1" dirty="0">
-                <a:solidFill>
-                  <a:srgbClr val="00B050"/>
-                </a:solidFill>
-                <a:latin typeface="Courier" pitchFamily="2" charset="0"/>
-                <a:cs typeface="Courier New" charset="0"/>
-              </a:rPr>
-              <a:t>y = Energie1</a:t>
-            </a:r>
-            <a:r>
-              <a:rPr lang="en-US" sz="3200" b="1" dirty="0">
-                <a:latin typeface="Courier" pitchFamily="2" charset="0"/>
-                <a:cs typeface="Courier New" charset="0"/>
-              </a:rPr>
-              <a:t>,</a:t>
-            </a:r>
-          </a:p>
-          <a:p>
-            <a:r>
-              <a:rPr lang="en-US" sz="3200" b="1" dirty="0">
-                <a:latin typeface="Courier" pitchFamily="2" charset="0"/>
-                <a:cs typeface="Courier New" charset="0"/>
-              </a:rPr>
-              <a:t>         </a:t>
-            </a:r>
-            <a:r>
-              <a:rPr lang="en-US" sz="3200" b="1" dirty="0">
-                <a:solidFill>
-                  <a:srgbClr val="00B050"/>
-                </a:solidFill>
-                <a:latin typeface="Courier" pitchFamily="2" charset="0"/>
-                <a:cs typeface="Courier New" charset="0"/>
-              </a:rPr>
-              <a:t>color = </a:t>
-            </a:r>
-            <a:r>
-              <a:rPr lang="en-US" sz="3200" b="1" dirty="0" err="1">
-                <a:solidFill>
-                  <a:srgbClr val="00B050"/>
-                </a:solidFill>
-                <a:latin typeface="Courier" pitchFamily="2" charset="0"/>
+                <a:latin typeface="Courier New" charset="0"/>
                 <a:cs typeface="Courier New" charset="0"/>
               </a:rPr>
               <a:t>groupe</a:t>
             </a:r>
             <a:r>
-              <a:rPr lang="en-US" sz="3200" b="1" dirty="0">
-                <a:latin typeface="Courier" pitchFamily="2" charset="0"/>
+              <a:rPr lang="en-US" sz="1890" b="1" dirty="0">
+                <a:latin typeface="Courier New" charset="0"/>
                 <a:cs typeface="Courier New" charset="0"/>
               </a:rPr>
               <a:t>)</a:t>
             </a:r>
             <a:r>
-              <a:rPr lang="en-US" sz="3200" b="1" dirty="0">
+              <a:rPr lang="en-US" sz="1890" b="1" dirty="0">
                 <a:solidFill>
                   <a:srgbClr val="FF0000"/>
                 </a:solidFill>
-                <a:latin typeface="Courier" pitchFamily="2" charset="0"/>
+                <a:latin typeface="Courier New" charset="0"/>
                 <a:cs typeface="Courier New" charset="0"/>
               </a:rPr>
               <a:t>)</a:t>
             </a:r>
-            <a:r>
-              <a:rPr lang="en-US" sz="3200" b="1" dirty="0">
-                <a:latin typeface="Courier" pitchFamily="2" charset="0"/>
-                <a:cs typeface="Courier New" charset="0"/>
-              </a:rPr>
-              <a:t> + </a:t>
-            </a:r>
-          </a:p>
-          <a:p>
-            <a:r>
-              <a:rPr lang="en-US" sz="3200" b="1" dirty="0">
-                <a:solidFill>
-                  <a:srgbClr val="7030A0"/>
-                </a:solidFill>
-                <a:latin typeface="Courier" pitchFamily="2" charset="0"/>
-                <a:cs typeface="Courier New" charset="0"/>
-              </a:rPr>
-              <a:t>	</a:t>
-            </a:r>
-            <a:r>
-              <a:rPr lang="en-US" sz="3200" b="1" dirty="0" err="1">
-                <a:solidFill>
-                  <a:srgbClr val="7030A0"/>
-                </a:solidFill>
-                <a:latin typeface="Courier" pitchFamily="2" charset="0"/>
-                <a:cs typeface="Courier New" charset="0"/>
-              </a:rPr>
-              <a:t>geom_point</a:t>
-            </a:r>
-            <a:r>
-              <a:rPr lang="en-US" sz="3200" b="1" dirty="0">
-                <a:solidFill>
-                  <a:srgbClr val="7030A0"/>
-                </a:solidFill>
-                <a:latin typeface="Courier" pitchFamily="2" charset="0"/>
-                <a:cs typeface="Courier New" charset="0"/>
-              </a:rPr>
-              <a:t>() </a:t>
-            </a:r>
-            <a:r>
-              <a:rPr lang="en-US" sz="3200" b="1" dirty="0">
-                <a:latin typeface="Courier" pitchFamily="2" charset="0"/>
-                <a:cs typeface="Courier New" charset="0"/>
-              </a:rPr>
-              <a:t>+ </a:t>
-            </a:r>
-          </a:p>
-          <a:p>
-            <a:r>
-              <a:rPr lang="en-US" sz="3200" b="1" dirty="0">
-                <a:solidFill>
-                  <a:srgbClr val="7030A0"/>
-                </a:solidFill>
-                <a:latin typeface="Courier" pitchFamily="2" charset="0"/>
-                <a:cs typeface="Courier New" charset="0"/>
-              </a:rPr>
-              <a:t>	</a:t>
-            </a:r>
-            <a:r>
-              <a:rPr lang="en-US" sz="3200" b="1" dirty="0" err="1">
-                <a:solidFill>
-                  <a:srgbClr val="7030A0"/>
-                </a:solidFill>
-                <a:latin typeface="Courier" pitchFamily="2" charset="0"/>
-                <a:cs typeface="Courier New" charset="0"/>
-              </a:rPr>
-              <a:t>geom_smooth</a:t>
-            </a:r>
-            <a:r>
-              <a:rPr lang="en-US" sz="3200" b="1" dirty="0">
-                <a:solidFill>
-                  <a:srgbClr val="7030A0"/>
-                </a:solidFill>
-                <a:latin typeface="Courier" pitchFamily="2" charset="0"/>
-                <a:cs typeface="Courier New" charset="0"/>
-              </a:rPr>
-              <a:t>()</a:t>
-            </a:r>
+            <a:endParaRPr lang="en-US" sz="1890" b="1" dirty="0">
+              <a:solidFill>
+                <a:srgbClr val="7030A0"/>
+              </a:solidFill>
+              <a:latin typeface="Courier New" charset="0"/>
+              <a:cs typeface="Courier New" charset="0"/>
+            </a:endParaRPr>
           </a:p>
         </p:txBody>
       </p:sp>
@@ -5575,30 +5045,28 @@
         </p:nvSpPr>
         <p:spPr>
           <a:xfrm>
-            <a:off x="2759825" y="626977"/>
-            <a:ext cx="1429352" cy="579933"/>
+            <a:off x="910872" y="528159"/>
+            <a:ext cx="844025" cy="342448"/>
           </a:xfrm>
           <a:prstGeom prst="borderCallout2">
             <a:avLst>
               <a:gd name="adj1" fmla="val 54044"/>
               <a:gd name="adj2" fmla="val 104592"/>
-              <a:gd name="adj3" fmla="val 91355"/>
-              <a:gd name="adj4" fmla="val 167610"/>
-              <a:gd name="adj5" fmla="val 256391"/>
-              <a:gd name="adj6" fmla="val 205300"/>
+              <a:gd name="adj3" fmla="val 113708"/>
+              <a:gd name="adj4" fmla="val 188492"/>
+              <a:gd name="adj5" fmla="val 273800"/>
+              <a:gd name="adj6" fmla="val 239524"/>
             </a:avLst>
           </a:prstGeom>
           <a:solidFill>
-            <a:schemeClr val="accent5">
-              <a:lumMod val="60000"/>
-              <a:lumOff val="40000"/>
+            <a:schemeClr val="bg2">
+              <a:lumMod val="75000"/>
             </a:schemeClr>
           </a:solidFill>
-          <a:ln w="28575">
+          <a:ln>
             <a:solidFill>
-              <a:schemeClr val="accent5">
-                <a:lumMod val="60000"/>
-                <a:lumOff val="40000"/>
+              <a:schemeClr val="bg2">
+                <a:lumMod val="75000"/>
               </a:schemeClr>
             </a:solidFill>
           </a:ln>
@@ -5625,10 +5093,9 @@
           <a:p>
             <a:pPr algn="ctr"/>
             <a:r>
-              <a:rPr lang="en-US" sz="2400" b="1" dirty="0" err="1"/>
-              <a:t>Données</a:t>
-            </a:r>
-            <a:endParaRPr lang="en-US" sz="2400" b="1" dirty="0"/>
+              <a:rPr lang="en-US" sz="1417" b="1" dirty="0"/>
+              <a:t>Data</a:t>
+            </a:r>
           </a:p>
         </p:txBody>
       </p:sp>
@@ -5646,23 +5113,23 @@
         </p:nvSpPr>
         <p:spPr>
           <a:xfrm>
-            <a:off x="8571078" y="1287708"/>
-            <a:ext cx="1847539" cy="1219964"/>
+            <a:off x="4630945" y="1457715"/>
+            <a:ext cx="1130519" cy="367274"/>
           </a:xfrm>
           <a:prstGeom prst="borderCallout2">
             <a:avLst>
-              <a:gd name="adj1" fmla="val 60858"/>
-              <a:gd name="adj2" fmla="val -1143"/>
-              <a:gd name="adj3" fmla="val 115015"/>
-              <a:gd name="adj4" fmla="val -62374"/>
-              <a:gd name="adj5" fmla="val 145104"/>
-              <a:gd name="adj6" fmla="val -99833"/>
+              <a:gd name="adj1" fmla="val 112744"/>
+              <a:gd name="adj2" fmla="val 42779"/>
+              <a:gd name="adj3" fmla="val 166600"/>
+              <a:gd name="adj4" fmla="val 30049"/>
+              <a:gd name="adj5" fmla="val 211460"/>
+              <a:gd name="adj6" fmla="val -91799"/>
             </a:avLst>
           </a:prstGeom>
           <a:solidFill>
             <a:srgbClr val="00B050"/>
           </a:solidFill>
-          <a:ln w="28575">
+          <a:ln>
             <a:solidFill>
               <a:srgbClr val="00B050"/>
             </a:solidFill>
@@ -5690,18 +5157,428 @@
           <a:p>
             <a:pPr algn="ctr"/>
             <a:r>
-              <a:rPr lang="en-US" sz="2400" b="1" dirty="0" err="1"/>
-              <a:t>Paramètres</a:t>
-            </a:r>
-            <a:r>
-              <a:rPr lang="en-US" sz="2400" b="1" dirty="0"/>
-              <a:t> </a:t>
-            </a:r>
-            <a:r>
-              <a:rPr lang="en-US" sz="2400" b="1" dirty="0" err="1"/>
-              <a:t>esthétiques</a:t>
-            </a:r>
-            <a:endParaRPr lang="en-US" sz="2400" b="1" dirty="0"/>
+              <a:rPr lang="en-US" sz="1417" b="1" dirty="0"/>
+              <a:t>Aesthetics</a:t>
+            </a:r>
+          </a:p>
+        </p:txBody>
+      </p:sp>
+    </p:spTree>
+    <p:extLst>
+      <p:ext uri="{BB962C8B-B14F-4D97-AF65-F5344CB8AC3E}">
+        <p14:creationId xmlns:p14="http://schemas.microsoft.com/office/powerpoint/2010/main" val="2012141185"/>
+      </p:ext>
+    </p:extLst>
+  </p:cSld>
+  <p:clrMapOvr>
+    <a:masterClrMapping/>
+  </p:clrMapOvr>
+</p:sld>
+</file>
+
+<file path=ppt/slides/slide4.xml><?xml version="1.0" encoding="utf-8"?>
+<p:sld xmlns:a="http://schemas.openxmlformats.org/drawingml/2006/main" xmlns:r="http://schemas.openxmlformats.org/officeDocument/2006/relationships" xmlns:p="http://schemas.openxmlformats.org/presentationml/2006/main">
+  <p:cSld>
+    <p:spTree>
+      <p:nvGrpSpPr>
+        <p:cNvPr id="1" name=""/>
+        <p:cNvGrpSpPr/>
+        <p:nvPr/>
+      </p:nvGrpSpPr>
+      <p:grpSpPr>
+        <a:xfrm>
+          <a:off x="0" y="0"/>
+          <a:ext cx="0" cy="0"/>
+          <a:chOff x="0" y="0"/>
+          <a:chExt cx="0" cy="0"/>
+        </a:xfrm>
+      </p:grpSpPr>
+      <p:sp>
+        <p:nvSpPr>
+          <p:cNvPr id="7" name="ZoneTexte 6">
+            <a:extLst>
+              <a:ext uri="{FF2B5EF4-FFF2-40B4-BE49-F238E27FC236}">
+                <a16:creationId xmlns:a16="http://schemas.microsoft.com/office/drawing/2014/main" id="{95E00C81-548D-9B43-A6A5-089BDF689C74}"/>
+              </a:ext>
+            </a:extLst>
+          </p:cNvPr>
+          <p:cNvSpPr txBox="1"/>
+          <p:nvPr/>
+        </p:nvSpPr>
+        <p:spPr>
+          <a:xfrm>
+            <a:off x="604387" y="1457715"/>
+            <a:ext cx="6223614" cy="1837426"/>
+          </a:xfrm>
+          <a:prstGeom prst="rect">
+            <a:avLst/>
+          </a:prstGeom>
+          <a:noFill/>
+        </p:spPr>
+        <p:txBody>
+          <a:bodyPr wrap="square" rtlCol="0">
+            <a:spAutoFit/>
+          </a:bodyPr>
+          <a:lstStyle/>
+          <a:p>
+            <a:r>
+              <a:rPr lang="en-US" sz="1890" b="1" dirty="0" err="1">
+                <a:solidFill>
+                  <a:srgbClr val="FF0000"/>
+                </a:solidFill>
+                <a:latin typeface="Courier New" charset="0"/>
+                <a:cs typeface="Courier New" charset="0"/>
+              </a:rPr>
+              <a:t>ggplot</a:t>
+            </a:r>
+            <a:r>
+              <a:rPr lang="en-US" sz="1890" b="1" dirty="0">
+                <a:solidFill>
+                  <a:srgbClr val="FF0000"/>
+                </a:solidFill>
+                <a:latin typeface="Courier New" charset="0"/>
+                <a:cs typeface="Courier New" charset="0"/>
+              </a:rPr>
+              <a:t>(</a:t>
+            </a:r>
+            <a:r>
+              <a:rPr lang="en-US" sz="1890" b="1" dirty="0">
+                <a:latin typeface="Courier New" charset="0"/>
+                <a:cs typeface="Courier New" charset="0"/>
+              </a:rPr>
+              <a:t>data = </a:t>
+            </a:r>
+            <a:r>
+              <a:rPr lang="en-US" sz="1890" b="1" dirty="0">
+                <a:solidFill>
+                  <a:schemeClr val="bg2">
+                    <a:lumMod val="50000"/>
+                  </a:schemeClr>
+                </a:solidFill>
+                <a:latin typeface="Courier New" charset="0"/>
+                <a:cs typeface="Courier New" charset="0"/>
+              </a:rPr>
+              <a:t>fruits</a:t>
+            </a:r>
+            <a:r>
+              <a:rPr lang="en-US" sz="1890" b="1" dirty="0">
+                <a:latin typeface="Courier New" charset="0"/>
+                <a:cs typeface="Courier New" charset="0"/>
+              </a:rPr>
+              <a:t>, </a:t>
+            </a:r>
+          </a:p>
+          <a:p>
+            <a:r>
+              <a:rPr lang="en-US" sz="1890" b="1" dirty="0">
+                <a:latin typeface="Courier New" charset="0"/>
+                <a:cs typeface="Courier New" charset="0"/>
+              </a:rPr>
+              <a:t>    </a:t>
+            </a:r>
+            <a:r>
+              <a:rPr lang="en-US" sz="1890" b="1" dirty="0" err="1">
+                <a:latin typeface="Courier New" charset="0"/>
+                <a:cs typeface="Courier New" charset="0"/>
+              </a:rPr>
+              <a:t>aes</a:t>
+            </a:r>
+            <a:r>
+              <a:rPr lang="en-US" sz="1890" b="1" dirty="0">
+                <a:latin typeface="Courier New" charset="0"/>
+                <a:cs typeface="Courier New" charset="0"/>
+              </a:rPr>
+              <a:t>(x = </a:t>
+            </a:r>
+            <a:r>
+              <a:rPr lang="en-US" sz="1890" b="1" dirty="0">
+                <a:solidFill>
+                  <a:srgbClr val="00B050"/>
+                </a:solidFill>
+                <a:latin typeface="Courier New" charset="0"/>
+                <a:cs typeface="Courier New" charset="0"/>
+              </a:rPr>
+              <a:t>Sucres</a:t>
+            </a:r>
+            <a:r>
+              <a:rPr lang="en-US" sz="1890" b="1" dirty="0">
+                <a:latin typeface="Courier New" charset="0"/>
+                <a:cs typeface="Courier New" charset="0"/>
+              </a:rPr>
+              <a:t>,</a:t>
+            </a:r>
+          </a:p>
+          <a:p>
+            <a:r>
+              <a:rPr lang="en-US" sz="1890" b="1" dirty="0">
+                <a:latin typeface="Courier New" charset="0"/>
+                <a:cs typeface="Courier New" charset="0"/>
+              </a:rPr>
+              <a:t>        y = </a:t>
+            </a:r>
+            <a:r>
+              <a:rPr lang="en-US" sz="1890" b="1" dirty="0" err="1">
+                <a:solidFill>
+                  <a:srgbClr val="00B050"/>
+                </a:solidFill>
+                <a:latin typeface="Courier New" charset="0"/>
+                <a:cs typeface="Courier New" charset="0"/>
+              </a:rPr>
+              <a:t>Energie</a:t>
+            </a:r>
+            <a:r>
+              <a:rPr lang="en-US" sz="1890" b="1" dirty="0">
+                <a:latin typeface="Courier New" charset="0"/>
+                <a:cs typeface="Courier New" charset="0"/>
+              </a:rPr>
+              <a:t>,</a:t>
+            </a:r>
+          </a:p>
+          <a:p>
+            <a:r>
+              <a:rPr lang="en-US" sz="1890" b="1" dirty="0">
+                <a:latin typeface="Courier New" charset="0"/>
+                <a:cs typeface="Courier New" charset="0"/>
+              </a:rPr>
+              <a:t>        color = </a:t>
+            </a:r>
+            <a:r>
+              <a:rPr lang="en-US" sz="1890" b="1" dirty="0" err="1">
+                <a:solidFill>
+                  <a:srgbClr val="00B050"/>
+                </a:solidFill>
+                <a:latin typeface="Courier New" charset="0"/>
+                <a:cs typeface="Courier New" charset="0"/>
+              </a:rPr>
+              <a:t>groupe</a:t>
+            </a:r>
+            <a:r>
+              <a:rPr lang="en-US" sz="1890" b="1" dirty="0">
+                <a:latin typeface="Courier New" charset="0"/>
+                <a:cs typeface="Courier New" charset="0"/>
+              </a:rPr>
+              <a:t>)</a:t>
+            </a:r>
+            <a:r>
+              <a:rPr lang="en-US" sz="1890" b="1" dirty="0">
+                <a:solidFill>
+                  <a:srgbClr val="FF0000"/>
+                </a:solidFill>
+                <a:latin typeface="Courier New" charset="0"/>
+                <a:cs typeface="Courier New" charset="0"/>
+              </a:rPr>
+              <a:t>)</a:t>
+            </a:r>
+            <a:r>
+              <a:rPr lang="en-US" sz="1890" b="1" dirty="0">
+                <a:latin typeface="Courier New" charset="0"/>
+                <a:cs typeface="Courier New" charset="0"/>
+              </a:rPr>
+              <a:t> + </a:t>
+            </a:r>
+          </a:p>
+          <a:p>
+            <a:r>
+              <a:rPr lang="en-US" sz="1890" b="1" dirty="0">
+                <a:solidFill>
+                  <a:srgbClr val="7030A0"/>
+                </a:solidFill>
+                <a:latin typeface="Courier New" charset="0"/>
+                <a:cs typeface="Courier New" charset="0"/>
+              </a:rPr>
+              <a:t>  </a:t>
+            </a:r>
+            <a:r>
+              <a:rPr lang="en-US" sz="1890" b="1" dirty="0" err="1">
+                <a:solidFill>
+                  <a:srgbClr val="7030A0"/>
+                </a:solidFill>
+                <a:latin typeface="Courier New" charset="0"/>
+                <a:cs typeface="Courier New" charset="0"/>
+              </a:rPr>
+              <a:t>geom_point</a:t>
+            </a:r>
+            <a:r>
+              <a:rPr lang="en-US" sz="1890" b="1" dirty="0">
+                <a:solidFill>
+                  <a:srgbClr val="7030A0"/>
+                </a:solidFill>
+                <a:latin typeface="Courier New" charset="0"/>
+                <a:cs typeface="Courier New" charset="0"/>
+              </a:rPr>
+              <a:t>() </a:t>
+            </a:r>
+            <a:r>
+              <a:rPr lang="en-US" sz="1890" b="1" dirty="0">
+                <a:latin typeface="Courier New" charset="0"/>
+                <a:cs typeface="Courier New" charset="0"/>
+              </a:rPr>
+              <a:t>+</a:t>
+            </a:r>
+          </a:p>
+          <a:p>
+            <a:r>
+              <a:rPr lang="en-US" sz="1890" b="1" dirty="0">
+                <a:solidFill>
+                  <a:srgbClr val="7030A0"/>
+                </a:solidFill>
+                <a:latin typeface="Courier New" charset="0"/>
+                <a:cs typeface="Courier New" charset="0"/>
+              </a:rPr>
+              <a:t>  </a:t>
+            </a:r>
+            <a:r>
+              <a:rPr lang="en-US" sz="1890" b="1" dirty="0" err="1">
+                <a:solidFill>
+                  <a:srgbClr val="7030A0"/>
+                </a:solidFill>
+                <a:latin typeface="Courier New" charset="0"/>
+                <a:cs typeface="Courier New" charset="0"/>
+              </a:rPr>
+              <a:t>geom_smooth</a:t>
+            </a:r>
+            <a:r>
+              <a:rPr lang="en-US" sz="1890" b="1" dirty="0">
+                <a:solidFill>
+                  <a:srgbClr val="7030A0"/>
+                </a:solidFill>
+                <a:latin typeface="Courier New" charset="0"/>
+                <a:cs typeface="Courier New" charset="0"/>
+              </a:rPr>
+              <a:t>()</a:t>
+            </a:r>
+          </a:p>
+        </p:txBody>
+      </p:sp>
+      <p:sp>
+        <p:nvSpPr>
+          <p:cNvPr id="8" name="Légende encadrée 2 7">
+            <a:extLst>
+              <a:ext uri="{FF2B5EF4-FFF2-40B4-BE49-F238E27FC236}">
+                <a16:creationId xmlns:a16="http://schemas.microsoft.com/office/drawing/2014/main" id="{4149E83D-8514-BC41-BD62-A9D4678CD97B}"/>
+              </a:ext>
+            </a:extLst>
+          </p:cNvPr>
+          <p:cNvSpPr/>
+          <p:nvPr/>
+        </p:nvSpPr>
+        <p:spPr>
+          <a:xfrm>
+            <a:off x="910872" y="528159"/>
+            <a:ext cx="844025" cy="342448"/>
+          </a:xfrm>
+          <a:prstGeom prst="borderCallout2">
+            <a:avLst>
+              <a:gd name="adj1" fmla="val 54044"/>
+              <a:gd name="adj2" fmla="val 104592"/>
+              <a:gd name="adj3" fmla="val 113708"/>
+              <a:gd name="adj4" fmla="val 188492"/>
+              <a:gd name="adj5" fmla="val 273800"/>
+              <a:gd name="adj6" fmla="val 239524"/>
+            </a:avLst>
+          </a:prstGeom>
+          <a:solidFill>
+            <a:schemeClr val="bg2">
+              <a:lumMod val="75000"/>
+            </a:schemeClr>
+          </a:solidFill>
+          <a:ln>
+            <a:solidFill>
+              <a:schemeClr val="bg2">
+                <a:lumMod val="75000"/>
+              </a:schemeClr>
+            </a:solidFill>
+          </a:ln>
+        </p:spPr>
+        <p:style>
+          <a:lnRef idx="2">
+            <a:schemeClr val="accent1">
+              <a:shade val="50000"/>
+            </a:schemeClr>
+          </a:lnRef>
+          <a:fillRef idx="1">
+            <a:schemeClr val="accent1"/>
+          </a:fillRef>
+          <a:effectRef idx="0">
+            <a:schemeClr val="accent1"/>
+          </a:effectRef>
+          <a:fontRef idx="minor">
+            <a:schemeClr val="lt1"/>
+          </a:fontRef>
+        </p:style>
+        <p:txBody>
+          <a:bodyPr rtlCol="0" anchor="ctr"/>
+          <a:lstStyle/>
+          <a:p>
+            <a:pPr algn="ctr"/>
+            <a:r>
+              <a:rPr lang="en-US" sz="1417" b="1" dirty="0"/>
+              <a:t>Data</a:t>
+            </a:r>
+          </a:p>
+        </p:txBody>
+      </p:sp>
+      <p:sp>
+        <p:nvSpPr>
+          <p:cNvPr id="9" name="Légende encadrée 2 8">
+            <a:extLst>
+              <a:ext uri="{FF2B5EF4-FFF2-40B4-BE49-F238E27FC236}">
+                <a16:creationId xmlns:a16="http://schemas.microsoft.com/office/drawing/2014/main" id="{48454E4A-9008-4240-B730-E4D08F30CD64}"/>
+              </a:ext>
+            </a:extLst>
+          </p:cNvPr>
+          <p:cNvSpPr/>
+          <p:nvPr/>
+        </p:nvSpPr>
+        <p:spPr>
+          <a:xfrm>
+            <a:off x="4630945" y="1457715"/>
+            <a:ext cx="1130519" cy="367274"/>
+          </a:xfrm>
+          <a:prstGeom prst="borderCallout2">
+            <a:avLst>
+              <a:gd name="adj1" fmla="val 112744"/>
+              <a:gd name="adj2" fmla="val 42779"/>
+              <a:gd name="adj3" fmla="val 166600"/>
+              <a:gd name="adj4" fmla="val 30049"/>
+              <a:gd name="adj5" fmla="val 211460"/>
+              <a:gd name="adj6" fmla="val -91799"/>
+            </a:avLst>
+          </a:prstGeom>
+          <a:solidFill>
+            <a:srgbClr val="00B050"/>
+          </a:solidFill>
+          <a:ln>
+            <a:solidFill>
+              <a:srgbClr val="00B050"/>
+            </a:solidFill>
+          </a:ln>
+        </p:spPr>
+        <p:style>
+          <a:lnRef idx="2">
+            <a:schemeClr val="accent1">
+              <a:shade val="50000"/>
+            </a:schemeClr>
+          </a:lnRef>
+          <a:fillRef idx="1">
+            <a:schemeClr val="accent1"/>
+          </a:fillRef>
+          <a:effectRef idx="0">
+            <a:schemeClr val="accent1"/>
+          </a:effectRef>
+          <a:fontRef idx="minor">
+            <a:schemeClr val="lt1"/>
+          </a:fontRef>
+        </p:style>
+        <p:txBody>
+          <a:bodyPr rtlCol="0" anchor="ctr"/>
+          <a:lstStyle/>
+          <a:p>
+            <a:pPr algn="ctr"/>
+            <a:r>
+              <a:rPr lang="en-US" sz="1417" b="1" dirty="0"/>
+              <a:t>Aesthetics</a:t>
+            </a:r>
           </a:p>
         </p:txBody>
       </p:sp>
@@ -5719,23 +5596,23 @@
         </p:nvSpPr>
         <p:spPr>
           <a:xfrm>
-            <a:off x="6977281" y="5321457"/>
-            <a:ext cx="2523165" cy="608073"/>
+            <a:off x="4094257" y="3711264"/>
+            <a:ext cx="968396" cy="342448"/>
           </a:xfrm>
           <a:prstGeom prst="borderCallout2">
             <a:avLst>
-              <a:gd name="adj1" fmla="val 51655"/>
-              <a:gd name="adj2" fmla="val -3566"/>
-              <a:gd name="adj3" fmla="val 30865"/>
-              <a:gd name="adj4" fmla="val -71087"/>
-              <a:gd name="adj5" fmla="val -55912"/>
-              <a:gd name="adj6" fmla="val -89436"/>
+              <a:gd name="adj1" fmla="val 51873"/>
+              <a:gd name="adj2" fmla="val -3650"/>
+              <a:gd name="adj3" fmla="val 16137"/>
+              <a:gd name="adj4" fmla="val -158257"/>
+              <a:gd name="adj5" fmla="val -123279"/>
+              <a:gd name="adj6" fmla="val -195893"/>
             </a:avLst>
           </a:prstGeom>
           <a:solidFill>
             <a:srgbClr val="7030A0"/>
           </a:solidFill>
-          <a:ln w="28575">
+          <a:ln>
             <a:solidFill>
               <a:srgbClr val="7030A0"/>
             </a:solidFill>
@@ -5763,11 +5640,11 @@
           <a:p>
             <a:pPr algn="ctr"/>
             <a:r>
-              <a:rPr lang="en-US" sz="2400" b="1" dirty="0" err="1"/>
-              <a:t>Géométrie</a:t>
-            </a:r>
-            <a:r>
-              <a:rPr lang="en-US" sz="2400" b="1" dirty="0"/>
+              <a:rPr lang="en-US" sz="1417" b="1" dirty="0" err="1"/>
+              <a:t>Geom</a:t>
+            </a:r>
+            <a:r>
+              <a:rPr lang="en-US" sz="1417" b="1" dirty="0"/>
               <a:t>(s)</a:t>
             </a:r>
           </a:p>
@@ -5776,7 +5653,7 @@
     </p:spTree>
     <p:extLst>
       <p:ext uri="{BB962C8B-B14F-4D97-AF65-F5344CB8AC3E}">
-        <p14:creationId xmlns:p14="http://schemas.microsoft.com/office/powerpoint/2010/main" val="3120051478"/>
+        <p14:creationId xmlns:p14="http://schemas.microsoft.com/office/powerpoint/2010/main" val="372199873"/>
       </p:ext>
     </p:extLst>
   </p:cSld>
@@ -5789,7 +5666,7 @@
 <file path=ppt/theme/theme1.xml><?xml version="1.0" encoding="utf-8"?>
 <a:theme xmlns:a="http://schemas.openxmlformats.org/drawingml/2006/main" name="Thème Office">
   <a:themeElements>
-    <a:clrScheme name="Office">
+    <a:clrScheme name="Thème Office">
       <a:dk1>
         <a:sysClr val="windowText" lastClr="000000"/>
       </a:dk1>
@@ -5827,7 +5704,7 @@
         <a:srgbClr val="954F72"/>
       </a:folHlink>
     </a:clrScheme>
-    <a:fontScheme name="Office">
+    <a:fontScheme name="Thème Office">
       <a:majorFont>
         <a:latin typeface="Calibri Light" panose="020F0302020204030204"/>
         <a:ea typeface=""/>
@@ -5862,23 +5739,6 @@
         <a:font script="Viet" typeface="Times New Roman"/>
         <a:font script="Uigh" typeface="Microsoft Uighur"/>
         <a:font script="Geor" typeface="Sylfaen"/>
-        <a:font script="Armn" typeface="Arial"/>
-        <a:font script="Bugi" typeface="Leelawadee UI"/>
-        <a:font script="Bopo" typeface="Microsoft JhengHei"/>
-        <a:font script="Java" typeface="Javanese Text"/>
-        <a:font script="Lisu" typeface="Segoe UI"/>
-        <a:font script="Mymr" typeface="Myanmar Text"/>
-        <a:font script="Nkoo" typeface="Ebrima"/>
-        <a:font script="Olck" typeface="Nirmala UI"/>
-        <a:font script="Osma" typeface="Ebrima"/>
-        <a:font script="Phag" typeface="Phagspa"/>
-        <a:font script="Syrn" typeface="Estrangelo Edessa"/>
-        <a:font script="Syrj" typeface="Estrangelo Edessa"/>
-        <a:font script="Syre" typeface="Estrangelo Edessa"/>
-        <a:font script="Sora" typeface="Nirmala UI"/>
-        <a:font script="Tale" typeface="Microsoft Tai Le"/>
-        <a:font script="Talu" typeface="Microsoft New Tai Lue"/>
-        <a:font script="Tfng" typeface="Ebrima"/>
       </a:majorFont>
       <a:minorFont>
         <a:latin typeface="Calibri" panose="020F0502020204030204"/>
@@ -5914,26 +5774,9 @@
         <a:font script="Viet" typeface="Arial"/>
         <a:font script="Uigh" typeface="Microsoft Uighur"/>
         <a:font script="Geor" typeface="Sylfaen"/>
-        <a:font script="Armn" typeface="Arial"/>
-        <a:font script="Bugi" typeface="Leelawadee UI"/>
-        <a:font script="Bopo" typeface="Microsoft JhengHei"/>
-        <a:font script="Java" typeface="Javanese Text"/>
-        <a:font script="Lisu" typeface="Segoe UI"/>
-        <a:font script="Mymr" typeface="Myanmar Text"/>
-        <a:font script="Nkoo" typeface="Ebrima"/>
-        <a:font script="Olck" typeface="Nirmala UI"/>
-        <a:font script="Osma" typeface="Ebrima"/>
-        <a:font script="Phag" typeface="Phagspa"/>
-        <a:font script="Syrn" typeface="Estrangelo Edessa"/>
-        <a:font script="Syrj" typeface="Estrangelo Edessa"/>
-        <a:font script="Syre" typeface="Estrangelo Edessa"/>
-        <a:font script="Sora" typeface="Nirmala UI"/>
-        <a:font script="Tale" typeface="Microsoft Tai Le"/>
-        <a:font script="Talu" typeface="Microsoft New Tai Lue"/>
-        <a:font script="Tfng" typeface="Ebrima"/>
       </a:minorFont>
     </a:fontScheme>
-    <a:fmtScheme name="Office">
+    <a:fmtScheme name="Thème Office">
       <a:fillStyleLst>
         <a:solidFill>
           <a:schemeClr val="phClr"/>
@@ -6075,7 +5918,7 @@
   <a:extraClrSchemeLst/>
   <a:extLst>
     <a:ext uri="{05A4C25C-085E-4340-85A3-A5531E510DB2}">
-      <thm15:themeFamily xmlns:thm15="http://schemas.microsoft.com/office/thememl/2012/main" name="Office Theme" id="{62F939B6-93AF-4DB8-9C6B-D6C7DFDC589F}" vid="{4A3C46E8-61CC-4603-A589-7422A47A8E4A}"/>
+      <thm15:themeFamily xmlns:thm15="http://schemas.microsoft.com/office/thememl/2012/main" name="Office Theme 2013 - 2022" id="{62F939B6-93AF-4DB8-9C6B-D6C7DFDC589F}" vid="{4A3C46E8-61CC-4603-A589-7422A47A8E4A}"/>
     </a:ext>
   </a:extLst>
 </a:theme>
